--- a/Team4 발표자료/SCIT master 42기_A4_KUROWARE_발표자료.pptx
+++ b/Team4 발표자료/SCIT master 42기_A4_KUROWARE_발표자료.pptx
@@ -25385,7 +25385,7 @@
                   </a:prstClr>
                 </a:solidFill>
               </a:rPr>
-              <a:t>관리자 페이지</a:t>
+              <a:t>회원 페이지</a:t>
             </a:r>
             <a:endParaRPr lang="ko-KR" altLang="en-US" sz="3600" b="1" kern="0" dirty="0">
               <a:solidFill>

--- a/Team4 발표자료/SCIT master 42기_A4_KUROWARE_발표자료.pptx
+++ b/Team4 발표자료/SCIT master 42기_A4_KUROWARE_발표자료.pptx
@@ -10,19 +10,22 @@
     <p:sldId id="265" r:id="rId4"/>
     <p:sldId id="258" r:id="rId5"/>
     <p:sldId id="267" r:id="rId6"/>
-    <p:sldId id="268" r:id="rId7"/>
-    <p:sldId id="269" r:id="rId8"/>
-    <p:sldId id="270" r:id="rId9"/>
-    <p:sldId id="271" r:id="rId10"/>
-    <p:sldId id="272" r:id="rId11"/>
-    <p:sldId id="273" r:id="rId12"/>
-    <p:sldId id="266" r:id="rId13"/>
-    <p:sldId id="259" r:id="rId14"/>
-    <p:sldId id="260" r:id="rId15"/>
-    <p:sldId id="261" r:id="rId16"/>
-    <p:sldId id="262" r:id="rId17"/>
-    <p:sldId id="263" r:id="rId18"/>
-    <p:sldId id="264" r:id="rId19"/>
+    <p:sldId id="275" r:id="rId7"/>
+    <p:sldId id="276" r:id="rId8"/>
+    <p:sldId id="277" r:id="rId9"/>
+    <p:sldId id="268" r:id="rId10"/>
+    <p:sldId id="269" r:id="rId11"/>
+    <p:sldId id="270" r:id="rId12"/>
+    <p:sldId id="271" r:id="rId13"/>
+    <p:sldId id="272" r:id="rId14"/>
+    <p:sldId id="273" r:id="rId15"/>
+    <p:sldId id="266" r:id="rId16"/>
+    <p:sldId id="259" r:id="rId17"/>
+    <p:sldId id="260" r:id="rId18"/>
+    <p:sldId id="261" r:id="rId19"/>
+    <p:sldId id="262" r:id="rId20"/>
+    <p:sldId id="263" r:id="rId21"/>
+    <p:sldId id="264" r:id="rId22"/>
   </p:sldIdLst>
   <p:sldSz cx="12192000" cy="6858000"/>
   <p:notesSz cx="6858000" cy="9144000"/>
@@ -967,6 +970,34 @@
 </cs:chartStyle>
 </file>
 
+<file path=ppt/ink/ink1.xml><?xml version="1.0" encoding="utf-8"?>
+<inkml:ink xmlns:inkml="http://www.w3.org/2003/InkML">
+  <inkml:definitions>
+    <inkml:context xml:id="ctx0">
+      <inkml:inkSource xml:id="inkSrc0">
+        <inkml:traceFormat>
+          <inkml:channel name="X" type="integer" min="-2.14748E9" max="2.14748E9" units="cm"/>
+          <inkml:channel name="Y" type="integer" min="-2.14748E9" max="2.14748E9" units="cm"/>
+          <inkml:channel name="F" type="integer" max="32767" units="dev"/>
+        </inkml:traceFormat>
+        <inkml:channelProperties>
+          <inkml:channelProperty channel="X" name="resolution" value="1000" units="1/cm"/>
+          <inkml:channelProperty channel="Y" name="resolution" value="1000" units="1/cm"/>
+          <inkml:channelProperty channel="F" name="resolution" value="0" units="1/dev"/>
+        </inkml:channelProperties>
+      </inkml:inkSource>
+      <inkml:timestamp xml:id="ts0" timeString="2022-09-28T04:31:50.754"/>
+    </inkml:context>
+    <inkml:brush xml:id="br0">
+      <inkml:brushProperty name="width" value="0.05" units="cm"/>
+      <inkml:brushProperty name="height" value="0.05" units="cm"/>
+      <inkml:brushProperty name="color" value="#E71224"/>
+    </inkml:brush>
+  </inkml:definitions>
+  <inkml:trace contextRef="#ctx0" brushRef="#br0">1 1 24575</inkml:trace>
+</inkml:ink>
+</file>
+
 <file path=ppt/slideLayouts/slideLayout1.xml><?xml version="1.0" encoding="utf-8"?>
 <p:sldLayout xmlns:a="http://schemas.openxmlformats.org/drawingml/2006/main" xmlns:r="http://schemas.openxmlformats.org/officeDocument/2006/relationships" xmlns:p="http://schemas.openxmlformats.org/presentationml/2006/main" type="title" preserve="1">
   <p:cSld name="제목 슬라이드">
@@ -7949,8 +7980,8 @@
         </p:nvSpPr>
         <p:spPr>
           <a:xfrm>
-            <a:off x="7792804" y="2514700"/>
-            <a:ext cx="742511" cy="972574"/>
+            <a:off x="7783187" y="2514700"/>
+            <a:ext cx="761747" cy="1173526"/>
           </a:xfrm>
           <a:prstGeom prst="rect">
             <a:avLst/>
@@ -8023,6 +8054,13 @@
               </a:rPr>
               <a:t> </a:t>
             </a:r>
+          </a:p>
+          <a:p>
+            <a:pPr algn="ctr">
+              <a:lnSpc>
+                <a:spcPct val="150000"/>
+              </a:lnSpc>
+            </a:pPr>
             <a:r>
               <a:rPr lang="ko-KR" altLang="en-US" sz="900" dirty="0">
                 <a:solidFill>
@@ -8034,7 +8072,7 @@
                 <a:latin typeface="나눔스퀘어OTF" panose="020B0600000101010101" pitchFamily="34" charset="-127"/>
                 <a:ea typeface="나눔스퀘어OTF" panose="020B0600000101010101" pitchFamily="34" charset="-127"/>
               </a:rPr>
-              <a:t>및</a:t>
+              <a:t>자유게시판</a:t>
             </a:r>
             <a:endParaRPr lang="en-US" altLang="ko-KR" sz="900" dirty="0">
               <a:solidFill>
@@ -8094,7 +8132,7 @@
                 <a:latin typeface="나눔스퀘어OTF" panose="020B0600000101010101" pitchFamily="34" charset="-127"/>
                 <a:ea typeface="나눔스퀘어OTF" panose="020B0600000101010101" pitchFamily="34" charset="-127"/>
               </a:rPr>
-              <a:t>캘린더 구현</a:t>
+              <a:t>스케줄러</a:t>
             </a:r>
             <a:endParaRPr lang="en-US" altLang="ko-KR" sz="900" dirty="0">
               <a:solidFill>
@@ -9115,7 +9153,7 @@
                   </a:prstClr>
                 </a:solidFill>
               </a:rPr>
-              <a:t>황정우</a:t>
+              <a:t>김지은</a:t>
             </a:r>
             <a:endParaRPr lang="en-US" altLang="ko-KR" sz="2000" b="1" kern="0" dirty="0">
               <a:solidFill>
@@ -9176,7 +9214,7 @@
     </p:spTree>
     <p:extLst>
       <p:ext uri="{BB962C8B-B14F-4D97-AF65-F5344CB8AC3E}">
-        <p14:creationId xmlns:p14="http://schemas.microsoft.com/office/powerpoint/2010/main" val="70930171"/>
+        <p14:creationId xmlns:p14="http://schemas.microsoft.com/office/powerpoint/2010/main" val="144936471"/>
       </p:ext>
     </p:extLst>
   </p:cSld>
@@ -9330,6 +9368,1094 @@
           <a:bodyPr rtlCol="0" anchor="t"/>
           <a:lstStyle/>
           <a:p>
+            <a:pPr latinLnBrk="0">
+              <a:lnSpc>
+                <a:spcPct val="150000"/>
+              </a:lnSpc>
+              <a:defRPr/>
+            </a:pPr>
+            <a:r>
+              <a:rPr lang="en-US" altLang="ko-KR" sz="2000" b="1" kern="0" dirty="0">
+                <a:solidFill>
+                  <a:prstClr val="black">
+                    <a:lumMod val="75000"/>
+                    <a:lumOff val="25000"/>
+                  </a:prstClr>
+                </a:solidFill>
+              </a:rPr>
+              <a:t>4. </a:t>
+            </a:r>
+            <a:r>
+              <a:rPr lang="ko-KR" altLang="en-US" sz="2000" b="1" kern="0" dirty="0">
+                <a:solidFill>
+                  <a:prstClr val="black">
+                    <a:lumMod val="75000"/>
+                    <a:lumOff val="25000"/>
+                  </a:prstClr>
+                </a:solidFill>
+              </a:rPr>
+              <a:t>보안예정 </a:t>
+            </a:r>
+            <a:r>
+              <a:rPr lang="en-US" altLang="ko-KR" sz="2000" b="1" kern="0" dirty="0">
+                <a:solidFill>
+                  <a:prstClr val="black">
+                    <a:lumMod val="75000"/>
+                    <a:lumOff val="25000"/>
+                  </a:prstClr>
+                </a:solidFill>
+              </a:rPr>
+              <a:t>- </a:t>
+            </a:r>
+            <a:r>
+              <a:rPr lang="ko-KR" altLang="en-US" sz="2000" b="1" kern="0" dirty="0" err="1">
+                <a:solidFill>
+                  <a:prstClr val="black">
+                    <a:lumMod val="75000"/>
+                    <a:lumOff val="25000"/>
+                  </a:prstClr>
+                </a:solidFill>
+              </a:rPr>
+              <a:t>고경섭</a:t>
+            </a:r>
+            <a:endParaRPr lang="en-US" altLang="ko-KR" sz="2000" b="1" kern="0" dirty="0">
+              <a:solidFill>
+                <a:prstClr val="black">
+                  <a:lumMod val="75000"/>
+                  <a:lumOff val="25000"/>
+                </a:prstClr>
+              </a:solidFill>
+            </a:endParaRPr>
+          </a:p>
+          <a:p>
+            <a:pPr latinLnBrk="0">
+              <a:lnSpc>
+                <a:spcPct val="150000"/>
+              </a:lnSpc>
+              <a:defRPr/>
+            </a:pPr>
+            <a:r>
+              <a:rPr lang="en-US" altLang="ko-KR" sz="600" b="1" kern="0" dirty="0">
+                <a:solidFill>
+                  <a:prstClr val="white">
+                    <a:lumMod val="75000"/>
+                  </a:prstClr>
+                </a:solidFill>
+              </a:rPr>
+              <a:t>            </a:t>
+            </a:r>
+            <a:r>
+              <a:rPr lang="en-US" altLang="ko-KR" sz="1050" b="1" kern="0" dirty="0">
+                <a:solidFill>
+                  <a:prstClr val="white">
+                    <a:lumMod val="75000"/>
+                  </a:prstClr>
+                </a:solidFill>
+              </a:rPr>
+              <a:t>  | </a:t>
+            </a:r>
+            <a:r>
+              <a:rPr lang="ko-KR" altLang="en-US" sz="1050" b="1" kern="0" dirty="0">
+                <a:solidFill>
+                  <a:prstClr val="white">
+                    <a:lumMod val="75000"/>
+                  </a:prstClr>
+                </a:solidFill>
+              </a:rPr>
+              <a:t>자유게시판</a:t>
+            </a:r>
+            <a:r>
+              <a:rPr lang="en-US" altLang="ko-KR" sz="1050" b="1" kern="0" dirty="0">
+                <a:solidFill>
+                  <a:prstClr val="white">
+                    <a:lumMod val="75000"/>
+                  </a:prstClr>
+                </a:solidFill>
+              </a:rPr>
+              <a:t>, </a:t>
+            </a:r>
+            <a:r>
+              <a:rPr lang="ko-KR" altLang="en-US" sz="1050" b="1" kern="0" dirty="0">
+                <a:solidFill>
+                  <a:prstClr val="white">
+                    <a:lumMod val="75000"/>
+                  </a:prstClr>
+                </a:solidFill>
+              </a:rPr>
+              <a:t>마이페이지</a:t>
+            </a:r>
+            <a:r>
+              <a:rPr lang="en-US" altLang="ko-KR" sz="1050" b="1" kern="0" dirty="0">
+                <a:solidFill>
+                  <a:prstClr val="white">
+                    <a:lumMod val="75000"/>
+                  </a:prstClr>
+                </a:solidFill>
+              </a:rPr>
+              <a:t>, </a:t>
+            </a:r>
+            <a:r>
+              <a:rPr lang="ko-KR" altLang="en-US" sz="1050" b="1" kern="0" dirty="0">
+                <a:solidFill>
+                  <a:prstClr val="white">
+                    <a:lumMod val="75000"/>
+                  </a:prstClr>
+                </a:solidFill>
+              </a:rPr>
+              <a:t>스케줄러</a:t>
+            </a:r>
+            <a:endParaRPr lang="ko-KR" altLang="en-US" sz="3600" b="1" kern="0" dirty="0">
+              <a:solidFill>
+                <a:prstClr val="white">
+                  <a:lumMod val="75000"/>
+                </a:prstClr>
+              </a:solidFill>
+            </a:endParaRPr>
+          </a:p>
+        </p:txBody>
+      </p:sp>
+      <p:sp>
+        <p:nvSpPr>
+          <p:cNvPr id="2" name="TextBox 1">
+            <a:extLst>
+              <a:ext uri="{FF2B5EF4-FFF2-40B4-BE49-F238E27FC236}">
+                <a16:creationId xmlns:a16="http://schemas.microsoft.com/office/drawing/2014/main" id="{66EA0542-2D2E-A4B6-B018-DC14A5CDE5E1}"/>
+              </a:ext>
+            </a:extLst>
+          </p:cNvPr>
+          <p:cNvSpPr txBox="1"/>
+          <p:nvPr/>
+        </p:nvSpPr>
+        <p:spPr>
+          <a:xfrm>
+            <a:off x="681486" y="1191274"/>
+            <a:ext cx="8142872" cy="1384995"/>
+          </a:xfrm>
+          <a:prstGeom prst="rect">
+            <a:avLst/>
+          </a:prstGeom>
+          <a:noFill/>
+        </p:spPr>
+        <p:txBody>
+          <a:bodyPr wrap="square" rtlCol="0">
+            <a:spAutoFit/>
+          </a:bodyPr>
+          <a:lstStyle/>
+          <a:p>
+            <a:pPr marL="171450" indent="-171450">
+              <a:buFont typeface="Wingdings" panose="05000000000000000000" pitchFamily="2" charset="2"/>
+              <a:buChar char="ü"/>
+            </a:pPr>
+            <a:r>
+              <a:rPr lang="ko-KR" altLang="en-US" sz="1200" dirty="0">
+                <a:solidFill>
+                  <a:schemeClr val="accent1">
+                    <a:lumMod val="60000"/>
+                    <a:lumOff val="40000"/>
+                  </a:schemeClr>
+                </a:solidFill>
+              </a:rPr>
+              <a:t>자유게시판내의 </a:t>
+            </a:r>
+            <a:r>
+              <a:rPr lang="en-US" altLang="ko-KR" sz="1200" dirty="0">
+                <a:solidFill>
+                  <a:schemeClr val="accent1">
+                    <a:lumMod val="60000"/>
+                    <a:lumOff val="40000"/>
+                  </a:schemeClr>
+                </a:solidFill>
+              </a:rPr>
+              <a:t>Page Navigator(</a:t>
+            </a:r>
+            <a:r>
+              <a:rPr lang="ko-KR" altLang="en-US" sz="1200" dirty="0">
+                <a:solidFill>
+                  <a:schemeClr val="accent1">
+                    <a:lumMod val="60000"/>
+                    <a:lumOff val="40000"/>
+                  </a:schemeClr>
+                </a:solidFill>
+              </a:rPr>
+              <a:t>페이지 표시</a:t>
+            </a:r>
+            <a:r>
+              <a:rPr lang="en-US" altLang="ko-KR" sz="1200" dirty="0">
+                <a:solidFill>
+                  <a:schemeClr val="accent1">
+                    <a:lumMod val="60000"/>
+                    <a:lumOff val="40000"/>
+                  </a:schemeClr>
+                </a:solidFill>
+              </a:rPr>
+              <a:t>) </a:t>
+            </a:r>
+            <a:r>
+              <a:rPr lang="ko-KR" altLang="en-US" sz="1200" dirty="0">
+                <a:solidFill>
+                  <a:schemeClr val="accent1">
+                    <a:lumMod val="60000"/>
+                    <a:lumOff val="40000"/>
+                  </a:schemeClr>
+                </a:solidFill>
+              </a:rPr>
+              <a:t>오류 개선</a:t>
+            </a:r>
+            <a:endParaRPr lang="en-US" altLang="ko-KR" sz="1200" dirty="0">
+              <a:solidFill>
+                <a:schemeClr val="accent1">
+                  <a:lumMod val="60000"/>
+                  <a:lumOff val="40000"/>
+                </a:schemeClr>
+              </a:solidFill>
+            </a:endParaRPr>
+          </a:p>
+          <a:p>
+            <a:pPr marL="171450" indent="-171450">
+              <a:buFont typeface="Wingdings" panose="05000000000000000000" pitchFamily="2" charset="2"/>
+              <a:buChar char="ü"/>
+            </a:pPr>
+            <a:endParaRPr lang="en-US" altLang="ko-KR" sz="1200" dirty="0">
+              <a:solidFill>
+                <a:schemeClr val="accent1">
+                  <a:lumMod val="60000"/>
+                  <a:lumOff val="40000"/>
+                </a:schemeClr>
+              </a:solidFill>
+            </a:endParaRPr>
+          </a:p>
+          <a:p>
+            <a:pPr marL="171450" indent="-171450">
+              <a:buFont typeface="Wingdings" panose="05000000000000000000" pitchFamily="2" charset="2"/>
+              <a:buChar char="ü"/>
+            </a:pPr>
+            <a:r>
+              <a:rPr lang="ko-KR" altLang="en-US" sz="1200" dirty="0">
+                <a:solidFill>
+                  <a:schemeClr val="accent1">
+                    <a:lumMod val="60000"/>
+                    <a:lumOff val="40000"/>
+                  </a:schemeClr>
+                </a:solidFill>
+              </a:rPr>
+              <a:t>자유게시판 </a:t>
+            </a:r>
+            <a:r>
+              <a:rPr lang="en-US" altLang="ko-KR" sz="1200" dirty="0">
+                <a:solidFill>
+                  <a:schemeClr val="accent1">
+                    <a:lumMod val="60000"/>
+                    <a:lumOff val="40000"/>
+                  </a:schemeClr>
+                </a:solidFill>
+              </a:rPr>
+              <a:t>CSS </a:t>
+            </a:r>
+            <a:r>
+              <a:rPr lang="ko-KR" altLang="en-US" sz="1200" dirty="0">
+                <a:solidFill>
+                  <a:schemeClr val="accent1">
+                    <a:lumMod val="60000"/>
+                    <a:lumOff val="40000"/>
+                  </a:schemeClr>
+                </a:solidFill>
+              </a:rPr>
+              <a:t>수정</a:t>
+            </a:r>
+            <a:endParaRPr lang="en-US" altLang="ko-KR" sz="1200" dirty="0">
+              <a:solidFill>
+                <a:schemeClr val="accent1">
+                  <a:lumMod val="60000"/>
+                  <a:lumOff val="40000"/>
+                </a:schemeClr>
+              </a:solidFill>
+            </a:endParaRPr>
+          </a:p>
+          <a:p>
+            <a:pPr marL="171450" indent="-171450">
+              <a:buFont typeface="Wingdings" panose="05000000000000000000" pitchFamily="2" charset="2"/>
+              <a:buChar char="ü"/>
+            </a:pPr>
+            <a:endParaRPr lang="en-US" altLang="ko-KR" sz="1200" dirty="0">
+              <a:solidFill>
+                <a:schemeClr val="accent1">
+                  <a:lumMod val="60000"/>
+                  <a:lumOff val="40000"/>
+                </a:schemeClr>
+              </a:solidFill>
+            </a:endParaRPr>
+          </a:p>
+          <a:p>
+            <a:pPr marL="171450" indent="-171450">
+              <a:buFont typeface="Wingdings" panose="05000000000000000000" pitchFamily="2" charset="2"/>
+              <a:buChar char="ü"/>
+            </a:pPr>
+            <a:r>
+              <a:rPr lang="ko-KR" altLang="en-US" sz="1200" dirty="0">
+                <a:solidFill>
+                  <a:schemeClr val="accent1">
+                    <a:lumMod val="60000"/>
+                    <a:lumOff val="40000"/>
+                  </a:schemeClr>
+                </a:solidFill>
+              </a:rPr>
+              <a:t>마이 페이지내의 미처리 결재사항 출력기능 구현</a:t>
+            </a:r>
+            <a:endParaRPr lang="en-US" altLang="ko-KR" sz="1200" dirty="0">
+              <a:solidFill>
+                <a:schemeClr val="accent1">
+                  <a:lumMod val="60000"/>
+                  <a:lumOff val="40000"/>
+                </a:schemeClr>
+              </a:solidFill>
+            </a:endParaRPr>
+          </a:p>
+          <a:p>
+            <a:pPr marL="171450" indent="-171450">
+              <a:buFont typeface="Wingdings" panose="05000000000000000000" pitchFamily="2" charset="2"/>
+              <a:buChar char="ü"/>
+            </a:pPr>
+            <a:endParaRPr lang="en-US" altLang="ko-KR" sz="1200" dirty="0">
+              <a:solidFill>
+                <a:schemeClr val="accent1">
+                  <a:lumMod val="60000"/>
+                  <a:lumOff val="40000"/>
+                </a:schemeClr>
+              </a:solidFill>
+            </a:endParaRPr>
+          </a:p>
+          <a:p>
+            <a:pPr marL="171450" indent="-171450">
+              <a:buFont typeface="Wingdings" panose="05000000000000000000" pitchFamily="2" charset="2"/>
+              <a:buChar char="ü"/>
+            </a:pPr>
+            <a:r>
+              <a:rPr lang="ko-KR" altLang="en-US" sz="1200" dirty="0">
+                <a:solidFill>
+                  <a:schemeClr val="accent1">
+                    <a:lumMod val="60000"/>
+                    <a:lumOff val="40000"/>
+                  </a:schemeClr>
+                </a:solidFill>
+              </a:rPr>
+              <a:t>스케줄러 페이지 </a:t>
+            </a:r>
+            <a:r>
+              <a:rPr lang="en-US" altLang="ko-KR" sz="1200" dirty="0">
+                <a:solidFill>
+                  <a:schemeClr val="accent1">
+                    <a:lumMod val="60000"/>
+                    <a:lumOff val="40000"/>
+                  </a:schemeClr>
+                </a:solidFill>
+              </a:rPr>
+              <a:t>CSS </a:t>
+            </a:r>
+            <a:r>
+              <a:rPr lang="ko-KR" altLang="en-US" sz="1200" dirty="0">
+                <a:solidFill>
+                  <a:schemeClr val="accent1">
+                    <a:lumMod val="60000"/>
+                    <a:lumOff val="40000"/>
+                  </a:schemeClr>
+                </a:solidFill>
+              </a:rPr>
+              <a:t>적용</a:t>
+            </a:r>
+            <a:endParaRPr lang="en-US" altLang="ko-KR" sz="1200" dirty="0">
+              <a:solidFill>
+                <a:schemeClr val="accent1">
+                  <a:lumMod val="60000"/>
+                  <a:lumOff val="40000"/>
+                </a:schemeClr>
+              </a:solidFill>
+            </a:endParaRPr>
+          </a:p>
+        </p:txBody>
+      </p:sp>
+    </p:spTree>
+    <p:extLst>
+      <p:ext uri="{BB962C8B-B14F-4D97-AF65-F5344CB8AC3E}">
+        <p14:creationId xmlns:p14="http://schemas.microsoft.com/office/powerpoint/2010/main" val="2949216614"/>
+      </p:ext>
+    </p:extLst>
+  </p:cSld>
+  <p:clrMapOvr>
+    <a:masterClrMapping/>
+  </p:clrMapOvr>
+</p:sld>
+</file>
+
+<file path=ppt/slides/slide12.xml><?xml version="1.0" encoding="utf-8"?>
+<p:sld xmlns:a="http://schemas.openxmlformats.org/drawingml/2006/main" xmlns:r="http://schemas.openxmlformats.org/officeDocument/2006/relationships" xmlns:p="http://schemas.openxmlformats.org/presentationml/2006/main">
+  <p:cSld>
+    <p:bg>
+      <p:bgPr>
+        <a:solidFill>
+          <a:srgbClr val="28395C"/>
+        </a:solidFill>
+        <a:effectLst/>
+      </p:bgPr>
+    </p:bg>
+    <p:spTree>
+      <p:nvGrpSpPr>
+        <p:cNvPr id="1" name=""/>
+        <p:cNvGrpSpPr/>
+        <p:nvPr/>
+      </p:nvGrpSpPr>
+      <p:grpSpPr>
+        <a:xfrm>
+          <a:off x="0" y="0"/>
+          <a:ext cx="0" cy="0"/>
+          <a:chOff x="0" y="0"/>
+          <a:chExt cx="0" cy="0"/>
+        </a:xfrm>
+      </p:grpSpPr>
+      <p:sp>
+        <p:nvSpPr>
+          <p:cNvPr id="6" name="직사각형 5">
+            <a:extLst>
+              <a:ext uri="{FF2B5EF4-FFF2-40B4-BE49-F238E27FC236}">
+                <a16:creationId xmlns:a16="http://schemas.microsoft.com/office/drawing/2014/main" id="{ADA899EA-5290-4466-9CDB-D71C1B2EDCFA}"/>
+              </a:ext>
+            </a:extLst>
+          </p:cNvPr>
+          <p:cNvSpPr/>
+          <p:nvPr/>
+        </p:nvSpPr>
+        <p:spPr>
+          <a:xfrm>
+            <a:off x="0" y="0"/>
+            <a:ext cx="12192000" cy="3429000"/>
+          </a:xfrm>
+          <a:prstGeom prst="rect">
+            <a:avLst/>
+          </a:prstGeom>
+          <a:solidFill>
+            <a:schemeClr val="accent3">
+              <a:lumMod val="20000"/>
+              <a:lumOff val="80000"/>
+            </a:schemeClr>
+          </a:solidFill>
+          <a:ln>
+            <a:noFill/>
+          </a:ln>
+          <a:effectLst/>
+        </p:spPr>
+        <p:style>
+          <a:lnRef idx="2">
+            <a:schemeClr val="accent1">
+              <a:shade val="50000"/>
+            </a:schemeClr>
+          </a:lnRef>
+          <a:fillRef idx="1">
+            <a:schemeClr val="accent1"/>
+          </a:fillRef>
+          <a:effectRef idx="0">
+            <a:schemeClr val="accent1"/>
+          </a:effectRef>
+          <a:fontRef idx="minor">
+            <a:schemeClr val="lt1"/>
+          </a:fontRef>
+        </p:style>
+        <p:txBody>
+          <a:bodyPr rtlCol="0" anchor="ctr"/>
+          <a:lstStyle/>
+          <a:p>
+            <a:pPr algn="ctr" latinLnBrk="0">
+              <a:lnSpc>
+                <a:spcPct val="150000"/>
+              </a:lnSpc>
+              <a:defRPr/>
+            </a:pPr>
+            <a:endParaRPr lang="ko-KR" altLang="en-US" sz="7200" kern="0" dirty="0">
+              <a:solidFill>
+                <a:prstClr val="white"/>
+              </a:solidFill>
+            </a:endParaRPr>
+          </a:p>
+        </p:txBody>
+      </p:sp>
+      <p:sp>
+        <p:nvSpPr>
+          <p:cNvPr id="7" name="모서리가 둥근 직사각형 5">
+            <a:extLst>
+              <a:ext uri="{FF2B5EF4-FFF2-40B4-BE49-F238E27FC236}">
+                <a16:creationId xmlns:a16="http://schemas.microsoft.com/office/drawing/2014/main" id="{978B0B98-AD96-4F4D-A1D3-E344E7E3ADFB}"/>
+              </a:ext>
+            </a:extLst>
+          </p:cNvPr>
+          <p:cNvSpPr/>
+          <p:nvPr/>
+        </p:nvSpPr>
+        <p:spPr>
+          <a:xfrm>
+            <a:off x="222422" y="252037"/>
+            <a:ext cx="11747157" cy="6353926"/>
+          </a:xfrm>
+          <a:prstGeom prst="rect">
+            <a:avLst/>
+          </a:prstGeom>
+          <a:solidFill>
+            <a:schemeClr val="bg1"/>
+          </a:solidFill>
+          <a:ln w="9525">
+            <a:noFill/>
+          </a:ln>
+          <a:effectLst>
+            <a:outerShdw dist="127000" dir="2700000" algn="tl" rotWithShape="0">
+              <a:prstClr val="black">
+                <a:alpha val="10000"/>
+              </a:prstClr>
+            </a:outerShdw>
+          </a:effectLst>
+        </p:spPr>
+        <p:style>
+          <a:lnRef idx="2">
+            <a:schemeClr val="accent1">
+              <a:shade val="50000"/>
+            </a:schemeClr>
+          </a:lnRef>
+          <a:fillRef idx="1">
+            <a:schemeClr val="accent1"/>
+          </a:fillRef>
+          <a:effectRef idx="0">
+            <a:schemeClr val="accent1"/>
+          </a:effectRef>
+          <a:fontRef idx="minor">
+            <a:schemeClr val="lt1"/>
+          </a:fontRef>
+        </p:style>
+        <p:txBody>
+          <a:bodyPr rtlCol="0" anchor="t"/>
+          <a:lstStyle/>
+          <a:p>
+            <a:pPr latinLnBrk="0">
+              <a:lnSpc>
+                <a:spcPct val="150000"/>
+              </a:lnSpc>
+              <a:defRPr/>
+            </a:pPr>
+            <a:r>
+              <a:rPr lang="en-US" altLang="ko-KR" sz="2000" b="1" kern="0" dirty="0">
+                <a:solidFill>
+                  <a:prstClr val="black">
+                    <a:lumMod val="75000"/>
+                    <a:lumOff val="25000"/>
+                  </a:prstClr>
+                </a:solidFill>
+              </a:rPr>
+              <a:t>4. </a:t>
+            </a:r>
+            <a:r>
+              <a:rPr lang="ko-KR" altLang="en-US" sz="2000" b="1" kern="0" dirty="0">
+                <a:solidFill>
+                  <a:prstClr val="black">
+                    <a:lumMod val="75000"/>
+                    <a:lumOff val="25000"/>
+                  </a:prstClr>
+                </a:solidFill>
+              </a:rPr>
+              <a:t>보안예정 </a:t>
+            </a:r>
+            <a:r>
+              <a:rPr lang="en-US" altLang="ko-KR" sz="2000" b="1" kern="0" dirty="0">
+                <a:solidFill>
+                  <a:prstClr val="black">
+                    <a:lumMod val="75000"/>
+                    <a:lumOff val="25000"/>
+                  </a:prstClr>
+                </a:solidFill>
+              </a:rPr>
+              <a:t>- </a:t>
+            </a:r>
+            <a:r>
+              <a:rPr lang="ko-KR" altLang="en-US" sz="2000" b="1" kern="0" dirty="0" err="1">
+                <a:solidFill>
+                  <a:prstClr val="black">
+                    <a:lumMod val="75000"/>
+                    <a:lumOff val="25000"/>
+                  </a:prstClr>
+                </a:solidFill>
+              </a:rPr>
+              <a:t>홍윤혜</a:t>
+            </a:r>
+            <a:endParaRPr lang="en-US" altLang="ko-KR" sz="2000" b="1" kern="0" dirty="0">
+              <a:solidFill>
+                <a:prstClr val="black">
+                  <a:lumMod val="75000"/>
+                  <a:lumOff val="25000"/>
+                </a:prstClr>
+              </a:solidFill>
+            </a:endParaRPr>
+          </a:p>
+          <a:p>
+            <a:pPr latinLnBrk="0">
+              <a:lnSpc>
+                <a:spcPct val="150000"/>
+              </a:lnSpc>
+              <a:defRPr/>
+            </a:pPr>
+            <a:r>
+              <a:rPr lang="en-US" altLang="ko-KR" sz="600" b="1" kern="0" dirty="0">
+                <a:solidFill>
+                  <a:prstClr val="white">
+                    <a:lumMod val="75000"/>
+                  </a:prstClr>
+                </a:solidFill>
+              </a:rPr>
+              <a:t>            </a:t>
+            </a:r>
+            <a:r>
+              <a:rPr lang="en-US" altLang="ko-KR" sz="1050" b="1" kern="0" dirty="0">
+                <a:solidFill>
+                  <a:prstClr val="white">
+                    <a:lumMod val="75000"/>
+                  </a:prstClr>
+                </a:solidFill>
+              </a:rPr>
+              <a:t>  | </a:t>
+            </a:r>
+            <a:r>
+              <a:rPr lang="ko-KR" altLang="en-US" sz="1050" b="1" kern="0" dirty="0">
+                <a:solidFill>
+                  <a:prstClr val="white">
+                    <a:lumMod val="75000"/>
+                  </a:prstClr>
+                </a:solidFill>
+              </a:rPr>
+              <a:t>관리자 페이지</a:t>
+            </a:r>
+            <a:endParaRPr lang="ko-KR" altLang="en-US" sz="3600" b="1" kern="0" dirty="0">
+              <a:solidFill>
+                <a:prstClr val="white">
+                  <a:lumMod val="75000"/>
+                </a:prstClr>
+              </a:solidFill>
+            </a:endParaRPr>
+          </a:p>
+        </p:txBody>
+      </p:sp>
+    </p:spTree>
+    <p:extLst>
+      <p:ext uri="{BB962C8B-B14F-4D97-AF65-F5344CB8AC3E}">
+        <p14:creationId xmlns:p14="http://schemas.microsoft.com/office/powerpoint/2010/main" val="1130797691"/>
+      </p:ext>
+    </p:extLst>
+  </p:cSld>
+  <p:clrMapOvr>
+    <a:masterClrMapping/>
+  </p:clrMapOvr>
+</p:sld>
+</file>
+
+<file path=ppt/slides/slide13.xml><?xml version="1.0" encoding="utf-8"?>
+<p:sld xmlns:a="http://schemas.openxmlformats.org/drawingml/2006/main" xmlns:r="http://schemas.openxmlformats.org/officeDocument/2006/relationships" xmlns:p="http://schemas.openxmlformats.org/presentationml/2006/main">
+  <p:cSld>
+    <p:bg>
+      <p:bgPr>
+        <a:solidFill>
+          <a:srgbClr val="28395C"/>
+        </a:solidFill>
+        <a:effectLst/>
+      </p:bgPr>
+    </p:bg>
+    <p:spTree>
+      <p:nvGrpSpPr>
+        <p:cNvPr id="1" name=""/>
+        <p:cNvGrpSpPr/>
+        <p:nvPr/>
+      </p:nvGrpSpPr>
+      <p:grpSpPr>
+        <a:xfrm>
+          <a:off x="0" y="0"/>
+          <a:ext cx="0" cy="0"/>
+          <a:chOff x="0" y="0"/>
+          <a:chExt cx="0" cy="0"/>
+        </a:xfrm>
+      </p:grpSpPr>
+      <p:sp>
+        <p:nvSpPr>
+          <p:cNvPr id="6" name="직사각형 5">
+            <a:extLst>
+              <a:ext uri="{FF2B5EF4-FFF2-40B4-BE49-F238E27FC236}">
+                <a16:creationId xmlns:a16="http://schemas.microsoft.com/office/drawing/2014/main" id="{ADA899EA-5290-4466-9CDB-D71C1B2EDCFA}"/>
+              </a:ext>
+            </a:extLst>
+          </p:cNvPr>
+          <p:cNvSpPr/>
+          <p:nvPr/>
+        </p:nvSpPr>
+        <p:spPr>
+          <a:xfrm>
+            <a:off x="0" y="0"/>
+            <a:ext cx="12192000" cy="3429000"/>
+          </a:xfrm>
+          <a:prstGeom prst="rect">
+            <a:avLst/>
+          </a:prstGeom>
+          <a:solidFill>
+            <a:schemeClr val="accent3">
+              <a:lumMod val="20000"/>
+              <a:lumOff val="80000"/>
+            </a:schemeClr>
+          </a:solidFill>
+          <a:ln>
+            <a:noFill/>
+          </a:ln>
+          <a:effectLst/>
+        </p:spPr>
+        <p:style>
+          <a:lnRef idx="2">
+            <a:schemeClr val="accent1">
+              <a:shade val="50000"/>
+            </a:schemeClr>
+          </a:lnRef>
+          <a:fillRef idx="1">
+            <a:schemeClr val="accent1"/>
+          </a:fillRef>
+          <a:effectRef idx="0">
+            <a:schemeClr val="accent1"/>
+          </a:effectRef>
+          <a:fontRef idx="minor">
+            <a:schemeClr val="lt1"/>
+          </a:fontRef>
+        </p:style>
+        <p:txBody>
+          <a:bodyPr rtlCol="0" anchor="ctr"/>
+          <a:lstStyle/>
+          <a:p>
+            <a:pPr algn="ctr" latinLnBrk="0">
+              <a:lnSpc>
+                <a:spcPct val="150000"/>
+              </a:lnSpc>
+              <a:defRPr/>
+            </a:pPr>
+            <a:endParaRPr lang="ko-KR" altLang="en-US" sz="7200" kern="0" dirty="0">
+              <a:solidFill>
+                <a:prstClr val="white"/>
+              </a:solidFill>
+            </a:endParaRPr>
+          </a:p>
+        </p:txBody>
+      </p:sp>
+      <p:sp>
+        <p:nvSpPr>
+          <p:cNvPr id="7" name="모서리가 둥근 직사각형 5">
+            <a:extLst>
+              <a:ext uri="{FF2B5EF4-FFF2-40B4-BE49-F238E27FC236}">
+                <a16:creationId xmlns:a16="http://schemas.microsoft.com/office/drawing/2014/main" id="{978B0B98-AD96-4F4D-A1D3-E344E7E3ADFB}"/>
+              </a:ext>
+            </a:extLst>
+          </p:cNvPr>
+          <p:cNvSpPr/>
+          <p:nvPr/>
+        </p:nvSpPr>
+        <p:spPr>
+          <a:xfrm>
+            <a:off x="222422" y="252037"/>
+            <a:ext cx="11747157" cy="6353926"/>
+          </a:xfrm>
+          <a:prstGeom prst="rect">
+            <a:avLst/>
+          </a:prstGeom>
+          <a:solidFill>
+            <a:schemeClr val="bg1"/>
+          </a:solidFill>
+          <a:ln w="9525">
+            <a:noFill/>
+          </a:ln>
+          <a:effectLst>
+            <a:outerShdw dist="127000" dir="2700000" algn="tl" rotWithShape="0">
+              <a:prstClr val="black">
+                <a:alpha val="10000"/>
+              </a:prstClr>
+            </a:outerShdw>
+          </a:effectLst>
+        </p:spPr>
+        <p:style>
+          <a:lnRef idx="2">
+            <a:schemeClr val="accent1">
+              <a:shade val="50000"/>
+            </a:schemeClr>
+          </a:lnRef>
+          <a:fillRef idx="1">
+            <a:schemeClr val="accent1"/>
+          </a:fillRef>
+          <a:effectRef idx="0">
+            <a:schemeClr val="accent1"/>
+          </a:effectRef>
+          <a:fontRef idx="minor">
+            <a:schemeClr val="lt1"/>
+          </a:fontRef>
+        </p:style>
+        <p:txBody>
+          <a:bodyPr rtlCol="0" anchor="t"/>
+          <a:lstStyle/>
+          <a:p>
+            <a:pPr latinLnBrk="0">
+              <a:lnSpc>
+                <a:spcPct val="150000"/>
+              </a:lnSpc>
+              <a:defRPr/>
+            </a:pPr>
+            <a:r>
+              <a:rPr lang="en-US" altLang="ko-KR" sz="2000" b="1" kern="0" dirty="0">
+                <a:solidFill>
+                  <a:prstClr val="black">
+                    <a:lumMod val="75000"/>
+                    <a:lumOff val="25000"/>
+                  </a:prstClr>
+                </a:solidFill>
+              </a:rPr>
+              <a:t>4. </a:t>
+            </a:r>
+            <a:r>
+              <a:rPr lang="ko-KR" altLang="en-US" sz="2000" b="1" kern="0" dirty="0">
+                <a:solidFill>
+                  <a:prstClr val="black">
+                    <a:lumMod val="75000"/>
+                    <a:lumOff val="25000"/>
+                  </a:prstClr>
+                </a:solidFill>
+              </a:rPr>
+              <a:t>보안예정 </a:t>
+            </a:r>
+            <a:r>
+              <a:rPr lang="en-US" altLang="ko-KR" sz="2000" b="1" kern="0" dirty="0">
+                <a:solidFill>
+                  <a:prstClr val="black">
+                    <a:lumMod val="75000"/>
+                    <a:lumOff val="25000"/>
+                  </a:prstClr>
+                </a:solidFill>
+              </a:rPr>
+              <a:t>- </a:t>
+            </a:r>
+            <a:r>
+              <a:rPr lang="ko-KR" altLang="en-US" sz="2000" b="1" kern="0" dirty="0">
+                <a:solidFill>
+                  <a:prstClr val="black">
+                    <a:lumMod val="75000"/>
+                    <a:lumOff val="25000"/>
+                  </a:prstClr>
+                </a:solidFill>
+              </a:rPr>
+              <a:t>황정우</a:t>
+            </a:r>
+            <a:endParaRPr lang="en-US" altLang="ko-KR" sz="2000" b="1" kern="0" dirty="0">
+              <a:solidFill>
+                <a:prstClr val="black">
+                  <a:lumMod val="75000"/>
+                  <a:lumOff val="25000"/>
+                </a:prstClr>
+              </a:solidFill>
+            </a:endParaRPr>
+          </a:p>
+          <a:p>
+            <a:pPr latinLnBrk="0">
+              <a:lnSpc>
+                <a:spcPct val="150000"/>
+              </a:lnSpc>
+              <a:defRPr/>
+            </a:pPr>
+            <a:r>
+              <a:rPr lang="en-US" altLang="ko-KR" sz="600" b="1" kern="0" dirty="0">
+                <a:solidFill>
+                  <a:prstClr val="white">
+                    <a:lumMod val="75000"/>
+                  </a:prstClr>
+                </a:solidFill>
+              </a:rPr>
+              <a:t>            </a:t>
+            </a:r>
+            <a:r>
+              <a:rPr lang="en-US" altLang="ko-KR" sz="1050" b="1" kern="0" dirty="0">
+                <a:solidFill>
+                  <a:prstClr val="white">
+                    <a:lumMod val="75000"/>
+                  </a:prstClr>
+                </a:solidFill>
+              </a:rPr>
+              <a:t>  | </a:t>
+            </a:r>
+            <a:r>
+              <a:rPr lang="ko-KR" altLang="en-US" sz="1050" b="1" kern="0" dirty="0">
+                <a:solidFill>
+                  <a:prstClr val="white">
+                    <a:lumMod val="75000"/>
+                  </a:prstClr>
+                </a:solidFill>
+              </a:rPr>
+              <a:t>관리자 페이지</a:t>
+            </a:r>
+            <a:endParaRPr lang="ko-KR" altLang="en-US" sz="3600" b="1" kern="0" dirty="0">
+              <a:solidFill>
+                <a:prstClr val="white">
+                  <a:lumMod val="75000"/>
+                </a:prstClr>
+              </a:solidFill>
+            </a:endParaRPr>
+          </a:p>
+        </p:txBody>
+      </p:sp>
+    </p:spTree>
+    <p:extLst>
+      <p:ext uri="{BB962C8B-B14F-4D97-AF65-F5344CB8AC3E}">
+        <p14:creationId xmlns:p14="http://schemas.microsoft.com/office/powerpoint/2010/main" val="70930171"/>
+      </p:ext>
+    </p:extLst>
+  </p:cSld>
+  <p:clrMapOvr>
+    <a:masterClrMapping/>
+  </p:clrMapOvr>
+</p:sld>
+</file>
+
+<file path=ppt/slides/slide14.xml><?xml version="1.0" encoding="utf-8"?>
+<p:sld xmlns:a="http://schemas.openxmlformats.org/drawingml/2006/main" xmlns:r="http://schemas.openxmlformats.org/officeDocument/2006/relationships" xmlns:p="http://schemas.openxmlformats.org/presentationml/2006/main">
+  <p:cSld>
+    <p:bg>
+      <p:bgPr>
+        <a:solidFill>
+          <a:srgbClr val="28395C"/>
+        </a:solidFill>
+        <a:effectLst/>
+      </p:bgPr>
+    </p:bg>
+    <p:spTree>
+      <p:nvGrpSpPr>
+        <p:cNvPr id="1" name=""/>
+        <p:cNvGrpSpPr/>
+        <p:nvPr/>
+      </p:nvGrpSpPr>
+      <p:grpSpPr>
+        <a:xfrm>
+          <a:off x="0" y="0"/>
+          <a:ext cx="0" cy="0"/>
+          <a:chOff x="0" y="0"/>
+          <a:chExt cx="0" cy="0"/>
+        </a:xfrm>
+      </p:grpSpPr>
+      <p:sp>
+        <p:nvSpPr>
+          <p:cNvPr id="6" name="직사각형 5">
+            <a:extLst>
+              <a:ext uri="{FF2B5EF4-FFF2-40B4-BE49-F238E27FC236}">
+                <a16:creationId xmlns:a16="http://schemas.microsoft.com/office/drawing/2014/main" id="{ADA899EA-5290-4466-9CDB-D71C1B2EDCFA}"/>
+              </a:ext>
+            </a:extLst>
+          </p:cNvPr>
+          <p:cNvSpPr/>
+          <p:nvPr/>
+        </p:nvSpPr>
+        <p:spPr>
+          <a:xfrm>
+            <a:off x="0" y="0"/>
+            <a:ext cx="12192000" cy="3429000"/>
+          </a:xfrm>
+          <a:prstGeom prst="rect">
+            <a:avLst/>
+          </a:prstGeom>
+          <a:solidFill>
+            <a:schemeClr val="accent3">
+              <a:lumMod val="20000"/>
+              <a:lumOff val="80000"/>
+            </a:schemeClr>
+          </a:solidFill>
+          <a:ln>
+            <a:noFill/>
+          </a:ln>
+          <a:effectLst/>
+        </p:spPr>
+        <p:style>
+          <a:lnRef idx="2">
+            <a:schemeClr val="accent1">
+              <a:shade val="50000"/>
+            </a:schemeClr>
+          </a:lnRef>
+          <a:fillRef idx="1">
+            <a:schemeClr val="accent1"/>
+          </a:fillRef>
+          <a:effectRef idx="0">
+            <a:schemeClr val="accent1"/>
+          </a:effectRef>
+          <a:fontRef idx="minor">
+            <a:schemeClr val="lt1"/>
+          </a:fontRef>
+        </p:style>
+        <p:txBody>
+          <a:bodyPr rtlCol="0" anchor="ctr"/>
+          <a:lstStyle/>
+          <a:p>
+            <a:pPr algn="ctr" latinLnBrk="0">
+              <a:lnSpc>
+                <a:spcPct val="150000"/>
+              </a:lnSpc>
+              <a:defRPr/>
+            </a:pPr>
+            <a:endParaRPr lang="ko-KR" altLang="en-US" sz="7200" kern="0" dirty="0">
+              <a:solidFill>
+                <a:prstClr val="white"/>
+              </a:solidFill>
+            </a:endParaRPr>
+          </a:p>
+        </p:txBody>
+      </p:sp>
+      <p:sp>
+        <p:nvSpPr>
+          <p:cNvPr id="7" name="모서리가 둥근 직사각형 5">
+            <a:extLst>
+              <a:ext uri="{FF2B5EF4-FFF2-40B4-BE49-F238E27FC236}">
+                <a16:creationId xmlns:a16="http://schemas.microsoft.com/office/drawing/2014/main" id="{978B0B98-AD96-4F4D-A1D3-E344E7E3ADFB}"/>
+              </a:ext>
+            </a:extLst>
+          </p:cNvPr>
+          <p:cNvSpPr/>
+          <p:nvPr/>
+        </p:nvSpPr>
+        <p:spPr>
+          <a:xfrm>
+            <a:off x="222422" y="252037"/>
+            <a:ext cx="11747157" cy="6353926"/>
+          </a:xfrm>
+          <a:prstGeom prst="rect">
+            <a:avLst/>
+          </a:prstGeom>
+          <a:solidFill>
+            <a:schemeClr val="bg1"/>
+          </a:solidFill>
+          <a:ln w="9525">
+            <a:noFill/>
+          </a:ln>
+          <a:effectLst>
+            <a:outerShdw dist="127000" dir="2700000" algn="tl" rotWithShape="0">
+              <a:prstClr val="black">
+                <a:alpha val="10000"/>
+              </a:prstClr>
+            </a:outerShdw>
+          </a:effectLst>
+        </p:spPr>
+        <p:style>
+          <a:lnRef idx="2">
+            <a:schemeClr val="accent1">
+              <a:shade val="50000"/>
+            </a:schemeClr>
+          </a:lnRef>
+          <a:fillRef idx="1">
+            <a:schemeClr val="accent1"/>
+          </a:fillRef>
+          <a:effectRef idx="0">
+            <a:schemeClr val="accent1"/>
+          </a:effectRef>
+          <a:fontRef idx="minor">
+            <a:schemeClr val="lt1"/>
+          </a:fontRef>
+        </p:style>
+        <p:txBody>
+          <a:bodyPr rtlCol="0" anchor="t"/>
+          <a:lstStyle/>
+          <a:p>
             <a:pPr algn="ctr" latinLnBrk="0">
               <a:lnSpc>
                 <a:spcPct val="150000"/>
@@ -9379,9 +10505,7 @@
         <p:nvGraphicFramePr>
           <p:cNvPr id="10" name="차트 9"/>
           <p:cNvGraphicFramePr/>
-          <p:nvPr>
-            <p:extLst/>
-          </p:nvPr>
+          <p:nvPr/>
         </p:nvGraphicFramePr>
         <p:xfrm>
           <a:off x="916775" y="1553230"/>
@@ -10127,7 +11251,7 @@
 </p:sld>
 </file>
 
-<file path=ppt/slides/slide12.xml><?xml version="1.0" encoding="utf-8"?>
+<file path=ppt/slides/slide15.xml><?xml version="1.0" encoding="utf-8"?>
 <p:sld xmlns:a="http://schemas.openxmlformats.org/drawingml/2006/main" xmlns:r="http://schemas.openxmlformats.org/officeDocument/2006/relationships" xmlns:p="http://schemas.openxmlformats.org/presentationml/2006/main">
   <p:cSld>
     <p:bg>
@@ -12412,7 +13536,7 @@
 </p:sld>
 </file>
 
-<file path=ppt/slides/slide13.xml><?xml version="1.0" encoding="utf-8"?>
+<file path=ppt/slides/slide16.xml><?xml version="1.0" encoding="utf-8"?>
 <p:sld xmlns:a="http://schemas.openxmlformats.org/drawingml/2006/main" xmlns:r="http://schemas.openxmlformats.org/officeDocument/2006/relationships" xmlns:p="http://schemas.openxmlformats.org/presentationml/2006/main">
   <p:cSld>
     <p:bg>
@@ -15264,7 +16388,7 @@
 </p:sld>
 </file>
 
-<file path=ppt/slides/slide14.xml><?xml version="1.0" encoding="utf-8"?>
+<file path=ppt/slides/slide17.xml><?xml version="1.0" encoding="utf-8"?>
 <p:sld xmlns:a="http://schemas.openxmlformats.org/drawingml/2006/main" xmlns:r="http://schemas.openxmlformats.org/officeDocument/2006/relationships" xmlns:p="http://schemas.openxmlformats.org/presentationml/2006/main">
   <p:cSld>
     <p:bg>
@@ -19073,7 +20197,7 @@
 </p:sld>
 </file>
 
-<file path=ppt/slides/slide15.xml><?xml version="1.0" encoding="utf-8"?>
+<file path=ppt/slides/slide18.xml><?xml version="1.0" encoding="utf-8"?>
 <p:sld xmlns:a="http://schemas.openxmlformats.org/drawingml/2006/main" xmlns:r="http://schemas.openxmlformats.org/officeDocument/2006/relationships" xmlns:p="http://schemas.openxmlformats.org/presentationml/2006/main">
   <p:cSld>
     <p:bg>
@@ -19268,9 +20392,7 @@
           <p:cNvGraphicFramePr>
             <a:graphicFrameLocks noGrp="1"/>
           </p:cNvGraphicFramePr>
-          <p:nvPr>
-            <p:extLst/>
-          </p:nvPr>
+          <p:nvPr/>
         </p:nvGraphicFramePr>
         <p:xfrm>
           <a:off x="1346099" y="1989912"/>
@@ -22745,7 +23867,7 @@
 </p:sld>
 </file>
 
-<file path=ppt/slides/slide16.xml><?xml version="1.0" encoding="utf-8"?>
+<file path=ppt/slides/slide19.xml><?xml version="1.0" encoding="utf-8"?>
 <p:sld xmlns:a="http://schemas.openxmlformats.org/drawingml/2006/main" xmlns:r="http://schemas.openxmlformats.org/officeDocument/2006/relationships" xmlns:p="http://schemas.openxmlformats.org/presentationml/2006/main">
   <p:cSld>
     <p:spTree>
@@ -23261,7 +24383,902 @@
 </p:sld>
 </file>
 
-<file path=ppt/slides/slide17.xml><?xml version="1.0" encoding="utf-8"?>
+<file path=ppt/slides/slide2.xml><?xml version="1.0" encoding="utf-8"?>
+<p:sld xmlns:a="http://schemas.openxmlformats.org/drawingml/2006/main" xmlns:r="http://schemas.openxmlformats.org/officeDocument/2006/relationships" xmlns:p="http://schemas.openxmlformats.org/presentationml/2006/main">
+  <p:cSld>
+    <p:bg>
+      <p:bgPr>
+        <a:solidFill>
+          <a:srgbClr val="28395C"/>
+        </a:solidFill>
+        <a:effectLst/>
+      </p:bgPr>
+    </p:bg>
+    <p:spTree>
+      <p:nvGrpSpPr>
+        <p:cNvPr id="1" name=""/>
+        <p:cNvGrpSpPr/>
+        <p:nvPr/>
+      </p:nvGrpSpPr>
+      <p:grpSpPr>
+        <a:xfrm>
+          <a:off x="0" y="0"/>
+          <a:ext cx="0" cy="0"/>
+          <a:chOff x="0" y="0"/>
+          <a:chExt cx="0" cy="0"/>
+        </a:xfrm>
+      </p:grpSpPr>
+      <p:sp>
+        <p:nvSpPr>
+          <p:cNvPr id="6" name="직사각형 5">
+            <a:extLst>
+              <a:ext uri="{FF2B5EF4-FFF2-40B4-BE49-F238E27FC236}">
+                <a16:creationId xmlns:a16="http://schemas.microsoft.com/office/drawing/2014/main" id="{ADA899EA-5290-4466-9CDB-D71C1B2EDCFA}"/>
+              </a:ext>
+            </a:extLst>
+          </p:cNvPr>
+          <p:cNvSpPr/>
+          <p:nvPr/>
+        </p:nvSpPr>
+        <p:spPr>
+          <a:xfrm>
+            <a:off x="6096000" y="0"/>
+            <a:ext cx="6096000" cy="6858000"/>
+          </a:xfrm>
+          <a:prstGeom prst="rect">
+            <a:avLst/>
+          </a:prstGeom>
+          <a:solidFill>
+            <a:schemeClr val="accent3">
+              <a:lumMod val="20000"/>
+              <a:lumOff val="80000"/>
+            </a:schemeClr>
+          </a:solidFill>
+          <a:ln>
+            <a:noFill/>
+          </a:ln>
+          <a:effectLst/>
+        </p:spPr>
+        <p:style>
+          <a:lnRef idx="2">
+            <a:schemeClr val="accent1">
+              <a:shade val="50000"/>
+            </a:schemeClr>
+          </a:lnRef>
+          <a:fillRef idx="1">
+            <a:schemeClr val="accent1"/>
+          </a:fillRef>
+          <a:effectRef idx="0">
+            <a:schemeClr val="accent1"/>
+          </a:effectRef>
+          <a:fontRef idx="minor">
+            <a:schemeClr val="lt1"/>
+          </a:fontRef>
+        </p:style>
+        <p:txBody>
+          <a:bodyPr rtlCol="0" anchor="ctr"/>
+          <a:lstStyle/>
+          <a:p>
+            <a:pPr algn="ctr" latinLnBrk="0">
+              <a:lnSpc>
+                <a:spcPct val="150000"/>
+              </a:lnSpc>
+              <a:defRPr/>
+            </a:pPr>
+            <a:endParaRPr lang="ko-KR" altLang="en-US" sz="7200" kern="0" dirty="0">
+              <a:solidFill>
+                <a:prstClr val="white"/>
+              </a:solidFill>
+            </a:endParaRPr>
+          </a:p>
+        </p:txBody>
+      </p:sp>
+      <p:sp>
+        <p:nvSpPr>
+          <p:cNvPr id="3" name="TextBox 2">
+            <a:extLst>
+              <a:ext uri="{FF2B5EF4-FFF2-40B4-BE49-F238E27FC236}">
+                <a16:creationId xmlns:a16="http://schemas.microsoft.com/office/drawing/2014/main" id="{AD73687F-D333-4187-93EE-BE2BF7110990}"/>
+              </a:ext>
+            </a:extLst>
+          </p:cNvPr>
+          <p:cNvSpPr txBox="1"/>
+          <p:nvPr/>
+        </p:nvSpPr>
+        <p:spPr>
+          <a:xfrm>
+            <a:off x="1635859" y="3009081"/>
+            <a:ext cx="2538644" cy="769441"/>
+          </a:xfrm>
+          <a:prstGeom prst="rect">
+            <a:avLst/>
+          </a:prstGeom>
+          <a:noFill/>
+        </p:spPr>
+        <p:txBody>
+          <a:bodyPr wrap="none" rtlCol="0">
+            <a:spAutoFit/>
+          </a:bodyPr>
+          <a:lstStyle/>
+          <a:p>
+            <a:r>
+              <a:rPr lang="en-US" altLang="ko-KR" sz="4400" dirty="0">
+                <a:solidFill>
+                  <a:schemeClr val="bg1"/>
+                </a:solidFill>
+                <a:latin typeface="나눔스퀘어OTF" panose="020B0600000101010101" pitchFamily="34" charset="-127"/>
+                <a:ea typeface="나눔스퀘어OTF" panose="020B0600000101010101" pitchFamily="34" charset="-127"/>
+              </a:rPr>
+              <a:t>Contents</a:t>
+            </a:r>
+            <a:endParaRPr lang="ko-KR" altLang="en-US" sz="4400" dirty="0">
+              <a:solidFill>
+                <a:schemeClr val="bg1"/>
+              </a:solidFill>
+              <a:latin typeface="나눔스퀘어OTF" panose="020B0600000101010101" pitchFamily="34" charset="-127"/>
+              <a:ea typeface="나눔스퀘어OTF" panose="020B0600000101010101" pitchFamily="34" charset="-127"/>
+            </a:endParaRPr>
+          </a:p>
+        </p:txBody>
+      </p:sp>
+      <p:cxnSp>
+        <p:nvCxnSpPr>
+          <p:cNvPr id="5" name="직선 연결선 4">
+            <a:extLst>
+              <a:ext uri="{FF2B5EF4-FFF2-40B4-BE49-F238E27FC236}">
+                <a16:creationId xmlns:a16="http://schemas.microsoft.com/office/drawing/2014/main" id="{713C5E1C-7794-403F-99A4-ED775F23FEB3}"/>
+              </a:ext>
+            </a:extLst>
+          </p:cNvPr>
+          <p:cNvCxnSpPr/>
+          <p:nvPr/>
+        </p:nvCxnSpPr>
+        <p:spPr>
+          <a:xfrm>
+            <a:off x="1569184" y="2968079"/>
+            <a:ext cx="2671994" cy="0"/>
+          </a:xfrm>
+          <a:prstGeom prst="line">
+            <a:avLst/>
+          </a:prstGeom>
+          <a:ln w="19050">
+            <a:solidFill>
+              <a:schemeClr val="bg1"/>
+            </a:solidFill>
+          </a:ln>
+        </p:spPr>
+        <p:style>
+          <a:lnRef idx="1">
+            <a:schemeClr val="accent1"/>
+          </a:lnRef>
+          <a:fillRef idx="0">
+            <a:schemeClr val="accent1"/>
+          </a:fillRef>
+          <a:effectRef idx="0">
+            <a:schemeClr val="accent1"/>
+          </a:effectRef>
+          <a:fontRef idx="minor">
+            <a:schemeClr val="tx1"/>
+          </a:fontRef>
+        </p:style>
+      </p:cxnSp>
+      <p:cxnSp>
+        <p:nvCxnSpPr>
+          <p:cNvPr id="33" name="직선 연결선 32">
+            <a:extLst>
+              <a:ext uri="{FF2B5EF4-FFF2-40B4-BE49-F238E27FC236}">
+                <a16:creationId xmlns:a16="http://schemas.microsoft.com/office/drawing/2014/main" id="{A296A4EC-31D3-452D-B58D-754314792532}"/>
+              </a:ext>
+            </a:extLst>
+          </p:cNvPr>
+          <p:cNvCxnSpPr/>
+          <p:nvPr/>
+        </p:nvCxnSpPr>
+        <p:spPr>
+          <a:xfrm>
+            <a:off x="1569184" y="3819524"/>
+            <a:ext cx="2671994" cy="0"/>
+          </a:xfrm>
+          <a:prstGeom prst="line">
+            <a:avLst/>
+          </a:prstGeom>
+          <a:ln w="19050">
+            <a:solidFill>
+              <a:schemeClr val="bg1"/>
+            </a:solidFill>
+          </a:ln>
+        </p:spPr>
+        <p:style>
+          <a:lnRef idx="1">
+            <a:schemeClr val="accent1"/>
+          </a:lnRef>
+          <a:fillRef idx="0">
+            <a:schemeClr val="accent1"/>
+          </a:fillRef>
+          <a:effectRef idx="0">
+            <a:schemeClr val="accent1"/>
+          </a:effectRef>
+          <a:fontRef idx="minor">
+            <a:schemeClr val="tx1"/>
+          </a:fontRef>
+        </p:style>
+      </p:cxnSp>
+      <p:sp>
+        <p:nvSpPr>
+          <p:cNvPr id="8" name="TextBox 7">
+            <a:extLst>
+              <a:ext uri="{FF2B5EF4-FFF2-40B4-BE49-F238E27FC236}">
+                <a16:creationId xmlns:a16="http://schemas.microsoft.com/office/drawing/2014/main" id="{CCFA405B-C153-44A4-97DF-3EBBC5A22665}"/>
+              </a:ext>
+            </a:extLst>
+          </p:cNvPr>
+          <p:cNvSpPr txBox="1"/>
+          <p:nvPr/>
+        </p:nvSpPr>
+        <p:spPr>
+          <a:xfrm>
+            <a:off x="6427502" y="690108"/>
+            <a:ext cx="604653" cy="5477782"/>
+          </a:xfrm>
+          <a:prstGeom prst="rect">
+            <a:avLst/>
+          </a:prstGeom>
+          <a:noFill/>
+        </p:spPr>
+        <p:txBody>
+          <a:bodyPr wrap="none" rtlCol="0">
+            <a:spAutoFit/>
+          </a:bodyPr>
+          <a:lstStyle/>
+          <a:p>
+            <a:pPr>
+              <a:lnSpc>
+                <a:spcPts val="8500"/>
+              </a:lnSpc>
+            </a:pPr>
+            <a:r>
+              <a:rPr lang="en-US" altLang="ko-KR" sz="5400" dirty="0">
+                <a:solidFill>
+                  <a:srgbClr val="28395C"/>
+                </a:solidFill>
+                <a:latin typeface="나눔고딕OTF ExtraBold" panose="020D0904000000000000" pitchFamily="34" charset="-127"/>
+                <a:ea typeface="나눔고딕OTF ExtraBold" panose="020D0904000000000000" pitchFamily="34" charset="-127"/>
+              </a:rPr>
+              <a:t>1</a:t>
+            </a:r>
+          </a:p>
+          <a:p>
+            <a:pPr>
+              <a:lnSpc>
+                <a:spcPts val="8500"/>
+              </a:lnSpc>
+            </a:pPr>
+            <a:r>
+              <a:rPr lang="en-US" altLang="ko-KR" sz="5400" dirty="0">
+                <a:solidFill>
+                  <a:srgbClr val="28395C"/>
+                </a:solidFill>
+                <a:latin typeface="나눔고딕OTF ExtraBold" panose="020D0904000000000000" pitchFamily="34" charset="-127"/>
+                <a:ea typeface="나눔고딕OTF ExtraBold" panose="020D0904000000000000" pitchFamily="34" charset="-127"/>
+              </a:rPr>
+              <a:t>2</a:t>
+            </a:r>
+          </a:p>
+          <a:p>
+            <a:pPr>
+              <a:lnSpc>
+                <a:spcPts val="8500"/>
+              </a:lnSpc>
+            </a:pPr>
+            <a:r>
+              <a:rPr lang="en-US" altLang="ko-KR" sz="5400" dirty="0">
+                <a:solidFill>
+                  <a:srgbClr val="28395C"/>
+                </a:solidFill>
+                <a:latin typeface="나눔고딕OTF ExtraBold" panose="020D0904000000000000" pitchFamily="34" charset="-127"/>
+                <a:ea typeface="나눔고딕OTF ExtraBold" panose="020D0904000000000000" pitchFamily="34" charset="-127"/>
+              </a:rPr>
+              <a:t>3</a:t>
+            </a:r>
+          </a:p>
+          <a:p>
+            <a:pPr>
+              <a:lnSpc>
+                <a:spcPts val="8500"/>
+              </a:lnSpc>
+            </a:pPr>
+            <a:endParaRPr lang="en-US" altLang="ko-KR" sz="5400" dirty="0">
+              <a:solidFill>
+                <a:srgbClr val="28395C"/>
+              </a:solidFill>
+              <a:latin typeface="나눔고딕OTF ExtraBold" panose="020D0904000000000000" pitchFamily="34" charset="-127"/>
+              <a:ea typeface="나눔고딕OTF ExtraBold" panose="020D0904000000000000" pitchFamily="34" charset="-127"/>
+            </a:endParaRPr>
+          </a:p>
+          <a:p>
+            <a:pPr>
+              <a:lnSpc>
+                <a:spcPts val="8500"/>
+              </a:lnSpc>
+            </a:pPr>
+            <a:r>
+              <a:rPr lang="en-US" altLang="ko-KR" sz="5400" dirty="0">
+                <a:solidFill>
+                  <a:srgbClr val="28395C"/>
+                </a:solidFill>
+                <a:latin typeface="나눔고딕OTF ExtraBold" panose="020D0904000000000000" pitchFamily="34" charset="-127"/>
+                <a:ea typeface="나눔고딕OTF ExtraBold" panose="020D0904000000000000" pitchFamily="34" charset="-127"/>
+              </a:rPr>
+              <a:t>4</a:t>
+            </a:r>
+          </a:p>
+        </p:txBody>
+      </p:sp>
+      <p:sp>
+        <p:nvSpPr>
+          <p:cNvPr id="37" name="TextBox 36">
+            <a:extLst>
+              <a:ext uri="{FF2B5EF4-FFF2-40B4-BE49-F238E27FC236}">
+                <a16:creationId xmlns:a16="http://schemas.microsoft.com/office/drawing/2014/main" id="{2CAA31AA-E134-4BFB-A72C-7DCCA25C2AB7}"/>
+              </a:ext>
+            </a:extLst>
+          </p:cNvPr>
+          <p:cNvSpPr txBox="1"/>
+          <p:nvPr/>
+        </p:nvSpPr>
+        <p:spPr>
+          <a:xfrm>
+            <a:off x="6939388" y="1009956"/>
+            <a:ext cx="950901" cy="400110"/>
+          </a:xfrm>
+          <a:prstGeom prst="rect">
+            <a:avLst/>
+          </a:prstGeom>
+          <a:noFill/>
+        </p:spPr>
+        <p:txBody>
+          <a:bodyPr wrap="none" rtlCol="0">
+            <a:spAutoFit/>
+          </a:bodyPr>
+          <a:lstStyle/>
+          <a:p>
+            <a:r>
+              <a:rPr lang="ko-KR" altLang="en-US" sz="2000" dirty="0">
+                <a:solidFill>
+                  <a:srgbClr val="28395C"/>
+                </a:solidFill>
+                <a:latin typeface="나눔스퀘어OTF" panose="020B0600000101010101" pitchFamily="34" charset="-127"/>
+                <a:ea typeface="나눔스퀘어OTF" panose="020B0600000101010101" pitchFamily="34" charset="-127"/>
+              </a:rPr>
+              <a:t>팀 소개</a:t>
+            </a:r>
+            <a:endParaRPr lang="ko-KR" altLang="en-US" sz="2000" b="1" dirty="0">
+              <a:solidFill>
+                <a:srgbClr val="28395C"/>
+              </a:solidFill>
+              <a:latin typeface="나눔스퀘어OTF" panose="020B0600000101010101" pitchFamily="34" charset="-127"/>
+              <a:ea typeface="나눔스퀘어OTF" panose="020B0600000101010101" pitchFamily="34" charset="-127"/>
+            </a:endParaRPr>
+          </a:p>
+        </p:txBody>
+      </p:sp>
+      <p:sp>
+        <p:nvSpPr>
+          <p:cNvPr id="38" name="TextBox 37">
+            <a:extLst>
+              <a:ext uri="{FF2B5EF4-FFF2-40B4-BE49-F238E27FC236}">
+                <a16:creationId xmlns:a16="http://schemas.microsoft.com/office/drawing/2014/main" id="{C4B12CFA-5B4C-4D90-AF06-3AA80828C69D}"/>
+              </a:ext>
+            </a:extLst>
+          </p:cNvPr>
+          <p:cNvSpPr txBox="1"/>
+          <p:nvPr/>
+        </p:nvSpPr>
+        <p:spPr>
+          <a:xfrm>
+            <a:off x="6920338" y="1339622"/>
+            <a:ext cx="2033314" cy="276999"/>
+          </a:xfrm>
+          <a:prstGeom prst="rect">
+            <a:avLst/>
+          </a:prstGeom>
+          <a:noFill/>
+        </p:spPr>
+        <p:txBody>
+          <a:bodyPr wrap="none" rtlCol="0">
+            <a:spAutoFit/>
+          </a:bodyPr>
+          <a:lstStyle/>
+          <a:p>
+            <a:r>
+              <a:rPr lang="ko-KR" altLang="en-US" sz="1200" b="1" dirty="0">
+                <a:solidFill>
+                  <a:srgbClr val="28395C"/>
+                </a:solidFill>
+                <a:latin typeface="나눔스퀘어OTF" panose="020B0600000101010101" pitchFamily="34" charset="-127"/>
+                <a:ea typeface="나눔스퀘어OTF" panose="020B0600000101010101" pitchFamily="34" charset="-127"/>
+              </a:rPr>
+              <a:t>┃</a:t>
+            </a:r>
+            <a:r>
+              <a:rPr lang="en-US" altLang="ko-KR" sz="1200" dirty="0">
+                <a:solidFill>
+                  <a:srgbClr val="28395C"/>
+                </a:solidFill>
+                <a:latin typeface="나눔스퀘어OTF" panose="020B0600000101010101" pitchFamily="34" charset="-127"/>
+                <a:ea typeface="나눔스퀘어OTF" panose="020B0600000101010101" pitchFamily="34" charset="-127"/>
+              </a:rPr>
+              <a:t>Team4 </a:t>
+            </a:r>
+            <a:r>
+              <a:rPr lang="ko-KR" altLang="en-US" sz="1200" dirty="0">
+                <a:solidFill>
+                  <a:srgbClr val="28395C"/>
+                </a:solidFill>
+                <a:latin typeface="나눔스퀘어OTF" panose="020B0600000101010101" pitchFamily="34" charset="-127"/>
+                <a:ea typeface="나눔스퀘어OTF" panose="020B0600000101010101" pitchFamily="34" charset="-127"/>
+              </a:rPr>
+              <a:t>구성원 및 담당업무</a:t>
+            </a:r>
+            <a:endParaRPr lang="ko-KR" altLang="en-US" sz="1200" dirty="0"/>
+          </a:p>
+        </p:txBody>
+      </p:sp>
+      <p:sp>
+        <p:nvSpPr>
+          <p:cNvPr id="39" name="TextBox 38">
+            <a:extLst>
+              <a:ext uri="{FF2B5EF4-FFF2-40B4-BE49-F238E27FC236}">
+                <a16:creationId xmlns:a16="http://schemas.microsoft.com/office/drawing/2014/main" id="{BEB3689F-2BB8-4D3C-BDC7-9746AD868416}"/>
+              </a:ext>
+            </a:extLst>
+          </p:cNvPr>
+          <p:cNvSpPr txBox="1"/>
+          <p:nvPr/>
+        </p:nvSpPr>
+        <p:spPr>
+          <a:xfrm>
+            <a:off x="6939388" y="2100174"/>
+            <a:ext cx="1697901" cy="400110"/>
+          </a:xfrm>
+          <a:prstGeom prst="rect">
+            <a:avLst/>
+          </a:prstGeom>
+          <a:noFill/>
+        </p:spPr>
+        <p:txBody>
+          <a:bodyPr wrap="none" rtlCol="0">
+            <a:spAutoFit/>
+          </a:bodyPr>
+          <a:lstStyle/>
+          <a:p>
+            <a:r>
+              <a:rPr lang="ko-KR" altLang="en-US" sz="2000" b="1" dirty="0">
+                <a:solidFill>
+                  <a:srgbClr val="28395C"/>
+                </a:solidFill>
+                <a:latin typeface="나눔스퀘어OTF" panose="020B0600000101010101" pitchFamily="34" charset="-127"/>
+                <a:ea typeface="나눔스퀘어OTF" panose="020B0600000101010101" pitchFamily="34" charset="-127"/>
+              </a:rPr>
+              <a:t>프로젝트 소개</a:t>
+            </a:r>
+          </a:p>
+        </p:txBody>
+      </p:sp>
+      <p:sp>
+        <p:nvSpPr>
+          <p:cNvPr id="40" name="TextBox 39">
+            <a:extLst>
+              <a:ext uri="{FF2B5EF4-FFF2-40B4-BE49-F238E27FC236}">
+                <a16:creationId xmlns:a16="http://schemas.microsoft.com/office/drawing/2014/main" id="{DBF6E343-560D-4AA9-B136-BFE0534E335B}"/>
+              </a:ext>
+            </a:extLst>
+          </p:cNvPr>
+          <p:cNvSpPr txBox="1"/>
+          <p:nvPr/>
+        </p:nvSpPr>
+        <p:spPr>
+          <a:xfrm>
+            <a:off x="6920338" y="2429840"/>
+            <a:ext cx="2330638" cy="276999"/>
+          </a:xfrm>
+          <a:prstGeom prst="rect">
+            <a:avLst/>
+          </a:prstGeom>
+          <a:noFill/>
+        </p:spPr>
+        <p:txBody>
+          <a:bodyPr wrap="none" rtlCol="0">
+            <a:spAutoFit/>
+          </a:bodyPr>
+          <a:lstStyle/>
+          <a:p>
+            <a:r>
+              <a:rPr lang="ko-KR" altLang="en-US" sz="1200" b="1" dirty="0">
+                <a:solidFill>
+                  <a:srgbClr val="28395C"/>
+                </a:solidFill>
+                <a:latin typeface="나눔스퀘어OTF" panose="020B0600000101010101" pitchFamily="34" charset="-127"/>
+                <a:ea typeface="나눔스퀘어OTF" panose="020B0600000101010101" pitchFamily="34" charset="-127"/>
+              </a:rPr>
+              <a:t>┃</a:t>
+            </a:r>
+            <a:r>
+              <a:rPr lang="en-US" altLang="ko-KR" sz="1200" dirty="0">
+                <a:solidFill>
+                  <a:srgbClr val="28395C"/>
+                </a:solidFill>
+                <a:latin typeface="나눔스퀘어OTF" panose="020B0600000101010101" pitchFamily="34" charset="-127"/>
+                <a:ea typeface="나눔스퀘어OTF" panose="020B0600000101010101" pitchFamily="34" charset="-127"/>
+              </a:rPr>
+              <a:t>KUROWARE</a:t>
+            </a:r>
+            <a:r>
+              <a:rPr lang="ko-KR" altLang="en-US" sz="1200" dirty="0">
+                <a:solidFill>
+                  <a:srgbClr val="28395C"/>
+                </a:solidFill>
+                <a:latin typeface="나눔스퀘어OTF" panose="020B0600000101010101" pitchFamily="34" charset="-127"/>
+                <a:ea typeface="나눔스퀘어OTF" panose="020B0600000101010101" pitchFamily="34" charset="-127"/>
+              </a:rPr>
+              <a:t>의 의미</a:t>
+            </a:r>
+            <a:r>
+              <a:rPr lang="en-US" altLang="ko-KR" sz="1200" dirty="0">
+                <a:solidFill>
+                  <a:srgbClr val="28395C"/>
+                </a:solidFill>
+                <a:latin typeface="나눔스퀘어OTF" panose="020B0600000101010101" pitchFamily="34" charset="-127"/>
+                <a:ea typeface="나눔스퀘어OTF" panose="020B0600000101010101" pitchFamily="34" charset="-127"/>
+              </a:rPr>
+              <a:t>, </a:t>
+            </a:r>
+            <a:r>
+              <a:rPr lang="ko-KR" altLang="en-US" sz="1200" dirty="0">
+                <a:solidFill>
+                  <a:srgbClr val="28395C"/>
+                </a:solidFill>
+                <a:latin typeface="나눔스퀘어OTF" panose="020B0600000101010101" pitchFamily="34" charset="-127"/>
+                <a:ea typeface="나눔스퀘어OTF" panose="020B0600000101010101" pitchFamily="34" charset="-127"/>
+              </a:rPr>
+              <a:t>주제</a:t>
+            </a:r>
+            <a:r>
+              <a:rPr lang="en-US" altLang="ko-KR" sz="1200" dirty="0">
+                <a:solidFill>
+                  <a:srgbClr val="28395C"/>
+                </a:solidFill>
+                <a:latin typeface="나눔스퀘어OTF" panose="020B0600000101010101" pitchFamily="34" charset="-127"/>
+                <a:ea typeface="나눔스퀘어OTF" panose="020B0600000101010101" pitchFamily="34" charset="-127"/>
+              </a:rPr>
+              <a:t>, </a:t>
+            </a:r>
+            <a:r>
+              <a:rPr lang="ko-KR" altLang="en-US" sz="1200" dirty="0">
+                <a:solidFill>
+                  <a:srgbClr val="28395C"/>
+                </a:solidFill>
+                <a:latin typeface="나눔스퀘어OTF" panose="020B0600000101010101" pitchFamily="34" charset="-127"/>
+                <a:ea typeface="나눔스퀘어OTF" panose="020B0600000101010101" pitchFamily="34" charset="-127"/>
+              </a:rPr>
+              <a:t>목적</a:t>
+            </a:r>
+            <a:endParaRPr lang="ko-KR" altLang="en-US" sz="1200" dirty="0"/>
+          </a:p>
+        </p:txBody>
+      </p:sp>
+      <p:sp>
+        <p:nvSpPr>
+          <p:cNvPr id="41" name="TextBox 40">
+            <a:extLst>
+              <a:ext uri="{FF2B5EF4-FFF2-40B4-BE49-F238E27FC236}">
+                <a16:creationId xmlns:a16="http://schemas.microsoft.com/office/drawing/2014/main" id="{23376F8D-1AE6-4B74-A4B3-76C3ACB730D2}"/>
+              </a:ext>
+            </a:extLst>
+          </p:cNvPr>
+          <p:cNvSpPr txBox="1"/>
+          <p:nvPr/>
+        </p:nvSpPr>
+        <p:spPr>
+          <a:xfrm>
+            <a:off x="6939388" y="3156298"/>
+            <a:ext cx="1217000" cy="400110"/>
+          </a:xfrm>
+          <a:prstGeom prst="rect">
+            <a:avLst/>
+          </a:prstGeom>
+          <a:noFill/>
+        </p:spPr>
+        <p:txBody>
+          <a:bodyPr wrap="none" rtlCol="0">
+            <a:spAutoFit/>
+          </a:bodyPr>
+          <a:lstStyle/>
+          <a:p>
+            <a:r>
+              <a:rPr lang="ko-KR" altLang="en-US" sz="2000" b="1" dirty="0">
+                <a:solidFill>
+                  <a:srgbClr val="28395C"/>
+                </a:solidFill>
+                <a:latin typeface="나눔스퀘어OTF" panose="020B0600000101010101" pitchFamily="34" charset="-127"/>
+                <a:ea typeface="나눔스퀘어OTF" panose="020B0600000101010101" pitchFamily="34" charset="-127"/>
+              </a:rPr>
+              <a:t>기능 설명</a:t>
+            </a:r>
+          </a:p>
+        </p:txBody>
+      </p:sp>
+      <p:sp>
+        <p:nvSpPr>
+          <p:cNvPr id="42" name="TextBox 41">
+            <a:extLst>
+              <a:ext uri="{FF2B5EF4-FFF2-40B4-BE49-F238E27FC236}">
+                <a16:creationId xmlns:a16="http://schemas.microsoft.com/office/drawing/2014/main" id="{653ABA47-FFFA-4442-AB63-469B54447CA4}"/>
+              </a:ext>
+            </a:extLst>
+          </p:cNvPr>
+          <p:cNvSpPr txBox="1"/>
+          <p:nvPr/>
+        </p:nvSpPr>
+        <p:spPr>
+          <a:xfrm>
+            <a:off x="6920338" y="3485964"/>
+            <a:ext cx="1364476" cy="276999"/>
+          </a:xfrm>
+          <a:prstGeom prst="rect">
+            <a:avLst/>
+          </a:prstGeom>
+          <a:noFill/>
+        </p:spPr>
+        <p:txBody>
+          <a:bodyPr wrap="none" rtlCol="0">
+            <a:spAutoFit/>
+          </a:bodyPr>
+          <a:lstStyle/>
+          <a:p>
+            <a:r>
+              <a:rPr lang="ko-KR" altLang="en-US" sz="1200" b="1" dirty="0">
+                <a:solidFill>
+                  <a:srgbClr val="28395C"/>
+                </a:solidFill>
+                <a:latin typeface="나눔스퀘어OTF" panose="020B0600000101010101" pitchFamily="34" charset="-127"/>
+                <a:ea typeface="나눔스퀘어OTF" panose="020B0600000101010101" pitchFamily="34" charset="-127"/>
+              </a:rPr>
+              <a:t>┃각 기능별 소개</a:t>
+            </a:r>
+            <a:r>
+              <a:rPr lang="ko-KR" altLang="en-US" sz="1200" dirty="0">
+                <a:solidFill>
+                  <a:srgbClr val="28395C"/>
+                </a:solidFill>
+                <a:latin typeface="나눔스퀘어OTF" panose="020B0600000101010101" pitchFamily="34" charset="-127"/>
+                <a:ea typeface="나눔스퀘어OTF" panose="020B0600000101010101" pitchFamily="34" charset="-127"/>
+              </a:rPr>
+              <a:t> </a:t>
+            </a:r>
+            <a:endParaRPr lang="ko-KR" altLang="en-US" sz="1200" dirty="0"/>
+          </a:p>
+        </p:txBody>
+      </p:sp>
+      <p:sp>
+        <p:nvSpPr>
+          <p:cNvPr id="43" name="TextBox 42">
+            <a:extLst>
+              <a:ext uri="{FF2B5EF4-FFF2-40B4-BE49-F238E27FC236}">
+                <a16:creationId xmlns:a16="http://schemas.microsoft.com/office/drawing/2014/main" id="{7CA72F2D-5B29-44A1-BE2B-2E495C9DCC34}"/>
+              </a:ext>
+            </a:extLst>
+          </p:cNvPr>
+          <p:cNvSpPr txBox="1"/>
+          <p:nvPr/>
+        </p:nvSpPr>
+        <p:spPr>
+          <a:xfrm>
+            <a:off x="7120363" y="3745244"/>
+            <a:ext cx="1160895" cy="1502784"/>
+          </a:xfrm>
+          <a:prstGeom prst="rect">
+            <a:avLst/>
+          </a:prstGeom>
+          <a:noFill/>
+        </p:spPr>
+        <p:txBody>
+          <a:bodyPr wrap="none" rtlCol="0">
+            <a:spAutoFit/>
+          </a:bodyPr>
+          <a:lstStyle/>
+          <a:p>
+            <a:pPr marL="342900" indent="-342900">
+              <a:lnSpc>
+                <a:spcPts val="2800"/>
+              </a:lnSpc>
+              <a:buAutoNum type="arabicParenR"/>
+            </a:pPr>
+            <a:r>
+              <a:rPr lang="ko-KR" altLang="en-US" dirty="0">
+                <a:solidFill>
+                  <a:srgbClr val="28395C"/>
+                </a:solidFill>
+                <a:latin typeface="나눔스퀘어OTF" panose="020B0600000101010101" pitchFamily="34" charset="-127"/>
+                <a:ea typeface="나눔스퀘어OTF" panose="020B0600000101010101" pitchFamily="34" charset="-127"/>
+              </a:rPr>
+              <a:t>김지은</a:t>
+            </a:r>
+            <a:endParaRPr lang="en-US" altLang="ko-KR" dirty="0">
+              <a:solidFill>
+                <a:srgbClr val="28395C"/>
+              </a:solidFill>
+              <a:latin typeface="나눔스퀘어OTF" panose="020B0600000101010101" pitchFamily="34" charset="-127"/>
+              <a:ea typeface="나눔스퀘어OTF" panose="020B0600000101010101" pitchFamily="34" charset="-127"/>
+            </a:endParaRPr>
+          </a:p>
+          <a:p>
+            <a:pPr marL="342900" indent="-342900">
+              <a:lnSpc>
+                <a:spcPts val="2800"/>
+              </a:lnSpc>
+              <a:buAutoNum type="arabicParenR"/>
+            </a:pPr>
+            <a:r>
+              <a:rPr lang="ko-KR" altLang="en-US" dirty="0" err="1">
+                <a:solidFill>
+                  <a:srgbClr val="28395C"/>
+                </a:solidFill>
+                <a:latin typeface="나눔스퀘어OTF" panose="020B0600000101010101" pitchFamily="34" charset="-127"/>
+                <a:ea typeface="나눔스퀘어OTF" panose="020B0600000101010101" pitchFamily="34" charset="-127"/>
+              </a:rPr>
+              <a:t>고경섭</a:t>
+            </a:r>
+            <a:endParaRPr lang="en-US" altLang="ko-KR" dirty="0">
+              <a:solidFill>
+                <a:srgbClr val="28395C"/>
+              </a:solidFill>
+              <a:latin typeface="나눔스퀘어OTF" panose="020B0600000101010101" pitchFamily="34" charset="-127"/>
+              <a:ea typeface="나눔스퀘어OTF" panose="020B0600000101010101" pitchFamily="34" charset="-127"/>
+            </a:endParaRPr>
+          </a:p>
+          <a:p>
+            <a:pPr marL="342900" indent="-342900">
+              <a:lnSpc>
+                <a:spcPts val="2800"/>
+              </a:lnSpc>
+              <a:buAutoNum type="arabicParenR"/>
+            </a:pPr>
+            <a:r>
+              <a:rPr lang="ko-KR" altLang="en-US" dirty="0" err="1">
+                <a:solidFill>
+                  <a:srgbClr val="28395C"/>
+                </a:solidFill>
+                <a:latin typeface="나눔스퀘어OTF" panose="020B0600000101010101" pitchFamily="34" charset="-127"/>
+                <a:ea typeface="나눔스퀘어OTF" panose="020B0600000101010101" pitchFamily="34" charset="-127"/>
+              </a:rPr>
+              <a:t>홍윤혜</a:t>
+            </a:r>
+            <a:endParaRPr lang="en-US" altLang="ko-KR" dirty="0">
+              <a:solidFill>
+                <a:srgbClr val="28395C"/>
+              </a:solidFill>
+              <a:latin typeface="나눔스퀘어OTF" panose="020B0600000101010101" pitchFamily="34" charset="-127"/>
+              <a:ea typeface="나눔스퀘어OTF" panose="020B0600000101010101" pitchFamily="34" charset="-127"/>
+            </a:endParaRPr>
+          </a:p>
+          <a:p>
+            <a:pPr marL="342900" indent="-342900">
+              <a:lnSpc>
+                <a:spcPts val="2800"/>
+              </a:lnSpc>
+              <a:buAutoNum type="arabicParenR"/>
+            </a:pPr>
+            <a:r>
+              <a:rPr lang="ko-KR" altLang="en-US" dirty="0">
+                <a:solidFill>
+                  <a:srgbClr val="28395C"/>
+                </a:solidFill>
+                <a:latin typeface="나눔스퀘어OTF" panose="020B0600000101010101" pitchFamily="34" charset="-127"/>
+                <a:ea typeface="나눔스퀘어OTF" panose="020B0600000101010101" pitchFamily="34" charset="-127"/>
+              </a:rPr>
+              <a:t>황정우</a:t>
+            </a:r>
+          </a:p>
+        </p:txBody>
+      </p:sp>
+      <p:sp>
+        <p:nvSpPr>
+          <p:cNvPr id="44" name="TextBox 43">
+            <a:extLst>
+              <a:ext uri="{FF2B5EF4-FFF2-40B4-BE49-F238E27FC236}">
+                <a16:creationId xmlns:a16="http://schemas.microsoft.com/office/drawing/2014/main" id="{4C04521C-CB87-45D4-AB46-61EB2F00DC5A}"/>
+              </a:ext>
+            </a:extLst>
+          </p:cNvPr>
+          <p:cNvSpPr txBox="1"/>
+          <p:nvPr/>
+        </p:nvSpPr>
+        <p:spPr>
+          <a:xfrm>
+            <a:off x="6939388" y="5338568"/>
+            <a:ext cx="1146468" cy="400110"/>
+          </a:xfrm>
+          <a:prstGeom prst="rect">
+            <a:avLst/>
+          </a:prstGeom>
+          <a:noFill/>
+        </p:spPr>
+        <p:txBody>
+          <a:bodyPr wrap="none" rtlCol="0">
+            <a:spAutoFit/>
+          </a:bodyPr>
+          <a:lstStyle/>
+          <a:p>
+            <a:r>
+              <a:rPr lang="ko-KR" altLang="en-US" sz="2000" b="1" dirty="0">
+                <a:solidFill>
+                  <a:srgbClr val="28395C"/>
+                </a:solidFill>
+                <a:latin typeface="나눔스퀘어OTF" panose="020B0600000101010101" pitchFamily="34" charset="-127"/>
+                <a:ea typeface="나눔스퀘어OTF" panose="020B0600000101010101" pitchFamily="34" charset="-127"/>
+              </a:rPr>
+              <a:t>보완예정</a:t>
+            </a:r>
+          </a:p>
+        </p:txBody>
+      </p:sp>
+      <p:sp>
+        <p:nvSpPr>
+          <p:cNvPr id="45" name="TextBox 44">
+            <a:extLst>
+              <a:ext uri="{FF2B5EF4-FFF2-40B4-BE49-F238E27FC236}">
+                <a16:creationId xmlns:a16="http://schemas.microsoft.com/office/drawing/2014/main" id="{834C98FA-BDC4-455A-9968-05B215E9256D}"/>
+              </a:ext>
+            </a:extLst>
+          </p:cNvPr>
+          <p:cNvSpPr txBox="1"/>
+          <p:nvPr/>
+        </p:nvSpPr>
+        <p:spPr>
+          <a:xfrm>
+            <a:off x="6920338" y="5668234"/>
+            <a:ext cx="2177199" cy="276999"/>
+          </a:xfrm>
+          <a:prstGeom prst="rect">
+            <a:avLst/>
+          </a:prstGeom>
+          <a:noFill/>
+        </p:spPr>
+        <p:txBody>
+          <a:bodyPr wrap="none" rtlCol="0">
+            <a:spAutoFit/>
+          </a:bodyPr>
+          <a:lstStyle/>
+          <a:p>
+            <a:r>
+              <a:rPr lang="ko-KR" altLang="en-US" sz="1200" b="1" dirty="0">
+                <a:solidFill>
+                  <a:srgbClr val="28395C"/>
+                </a:solidFill>
+                <a:latin typeface="나눔스퀘어OTF" panose="020B0600000101010101" pitchFamily="34" charset="-127"/>
+                <a:ea typeface="나눔스퀘어OTF" panose="020B0600000101010101" pitchFamily="34" charset="-127"/>
+              </a:rPr>
+              <a:t>┃추가 예정 기능 및 수정 예정 </a:t>
+            </a:r>
+            <a:endParaRPr lang="ko-KR" altLang="en-US" sz="1200" dirty="0"/>
+          </a:p>
+        </p:txBody>
+      </p:sp>
+    </p:spTree>
+    <p:extLst>
+      <p:ext uri="{BB962C8B-B14F-4D97-AF65-F5344CB8AC3E}">
+        <p14:creationId xmlns:p14="http://schemas.microsoft.com/office/powerpoint/2010/main" val="2170573667"/>
+      </p:ext>
+    </p:extLst>
+  </p:cSld>
+  <p:clrMapOvr>
+    <a:masterClrMapping/>
+  </p:clrMapOvr>
+</p:sld>
+</file>
+
+<file path=ppt/slides/slide20.xml><?xml version="1.0" encoding="utf-8"?>
 <p:sld xmlns:a="http://schemas.openxmlformats.org/drawingml/2006/main" xmlns:r="http://schemas.openxmlformats.org/officeDocument/2006/relationships" xmlns:p="http://schemas.openxmlformats.org/presentationml/2006/main">
   <p:cSld>
     <p:bg>
@@ -23726,901 +25743,6 @@
 </p:sld>
 </file>
 
-<file path=ppt/slides/slide2.xml><?xml version="1.0" encoding="utf-8"?>
-<p:sld xmlns:a="http://schemas.openxmlformats.org/drawingml/2006/main" xmlns:r="http://schemas.openxmlformats.org/officeDocument/2006/relationships" xmlns:p="http://schemas.openxmlformats.org/presentationml/2006/main">
-  <p:cSld>
-    <p:bg>
-      <p:bgPr>
-        <a:solidFill>
-          <a:srgbClr val="28395C"/>
-        </a:solidFill>
-        <a:effectLst/>
-      </p:bgPr>
-    </p:bg>
-    <p:spTree>
-      <p:nvGrpSpPr>
-        <p:cNvPr id="1" name=""/>
-        <p:cNvGrpSpPr/>
-        <p:nvPr/>
-      </p:nvGrpSpPr>
-      <p:grpSpPr>
-        <a:xfrm>
-          <a:off x="0" y="0"/>
-          <a:ext cx="0" cy="0"/>
-          <a:chOff x="0" y="0"/>
-          <a:chExt cx="0" cy="0"/>
-        </a:xfrm>
-      </p:grpSpPr>
-      <p:sp>
-        <p:nvSpPr>
-          <p:cNvPr id="6" name="직사각형 5">
-            <a:extLst>
-              <a:ext uri="{FF2B5EF4-FFF2-40B4-BE49-F238E27FC236}">
-                <a16:creationId xmlns:a16="http://schemas.microsoft.com/office/drawing/2014/main" id="{ADA899EA-5290-4466-9CDB-D71C1B2EDCFA}"/>
-              </a:ext>
-            </a:extLst>
-          </p:cNvPr>
-          <p:cNvSpPr/>
-          <p:nvPr/>
-        </p:nvSpPr>
-        <p:spPr>
-          <a:xfrm>
-            <a:off x="6096000" y="0"/>
-            <a:ext cx="6096000" cy="6858000"/>
-          </a:xfrm>
-          <a:prstGeom prst="rect">
-            <a:avLst/>
-          </a:prstGeom>
-          <a:solidFill>
-            <a:schemeClr val="accent3">
-              <a:lumMod val="20000"/>
-              <a:lumOff val="80000"/>
-            </a:schemeClr>
-          </a:solidFill>
-          <a:ln>
-            <a:noFill/>
-          </a:ln>
-          <a:effectLst/>
-        </p:spPr>
-        <p:style>
-          <a:lnRef idx="2">
-            <a:schemeClr val="accent1">
-              <a:shade val="50000"/>
-            </a:schemeClr>
-          </a:lnRef>
-          <a:fillRef idx="1">
-            <a:schemeClr val="accent1"/>
-          </a:fillRef>
-          <a:effectRef idx="0">
-            <a:schemeClr val="accent1"/>
-          </a:effectRef>
-          <a:fontRef idx="minor">
-            <a:schemeClr val="lt1"/>
-          </a:fontRef>
-        </p:style>
-        <p:txBody>
-          <a:bodyPr rtlCol="0" anchor="ctr"/>
-          <a:lstStyle/>
-          <a:p>
-            <a:pPr algn="ctr" latinLnBrk="0">
-              <a:lnSpc>
-                <a:spcPct val="150000"/>
-              </a:lnSpc>
-              <a:defRPr/>
-            </a:pPr>
-            <a:endParaRPr lang="ko-KR" altLang="en-US" sz="7200" kern="0" dirty="0">
-              <a:solidFill>
-                <a:prstClr val="white"/>
-              </a:solidFill>
-            </a:endParaRPr>
-          </a:p>
-        </p:txBody>
-      </p:sp>
-      <p:sp>
-        <p:nvSpPr>
-          <p:cNvPr id="3" name="TextBox 2">
-            <a:extLst>
-              <a:ext uri="{FF2B5EF4-FFF2-40B4-BE49-F238E27FC236}">
-                <a16:creationId xmlns:a16="http://schemas.microsoft.com/office/drawing/2014/main" id="{AD73687F-D333-4187-93EE-BE2BF7110990}"/>
-              </a:ext>
-            </a:extLst>
-          </p:cNvPr>
-          <p:cNvSpPr txBox="1"/>
-          <p:nvPr/>
-        </p:nvSpPr>
-        <p:spPr>
-          <a:xfrm>
-            <a:off x="1635859" y="3009081"/>
-            <a:ext cx="2538644" cy="769441"/>
-          </a:xfrm>
-          <a:prstGeom prst="rect">
-            <a:avLst/>
-          </a:prstGeom>
-          <a:noFill/>
-        </p:spPr>
-        <p:txBody>
-          <a:bodyPr wrap="none" rtlCol="0">
-            <a:spAutoFit/>
-          </a:bodyPr>
-          <a:lstStyle/>
-          <a:p>
-            <a:r>
-              <a:rPr lang="en-US" altLang="ko-KR" sz="4400" dirty="0">
-                <a:solidFill>
-                  <a:schemeClr val="bg1"/>
-                </a:solidFill>
-                <a:latin typeface="나눔스퀘어OTF" panose="020B0600000101010101" pitchFamily="34" charset="-127"/>
-                <a:ea typeface="나눔스퀘어OTF" panose="020B0600000101010101" pitchFamily="34" charset="-127"/>
-              </a:rPr>
-              <a:t>Contents</a:t>
-            </a:r>
-            <a:endParaRPr lang="ko-KR" altLang="en-US" sz="4400" dirty="0">
-              <a:solidFill>
-                <a:schemeClr val="bg1"/>
-              </a:solidFill>
-              <a:latin typeface="나눔스퀘어OTF" panose="020B0600000101010101" pitchFamily="34" charset="-127"/>
-              <a:ea typeface="나눔스퀘어OTF" panose="020B0600000101010101" pitchFamily="34" charset="-127"/>
-            </a:endParaRPr>
-          </a:p>
-        </p:txBody>
-      </p:sp>
-      <p:cxnSp>
-        <p:nvCxnSpPr>
-          <p:cNvPr id="5" name="직선 연결선 4">
-            <a:extLst>
-              <a:ext uri="{FF2B5EF4-FFF2-40B4-BE49-F238E27FC236}">
-                <a16:creationId xmlns:a16="http://schemas.microsoft.com/office/drawing/2014/main" id="{713C5E1C-7794-403F-99A4-ED775F23FEB3}"/>
-              </a:ext>
-            </a:extLst>
-          </p:cNvPr>
-          <p:cNvCxnSpPr/>
-          <p:nvPr/>
-        </p:nvCxnSpPr>
-        <p:spPr>
-          <a:xfrm>
-            <a:off x="1569184" y="2968079"/>
-            <a:ext cx="2671994" cy="0"/>
-          </a:xfrm>
-          <a:prstGeom prst="line">
-            <a:avLst/>
-          </a:prstGeom>
-          <a:ln w="19050">
-            <a:solidFill>
-              <a:schemeClr val="bg1"/>
-            </a:solidFill>
-          </a:ln>
-        </p:spPr>
-        <p:style>
-          <a:lnRef idx="1">
-            <a:schemeClr val="accent1"/>
-          </a:lnRef>
-          <a:fillRef idx="0">
-            <a:schemeClr val="accent1"/>
-          </a:fillRef>
-          <a:effectRef idx="0">
-            <a:schemeClr val="accent1"/>
-          </a:effectRef>
-          <a:fontRef idx="minor">
-            <a:schemeClr val="tx1"/>
-          </a:fontRef>
-        </p:style>
-      </p:cxnSp>
-      <p:cxnSp>
-        <p:nvCxnSpPr>
-          <p:cNvPr id="33" name="직선 연결선 32">
-            <a:extLst>
-              <a:ext uri="{FF2B5EF4-FFF2-40B4-BE49-F238E27FC236}">
-                <a16:creationId xmlns:a16="http://schemas.microsoft.com/office/drawing/2014/main" id="{A296A4EC-31D3-452D-B58D-754314792532}"/>
-              </a:ext>
-            </a:extLst>
-          </p:cNvPr>
-          <p:cNvCxnSpPr/>
-          <p:nvPr/>
-        </p:nvCxnSpPr>
-        <p:spPr>
-          <a:xfrm>
-            <a:off x="1569184" y="3819524"/>
-            <a:ext cx="2671994" cy="0"/>
-          </a:xfrm>
-          <a:prstGeom prst="line">
-            <a:avLst/>
-          </a:prstGeom>
-          <a:ln w="19050">
-            <a:solidFill>
-              <a:schemeClr val="bg1"/>
-            </a:solidFill>
-          </a:ln>
-        </p:spPr>
-        <p:style>
-          <a:lnRef idx="1">
-            <a:schemeClr val="accent1"/>
-          </a:lnRef>
-          <a:fillRef idx="0">
-            <a:schemeClr val="accent1"/>
-          </a:fillRef>
-          <a:effectRef idx="0">
-            <a:schemeClr val="accent1"/>
-          </a:effectRef>
-          <a:fontRef idx="minor">
-            <a:schemeClr val="tx1"/>
-          </a:fontRef>
-        </p:style>
-      </p:cxnSp>
-      <p:sp>
-        <p:nvSpPr>
-          <p:cNvPr id="8" name="TextBox 7">
-            <a:extLst>
-              <a:ext uri="{FF2B5EF4-FFF2-40B4-BE49-F238E27FC236}">
-                <a16:creationId xmlns:a16="http://schemas.microsoft.com/office/drawing/2014/main" id="{CCFA405B-C153-44A4-97DF-3EBBC5A22665}"/>
-              </a:ext>
-            </a:extLst>
-          </p:cNvPr>
-          <p:cNvSpPr txBox="1"/>
-          <p:nvPr/>
-        </p:nvSpPr>
-        <p:spPr>
-          <a:xfrm>
-            <a:off x="6427502" y="690108"/>
-            <a:ext cx="604653" cy="5477782"/>
-          </a:xfrm>
-          <a:prstGeom prst="rect">
-            <a:avLst/>
-          </a:prstGeom>
-          <a:noFill/>
-        </p:spPr>
-        <p:txBody>
-          <a:bodyPr wrap="none" rtlCol="0">
-            <a:spAutoFit/>
-          </a:bodyPr>
-          <a:lstStyle/>
-          <a:p>
-            <a:pPr>
-              <a:lnSpc>
-                <a:spcPts val="8500"/>
-              </a:lnSpc>
-            </a:pPr>
-            <a:r>
-              <a:rPr lang="en-US" altLang="ko-KR" sz="5400" dirty="0">
-                <a:solidFill>
-                  <a:srgbClr val="28395C"/>
-                </a:solidFill>
-                <a:latin typeface="나눔고딕OTF ExtraBold" panose="020D0904000000000000" pitchFamily="34" charset="-127"/>
-                <a:ea typeface="나눔고딕OTF ExtraBold" panose="020D0904000000000000" pitchFamily="34" charset="-127"/>
-              </a:rPr>
-              <a:t>1</a:t>
-            </a:r>
-          </a:p>
-          <a:p>
-            <a:pPr>
-              <a:lnSpc>
-                <a:spcPts val="8500"/>
-              </a:lnSpc>
-            </a:pPr>
-            <a:r>
-              <a:rPr lang="en-US" altLang="ko-KR" sz="5400" dirty="0">
-                <a:solidFill>
-                  <a:srgbClr val="28395C"/>
-                </a:solidFill>
-                <a:latin typeface="나눔고딕OTF ExtraBold" panose="020D0904000000000000" pitchFamily="34" charset="-127"/>
-                <a:ea typeface="나눔고딕OTF ExtraBold" panose="020D0904000000000000" pitchFamily="34" charset="-127"/>
-              </a:rPr>
-              <a:t>2</a:t>
-            </a:r>
-          </a:p>
-          <a:p>
-            <a:pPr>
-              <a:lnSpc>
-                <a:spcPts val="8500"/>
-              </a:lnSpc>
-            </a:pPr>
-            <a:r>
-              <a:rPr lang="en-US" altLang="ko-KR" sz="5400" dirty="0">
-                <a:solidFill>
-                  <a:srgbClr val="28395C"/>
-                </a:solidFill>
-                <a:latin typeface="나눔고딕OTF ExtraBold" panose="020D0904000000000000" pitchFamily="34" charset="-127"/>
-                <a:ea typeface="나눔고딕OTF ExtraBold" panose="020D0904000000000000" pitchFamily="34" charset="-127"/>
-              </a:rPr>
-              <a:t>3</a:t>
-            </a:r>
-          </a:p>
-          <a:p>
-            <a:pPr>
-              <a:lnSpc>
-                <a:spcPts val="8500"/>
-              </a:lnSpc>
-            </a:pPr>
-            <a:endParaRPr lang="en-US" altLang="ko-KR" sz="5400" dirty="0">
-              <a:solidFill>
-                <a:srgbClr val="28395C"/>
-              </a:solidFill>
-              <a:latin typeface="나눔고딕OTF ExtraBold" panose="020D0904000000000000" pitchFamily="34" charset="-127"/>
-              <a:ea typeface="나눔고딕OTF ExtraBold" panose="020D0904000000000000" pitchFamily="34" charset="-127"/>
-            </a:endParaRPr>
-          </a:p>
-          <a:p>
-            <a:pPr>
-              <a:lnSpc>
-                <a:spcPts val="8500"/>
-              </a:lnSpc>
-            </a:pPr>
-            <a:r>
-              <a:rPr lang="en-US" altLang="ko-KR" sz="5400" dirty="0">
-                <a:solidFill>
-                  <a:srgbClr val="28395C"/>
-                </a:solidFill>
-                <a:latin typeface="나눔고딕OTF ExtraBold" panose="020D0904000000000000" pitchFamily="34" charset="-127"/>
-                <a:ea typeface="나눔고딕OTF ExtraBold" panose="020D0904000000000000" pitchFamily="34" charset="-127"/>
-              </a:rPr>
-              <a:t>4</a:t>
-            </a:r>
-          </a:p>
-        </p:txBody>
-      </p:sp>
-      <p:sp>
-        <p:nvSpPr>
-          <p:cNvPr id="37" name="TextBox 36">
-            <a:extLst>
-              <a:ext uri="{FF2B5EF4-FFF2-40B4-BE49-F238E27FC236}">
-                <a16:creationId xmlns:a16="http://schemas.microsoft.com/office/drawing/2014/main" id="{2CAA31AA-E134-4BFB-A72C-7DCCA25C2AB7}"/>
-              </a:ext>
-            </a:extLst>
-          </p:cNvPr>
-          <p:cNvSpPr txBox="1"/>
-          <p:nvPr/>
-        </p:nvSpPr>
-        <p:spPr>
-          <a:xfrm>
-            <a:off x="6939388" y="1009956"/>
-            <a:ext cx="950901" cy="400110"/>
-          </a:xfrm>
-          <a:prstGeom prst="rect">
-            <a:avLst/>
-          </a:prstGeom>
-          <a:noFill/>
-        </p:spPr>
-        <p:txBody>
-          <a:bodyPr wrap="none" rtlCol="0">
-            <a:spAutoFit/>
-          </a:bodyPr>
-          <a:lstStyle/>
-          <a:p>
-            <a:r>
-              <a:rPr lang="ko-KR" altLang="en-US" sz="2000" dirty="0">
-                <a:solidFill>
-                  <a:srgbClr val="28395C"/>
-                </a:solidFill>
-                <a:latin typeface="나눔스퀘어OTF" panose="020B0600000101010101" pitchFamily="34" charset="-127"/>
-                <a:ea typeface="나눔스퀘어OTF" panose="020B0600000101010101" pitchFamily="34" charset="-127"/>
-              </a:rPr>
-              <a:t>팀 소개</a:t>
-            </a:r>
-            <a:endParaRPr lang="ko-KR" altLang="en-US" sz="2000" b="1" dirty="0">
-              <a:solidFill>
-                <a:srgbClr val="28395C"/>
-              </a:solidFill>
-              <a:latin typeface="나눔스퀘어OTF" panose="020B0600000101010101" pitchFamily="34" charset="-127"/>
-              <a:ea typeface="나눔스퀘어OTF" panose="020B0600000101010101" pitchFamily="34" charset="-127"/>
-            </a:endParaRPr>
-          </a:p>
-        </p:txBody>
-      </p:sp>
-      <p:sp>
-        <p:nvSpPr>
-          <p:cNvPr id="38" name="TextBox 37">
-            <a:extLst>
-              <a:ext uri="{FF2B5EF4-FFF2-40B4-BE49-F238E27FC236}">
-                <a16:creationId xmlns:a16="http://schemas.microsoft.com/office/drawing/2014/main" id="{C4B12CFA-5B4C-4D90-AF06-3AA80828C69D}"/>
-              </a:ext>
-            </a:extLst>
-          </p:cNvPr>
-          <p:cNvSpPr txBox="1"/>
-          <p:nvPr/>
-        </p:nvSpPr>
-        <p:spPr>
-          <a:xfrm>
-            <a:off x="6920338" y="1339622"/>
-            <a:ext cx="2033314" cy="276999"/>
-          </a:xfrm>
-          <a:prstGeom prst="rect">
-            <a:avLst/>
-          </a:prstGeom>
-          <a:noFill/>
-        </p:spPr>
-        <p:txBody>
-          <a:bodyPr wrap="none" rtlCol="0">
-            <a:spAutoFit/>
-          </a:bodyPr>
-          <a:lstStyle/>
-          <a:p>
-            <a:r>
-              <a:rPr lang="ko-KR" altLang="en-US" sz="1200" b="1" dirty="0">
-                <a:solidFill>
-                  <a:srgbClr val="28395C"/>
-                </a:solidFill>
-                <a:latin typeface="나눔스퀘어OTF" panose="020B0600000101010101" pitchFamily="34" charset="-127"/>
-                <a:ea typeface="나눔스퀘어OTF" panose="020B0600000101010101" pitchFamily="34" charset="-127"/>
-              </a:rPr>
-              <a:t>┃</a:t>
-            </a:r>
-            <a:r>
-              <a:rPr lang="en-US" altLang="ko-KR" sz="1200" dirty="0">
-                <a:solidFill>
-                  <a:srgbClr val="28395C"/>
-                </a:solidFill>
-                <a:latin typeface="나눔스퀘어OTF" panose="020B0600000101010101" pitchFamily="34" charset="-127"/>
-                <a:ea typeface="나눔스퀘어OTF" panose="020B0600000101010101" pitchFamily="34" charset="-127"/>
-              </a:rPr>
-              <a:t>Team4 </a:t>
-            </a:r>
-            <a:r>
-              <a:rPr lang="ko-KR" altLang="en-US" sz="1200" dirty="0">
-                <a:solidFill>
-                  <a:srgbClr val="28395C"/>
-                </a:solidFill>
-                <a:latin typeface="나눔스퀘어OTF" panose="020B0600000101010101" pitchFamily="34" charset="-127"/>
-                <a:ea typeface="나눔스퀘어OTF" panose="020B0600000101010101" pitchFamily="34" charset="-127"/>
-              </a:rPr>
-              <a:t>구성원 및 담당업무</a:t>
-            </a:r>
-            <a:endParaRPr lang="ko-KR" altLang="en-US" sz="1200" dirty="0"/>
-          </a:p>
-        </p:txBody>
-      </p:sp>
-      <p:sp>
-        <p:nvSpPr>
-          <p:cNvPr id="39" name="TextBox 38">
-            <a:extLst>
-              <a:ext uri="{FF2B5EF4-FFF2-40B4-BE49-F238E27FC236}">
-                <a16:creationId xmlns:a16="http://schemas.microsoft.com/office/drawing/2014/main" id="{BEB3689F-2BB8-4D3C-BDC7-9746AD868416}"/>
-              </a:ext>
-            </a:extLst>
-          </p:cNvPr>
-          <p:cNvSpPr txBox="1"/>
-          <p:nvPr/>
-        </p:nvSpPr>
-        <p:spPr>
-          <a:xfrm>
-            <a:off x="6939388" y="2100174"/>
-            <a:ext cx="1697901" cy="400110"/>
-          </a:xfrm>
-          <a:prstGeom prst="rect">
-            <a:avLst/>
-          </a:prstGeom>
-          <a:noFill/>
-        </p:spPr>
-        <p:txBody>
-          <a:bodyPr wrap="none" rtlCol="0">
-            <a:spAutoFit/>
-          </a:bodyPr>
-          <a:lstStyle/>
-          <a:p>
-            <a:r>
-              <a:rPr lang="ko-KR" altLang="en-US" sz="2000" b="1" dirty="0">
-                <a:solidFill>
-                  <a:srgbClr val="28395C"/>
-                </a:solidFill>
-                <a:latin typeface="나눔스퀘어OTF" panose="020B0600000101010101" pitchFamily="34" charset="-127"/>
-                <a:ea typeface="나눔스퀘어OTF" panose="020B0600000101010101" pitchFamily="34" charset="-127"/>
-              </a:rPr>
-              <a:t>프로젝트 소개</a:t>
-            </a:r>
-          </a:p>
-        </p:txBody>
-      </p:sp>
-      <p:sp>
-        <p:nvSpPr>
-          <p:cNvPr id="40" name="TextBox 39">
-            <a:extLst>
-              <a:ext uri="{FF2B5EF4-FFF2-40B4-BE49-F238E27FC236}">
-                <a16:creationId xmlns:a16="http://schemas.microsoft.com/office/drawing/2014/main" id="{DBF6E343-560D-4AA9-B136-BFE0534E335B}"/>
-              </a:ext>
-            </a:extLst>
-          </p:cNvPr>
-          <p:cNvSpPr txBox="1"/>
-          <p:nvPr/>
-        </p:nvSpPr>
-        <p:spPr>
-          <a:xfrm>
-            <a:off x="6920338" y="2429840"/>
-            <a:ext cx="2330638" cy="276999"/>
-          </a:xfrm>
-          <a:prstGeom prst="rect">
-            <a:avLst/>
-          </a:prstGeom>
-          <a:noFill/>
-        </p:spPr>
-        <p:txBody>
-          <a:bodyPr wrap="none" rtlCol="0">
-            <a:spAutoFit/>
-          </a:bodyPr>
-          <a:lstStyle/>
-          <a:p>
-            <a:r>
-              <a:rPr lang="ko-KR" altLang="en-US" sz="1200" b="1" dirty="0">
-                <a:solidFill>
-                  <a:srgbClr val="28395C"/>
-                </a:solidFill>
-                <a:latin typeface="나눔스퀘어OTF" panose="020B0600000101010101" pitchFamily="34" charset="-127"/>
-                <a:ea typeface="나눔스퀘어OTF" panose="020B0600000101010101" pitchFamily="34" charset="-127"/>
-              </a:rPr>
-              <a:t>┃</a:t>
-            </a:r>
-            <a:r>
-              <a:rPr lang="en-US" altLang="ko-KR" sz="1200" dirty="0">
-                <a:solidFill>
-                  <a:srgbClr val="28395C"/>
-                </a:solidFill>
-                <a:latin typeface="나눔스퀘어OTF" panose="020B0600000101010101" pitchFamily="34" charset="-127"/>
-                <a:ea typeface="나눔스퀘어OTF" panose="020B0600000101010101" pitchFamily="34" charset="-127"/>
-              </a:rPr>
-              <a:t>KUROWARE</a:t>
-            </a:r>
-            <a:r>
-              <a:rPr lang="ko-KR" altLang="en-US" sz="1200" dirty="0">
-                <a:solidFill>
-                  <a:srgbClr val="28395C"/>
-                </a:solidFill>
-                <a:latin typeface="나눔스퀘어OTF" panose="020B0600000101010101" pitchFamily="34" charset="-127"/>
-                <a:ea typeface="나눔스퀘어OTF" panose="020B0600000101010101" pitchFamily="34" charset="-127"/>
-              </a:rPr>
-              <a:t>의 의미</a:t>
-            </a:r>
-            <a:r>
-              <a:rPr lang="en-US" altLang="ko-KR" sz="1200" dirty="0">
-                <a:solidFill>
-                  <a:srgbClr val="28395C"/>
-                </a:solidFill>
-                <a:latin typeface="나눔스퀘어OTF" panose="020B0600000101010101" pitchFamily="34" charset="-127"/>
-                <a:ea typeface="나눔스퀘어OTF" panose="020B0600000101010101" pitchFamily="34" charset="-127"/>
-              </a:rPr>
-              <a:t>, </a:t>
-            </a:r>
-            <a:r>
-              <a:rPr lang="ko-KR" altLang="en-US" sz="1200" dirty="0">
-                <a:solidFill>
-                  <a:srgbClr val="28395C"/>
-                </a:solidFill>
-                <a:latin typeface="나눔스퀘어OTF" panose="020B0600000101010101" pitchFamily="34" charset="-127"/>
-                <a:ea typeface="나눔스퀘어OTF" panose="020B0600000101010101" pitchFamily="34" charset="-127"/>
-              </a:rPr>
-              <a:t>주제</a:t>
-            </a:r>
-            <a:r>
-              <a:rPr lang="en-US" altLang="ko-KR" sz="1200" dirty="0">
-                <a:solidFill>
-                  <a:srgbClr val="28395C"/>
-                </a:solidFill>
-                <a:latin typeface="나눔스퀘어OTF" panose="020B0600000101010101" pitchFamily="34" charset="-127"/>
-                <a:ea typeface="나눔스퀘어OTF" panose="020B0600000101010101" pitchFamily="34" charset="-127"/>
-              </a:rPr>
-              <a:t>, </a:t>
-            </a:r>
-            <a:r>
-              <a:rPr lang="ko-KR" altLang="en-US" sz="1200" dirty="0">
-                <a:solidFill>
-                  <a:srgbClr val="28395C"/>
-                </a:solidFill>
-                <a:latin typeface="나눔스퀘어OTF" panose="020B0600000101010101" pitchFamily="34" charset="-127"/>
-                <a:ea typeface="나눔스퀘어OTF" panose="020B0600000101010101" pitchFamily="34" charset="-127"/>
-              </a:rPr>
-              <a:t>목적</a:t>
-            </a:r>
-            <a:endParaRPr lang="ko-KR" altLang="en-US" sz="1200" dirty="0"/>
-          </a:p>
-        </p:txBody>
-      </p:sp>
-      <p:sp>
-        <p:nvSpPr>
-          <p:cNvPr id="41" name="TextBox 40">
-            <a:extLst>
-              <a:ext uri="{FF2B5EF4-FFF2-40B4-BE49-F238E27FC236}">
-                <a16:creationId xmlns:a16="http://schemas.microsoft.com/office/drawing/2014/main" id="{23376F8D-1AE6-4B74-A4B3-76C3ACB730D2}"/>
-              </a:ext>
-            </a:extLst>
-          </p:cNvPr>
-          <p:cNvSpPr txBox="1"/>
-          <p:nvPr/>
-        </p:nvSpPr>
-        <p:spPr>
-          <a:xfrm>
-            <a:off x="6939388" y="3156298"/>
-            <a:ext cx="1217000" cy="400110"/>
-          </a:xfrm>
-          <a:prstGeom prst="rect">
-            <a:avLst/>
-          </a:prstGeom>
-          <a:noFill/>
-        </p:spPr>
-        <p:txBody>
-          <a:bodyPr wrap="none" rtlCol="0">
-            <a:spAutoFit/>
-          </a:bodyPr>
-          <a:lstStyle/>
-          <a:p>
-            <a:r>
-              <a:rPr lang="ko-KR" altLang="en-US" sz="2000" b="1" dirty="0">
-                <a:solidFill>
-                  <a:srgbClr val="28395C"/>
-                </a:solidFill>
-                <a:latin typeface="나눔스퀘어OTF" panose="020B0600000101010101" pitchFamily="34" charset="-127"/>
-                <a:ea typeface="나눔스퀘어OTF" panose="020B0600000101010101" pitchFamily="34" charset="-127"/>
-              </a:rPr>
-              <a:t>기능 설명</a:t>
-            </a:r>
-          </a:p>
-        </p:txBody>
-      </p:sp>
-      <p:sp>
-        <p:nvSpPr>
-          <p:cNvPr id="42" name="TextBox 41">
-            <a:extLst>
-              <a:ext uri="{FF2B5EF4-FFF2-40B4-BE49-F238E27FC236}">
-                <a16:creationId xmlns:a16="http://schemas.microsoft.com/office/drawing/2014/main" id="{653ABA47-FFFA-4442-AB63-469B54447CA4}"/>
-              </a:ext>
-            </a:extLst>
-          </p:cNvPr>
-          <p:cNvSpPr txBox="1"/>
-          <p:nvPr/>
-        </p:nvSpPr>
-        <p:spPr>
-          <a:xfrm>
-            <a:off x="6920338" y="3485964"/>
-            <a:ext cx="1364476" cy="276999"/>
-          </a:xfrm>
-          <a:prstGeom prst="rect">
-            <a:avLst/>
-          </a:prstGeom>
-          <a:noFill/>
-        </p:spPr>
-        <p:txBody>
-          <a:bodyPr wrap="none" rtlCol="0">
-            <a:spAutoFit/>
-          </a:bodyPr>
-          <a:lstStyle/>
-          <a:p>
-            <a:r>
-              <a:rPr lang="ko-KR" altLang="en-US" sz="1200" b="1" dirty="0">
-                <a:solidFill>
-                  <a:srgbClr val="28395C"/>
-                </a:solidFill>
-                <a:latin typeface="나눔스퀘어OTF" panose="020B0600000101010101" pitchFamily="34" charset="-127"/>
-                <a:ea typeface="나눔스퀘어OTF" panose="020B0600000101010101" pitchFamily="34" charset="-127"/>
-              </a:rPr>
-              <a:t>┃각 기능별 소개</a:t>
-            </a:r>
-            <a:r>
-              <a:rPr lang="ko-KR" altLang="en-US" sz="1200" dirty="0">
-                <a:solidFill>
-                  <a:srgbClr val="28395C"/>
-                </a:solidFill>
-                <a:latin typeface="나눔스퀘어OTF" panose="020B0600000101010101" pitchFamily="34" charset="-127"/>
-                <a:ea typeface="나눔스퀘어OTF" panose="020B0600000101010101" pitchFamily="34" charset="-127"/>
-              </a:rPr>
-              <a:t> </a:t>
-            </a:r>
-            <a:endParaRPr lang="ko-KR" altLang="en-US" sz="1200" dirty="0"/>
-          </a:p>
-        </p:txBody>
-      </p:sp>
-      <p:sp>
-        <p:nvSpPr>
-          <p:cNvPr id="43" name="TextBox 42">
-            <a:extLst>
-              <a:ext uri="{FF2B5EF4-FFF2-40B4-BE49-F238E27FC236}">
-                <a16:creationId xmlns:a16="http://schemas.microsoft.com/office/drawing/2014/main" id="{7CA72F2D-5B29-44A1-BE2B-2E495C9DCC34}"/>
-              </a:ext>
-            </a:extLst>
-          </p:cNvPr>
-          <p:cNvSpPr txBox="1"/>
-          <p:nvPr/>
-        </p:nvSpPr>
-        <p:spPr>
-          <a:xfrm>
-            <a:off x="7120363" y="3745244"/>
-            <a:ext cx="1160895" cy="1502784"/>
-          </a:xfrm>
-          <a:prstGeom prst="rect">
-            <a:avLst/>
-          </a:prstGeom>
-          <a:noFill/>
-        </p:spPr>
-        <p:txBody>
-          <a:bodyPr wrap="none" rtlCol="0">
-            <a:spAutoFit/>
-          </a:bodyPr>
-          <a:lstStyle/>
-          <a:p>
-            <a:pPr marL="342900" indent="-342900">
-              <a:lnSpc>
-                <a:spcPts val="2800"/>
-              </a:lnSpc>
-              <a:buAutoNum type="arabicParenR"/>
-            </a:pPr>
-            <a:r>
-              <a:rPr lang="ko-KR" altLang="en-US" dirty="0">
-                <a:solidFill>
-                  <a:srgbClr val="28395C"/>
-                </a:solidFill>
-                <a:latin typeface="나눔스퀘어OTF" panose="020B0600000101010101" pitchFamily="34" charset="-127"/>
-                <a:ea typeface="나눔스퀘어OTF" panose="020B0600000101010101" pitchFamily="34" charset="-127"/>
-              </a:rPr>
-              <a:t>김지은</a:t>
-            </a:r>
-            <a:endParaRPr lang="en-US" altLang="ko-KR" dirty="0">
-              <a:solidFill>
-                <a:srgbClr val="28395C"/>
-              </a:solidFill>
-              <a:latin typeface="나눔스퀘어OTF" panose="020B0600000101010101" pitchFamily="34" charset="-127"/>
-              <a:ea typeface="나눔스퀘어OTF" panose="020B0600000101010101" pitchFamily="34" charset="-127"/>
-            </a:endParaRPr>
-          </a:p>
-          <a:p>
-            <a:pPr marL="342900" indent="-342900">
-              <a:lnSpc>
-                <a:spcPts val="2800"/>
-              </a:lnSpc>
-              <a:buAutoNum type="arabicParenR"/>
-            </a:pPr>
-            <a:r>
-              <a:rPr lang="ko-KR" altLang="en-US" dirty="0" err="1">
-                <a:solidFill>
-                  <a:srgbClr val="28395C"/>
-                </a:solidFill>
-                <a:latin typeface="나눔스퀘어OTF" panose="020B0600000101010101" pitchFamily="34" charset="-127"/>
-                <a:ea typeface="나눔스퀘어OTF" panose="020B0600000101010101" pitchFamily="34" charset="-127"/>
-              </a:rPr>
-              <a:t>고경섭</a:t>
-            </a:r>
-            <a:endParaRPr lang="en-US" altLang="ko-KR" dirty="0">
-              <a:solidFill>
-                <a:srgbClr val="28395C"/>
-              </a:solidFill>
-              <a:latin typeface="나눔스퀘어OTF" panose="020B0600000101010101" pitchFamily="34" charset="-127"/>
-              <a:ea typeface="나눔스퀘어OTF" panose="020B0600000101010101" pitchFamily="34" charset="-127"/>
-            </a:endParaRPr>
-          </a:p>
-          <a:p>
-            <a:pPr marL="342900" indent="-342900">
-              <a:lnSpc>
-                <a:spcPts val="2800"/>
-              </a:lnSpc>
-              <a:buAutoNum type="arabicParenR"/>
-            </a:pPr>
-            <a:r>
-              <a:rPr lang="ko-KR" altLang="en-US" dirty="0" err="1">
-                <a:solidFill>
-                  <a:srgbClr val="28395C"/>
-                </a:solidFill>
-                <a:latin typeface="나눔스퀘어OTF" panose="020B0600000101010101" pitchFamily="34" charset="-127"/>
-                <a:ea typeface="나눔스퀘어OTF" panose="020B0600000101010101" pitchFamily="34" charset="-127"/>
-              </a:rPr>
-              <a:t>홍윤혜</a:t>
-            </a:r>
-            <a:endParaRPr lang="en-US" altLang="ko-KR" dirty="0">
-              <a:solidFill>
-                <a:srgbClr val="28395C"/>
-              </a:solidFill>
-              <a:latin typeface="나눔스퀘어OTF" panose="020B0600000101010101" pitchFamily="34" charset="-127"/>
-              <a:ea typeface="나눔스퀘어OTF" panose="020B0600000101010101" pitchFamily="34" charset="-127"/>
-            </a:endParaRPr>
-          </a:p>
-          <a:p>
-            <a:pPr marL="342900" indent="-342900">
-              <a:lnSpc>
-                <a:spcPts val="2800"/>
-              </a:lnSpc>
-              <a:buAutoNum type="arabicParenR"/>
-            </a:pPr>
-            <a:r>
-              <a:rPr lang="ko-KR" altLang="en-US" dirty="0">
-                <a:solidFill>
-                  <a:srgbClr val="28395C"/>
-                </a:solidFill>
-                <a:latin typeface="나눔스퀘어OTF" panose="020B0600000101010101" pitchFamily="34" charset="-127"/>
-                <a:ea typeface="나눔스퀘어OTF" panose="020B0600000101010101" pitchFamily="34" charset="-127"/>
-              </a:rPr>
-              <a:t>황정우</a:t>
-            </a:r>
-          </a:p>
-        </p:txBody>
-      </p:sp>
-      <p:sp>
-        <p:nvSpPr>
-          <p:cNvPr id="44" name="TextBox 43">
-            <a:extLst>
-              <a:ext uri="{FF2B5EF4-FFF2-40B4-BE49-F238E27FC236}">
-                <a16:creationId xmlns:a16="http://schemas.microsoft.com/office/drawing/2014/main" id="{4C04521C-CB87-45D4-AB46-61EB2F00DC5A}"/>
-              </a:ext>
-            </a:extLst>
-          </p:cNvPr>
-          <p:cNvSpPr txBox="1"/>
-          <p:nvPr/>
-        </p:nvSpPr>
-        <p:spPr>
-          <a:xfrm>
-            <a:off x="6939388" y="5338568"/>
-            <a:ext cx="1146468" cy="400110"/>
-          </a:xfrm>
-          <a:prstGeom prst="rect">
-            <a:avLst/>
-          </a:prstGeom>
-          <a:noFill/>
-        </p:spPr>
-        <p:txBody>
-          <a:bodyPr wrap="none" rtlCol="0">
-            <a:spAutoFit/>
-          </a:bodyPr>
-          <a:lstStyle/>
-          <a:p>
-            <a:r>
-              <a:rPr lang="ko-KR" altLang="en-US" sz="2000" b="1" dirty="0">
-                <a:solidFill>
-                  <a:srgbClr val="28395C"/>
-                </a:solidFill>
-                <a:latin typeface="나눔스퀘어OTF" panose="020B0600000101010101" pitchFamily="34" charset="-127"/>
-                <a:ea typeface="나눔스퀘어OTF" panose="020B0600000101010101" pitchFamily="34" charset="-127"/>
-              </a:rPr>
-              <a:t>보완예정</a:t>
-            </a:r>
-          </a:p>
-        </p:txBody>
-      </p:sp>
-      <p:sp>
-        <p:nvSpPr>
-          <p:cNvPr id="45" name="TextBox 44">
-            <a:extLst>
-              <a:ext uri="{FF2B5EF4-FFF2-40B4-BE49-F238E27FC236}">
-                <a16:creationId xmlns:a16="http://schemas.microsoft.com/office/drawing/2014/main" id="{834C98FA-BDC4-455A-9968-05B215E9256D}"/>
-              </a:ext>
-            </a:extLst>
-          </p:cNvPr>
-          <p:cNvSpPr txBox="1"/>
-          <p:nvPr/>
-        </p:nvSpPr>
-        <p:spPr>
-          <a:xfrm>
-            <a:off x="6920338" y="5668234"/>
-            <a:ext cx="2177199" cy="276999"/>
-          </a:xfrm>
-          <a:prstGeom prst="rect">
-            <a:avLst/>
-          </a:prstGeom>
-          <a:noFill/>
-        </p:spPr>
-        <p:txBody>
-          <a:bodyPr wrap="none" rtlCol="0">
-            <a:spAutoFit/>
-          </a:bodyPr>
-          <a:lstStyle/>
-          <a:p>
-            <a:r>
-              <a:rPr lang="ko-KR" altLang="en-US" sz="1200" b="1" dirty="0">
-                <a:solidFill>
-                  <a:srgbClr val="28395C"/>
-                </a:solidFill>
-                <a:latin typeface="나눔스퀘어OTF" panose="020B0600000101010101" pitchFamily="34" charset="-127"/>
-                <a:ea typeface="나눔스퀘어OTF" panose="020B0600000101010101" pitchFamily="34" charset="-127"/>
-              </a:rPr>
-              <a:t>┃추가 예정 기능 및 수정 예정 </a:t>
-            </a:r>
-            <a:endParaRPr lang="ko-KR" altLang="en-US" sz="1200" dirty="0"/>
-          </a:p>
-        </p:txBody>
-      </p:sp>
-    </p:spTree>
-    <p:extLst>
-      <p:ext uri="{BB962C8B-B14F-4D97-AF65-F5344CB8AC3E}">
-        <p14:creationId xmlns:p14="http://schemas.microsoft.com/office/powerpoint/2010/main" val="2170573667"/>
-      </p:ext>
-    </p:extLst>
-  </p:cSld>
-  <p:clrMapOvr>
-    <a:masterClrMapping/>
-  </p:clrMapOvr>
-</p:sld>
-</file>
-
 <file path=ppt/slides/slide3.xml><?xml version="1.0" encoding="utf-8"?>
 <p:sld xmlns:a="http://schemas.openxmlformats.org/drawingml/2006/main" xmlns:r="http://schemas.openxmlformats.org/officeDocument/2006/relationships" xmlns:p="http://schemas.openxmlformats.org/presentationml/2006/main">
   <p:cSld>
@@ -25122,7 +26244,7 @@
                   </a:prstClr>
                 </a:solidFill>
               </a:rPr>
-              <a:t>관리자 페이지</a:t>
+              <a:t>로그인 페이지</a:t>
             </a:r>
             <a:endParaRPr lang="ko-KR" altLang="en-US" sz="3600" b="1" kern="0" dirty="0">
               <a:solidFill>
@@ -25131,6 +26253,395 @@
                 </a:prstClr>
               </a:solidFill>
             </a:endParaRPr>
+          </a:p>
+        </p:txBody>
+      </p:sp>
+      <p:pic>
+        <p:nvPicPr>
+          <p:cNvPr id="3" name="그림 2">
+            <a:extLst>
+              <a:ext uri="{FF2B5EF4-FFF2-40B4-BE49-F238E27FC236}">
+                <a16:creationId xmlns:a16="http://schemas.microsoft.com/office/drawing/2014/main" id="{70682E86-E93B-B5BA-87B3-3097B21F5510}"/>
+              </a:ext>
+            </a:extLst>
+          </p:cNvPr>
+          <p:cNvPicPr>
+            <a:picLocks noChangeAspect="1"/>
+          </p:cNvPicPr>
+          <p:nvPr/>
+        </p:nvPicPr>
+        <p:blipFill>
+          <a:blip r:embed="rId2">
+            <a:extLst>
+              <a:ext uri="{28A0092B-C50C-407E-A947-70E740481C1C}">
+                <a14:useLocalDpi xmlns:a14="http://schemas.microsoft.com/office/drawing/2010/main" val="0"/>
+              </a:ext>
+            </a:extLst>
+          </a:blip>
+          <a:stretch>
+            <a:fillRect/>
+          </a:stretch>
+        </p:blipFill>
+        <p:spPr>
+          <a:xfrm>
+            <a:off x="2233904" y="1404314"/>
+            <a:ext cx="3229426" cy="3781953"/>
+          </a:xfrm>
+          <a:prstGeom prst="rect">
+            <a:avLst/>
+          </a:prstGeom>
+        </p:spPr>
+      </p:pic>
+      <p:pic>
+        <p:nvPicPr>
+          <p:cNvPr id="5" name="그림 4">
+            <a:extLst>
+              <a:ext uri="{FF2B5EF4-FFF2-40B4-BE49-F238E27FC236}">
+                <a16:creationId xmlns:a16="http://schemas.microsoft.com/office/drawing/2014/main" id="{CEAC1D0B-8295-13C1-1F04-94E093832E51}"/>
+              </a:ext>
+            </a:extLst>
+          </p:cNvPr>
+          <p:cNvPicPr>
+            <a:picLocks noChangeAspect="1"/>
+          </p:cNvPicPr>
+          <p:nvPr/>
+        </p:nvPicPr>
+        <p:blipFill>
+          <a:blip r:embed="rId3">
+            <a:extLst>
+              <a:ext uri="{28A0092B-C50C-407E-A947-70E740481C1C}">
+                <a14:useLocalDpi xmlns:a14="http://schemas.microsoft.com/office/drawing/2010/main" val="0"/>
+              </a:ext>
+            </a:extLst>
+          </a:blip>
+          <a:stretch>
+            <a:fillRect/>
+          </a:stretch>
+        </p:blipFill>
+        <p:spPr>
+          <a:xfrm>
+            <a:off x="7150914" y="1404313"/>
+            <a:ext cx="3286584" cy="3781953"/>
+          </a:xfrm>
+          <a:prstGeom prst="rect">
+            <a:avLst/>
+          </a:prstGeom>
+        </p:spPr>
+      </p:pic>
+      <p:sp>
+        <p:nvSpPr>
+          <p:cNvPr id="8" name="화살표: 오른쪽 7">
+            <a:extLst>
+              <a:ext uri="{FF2B5EF4-FFF2-40B4-BE49-F238E27FC236}">
+                <a16:creationId xmlns:a16="http://schemas.microsoft.com/office/drawing/2014/main" id="{CEAC0585-30A6-68EE-8B93-B1A32E379CE5}"/>
+              </a:ext>
+            </a:extLst>
+          </p:cNvPr>
+          <p:cNvSpPr/>
+          <p:nvPr/>
+        </p:nvSpPr>
+        <p:spPr>
+          <a:xfrm>
+            <a:off x="5463330" y="3295291"/>
+            <a:ext cx="1342911" cy="385746"/>
+          </a:xfrm>
+          <a:prstGeom prst="rightArrow">
+            <a:avLst/>
+          </a:prstGeom>
+          <a:solidFill>
+            <a:schemeClr val="accent1">
+              <a:lumMod val="60000"/>
+              <a:lumOff val="40000"/>
+            </a:schemeClr>
+          </a:solidFill>
+        </p:spPr>
+        <p:style>
+          <a:lnRef idx="2">
+            <a:schemeClr val="accent1">
+              <a:shade val="50000"/>
+            </a:schemeClr>
+          </a:lnRef>
+          <a:fillRef idx="1">
+            <a:schemeClr val="accent1"/>
+          </a:fillRef>
+          <a:effectRef idx="0">
+            <a:schemeClr val="accent1"/>
+          </a:effectRef>
+          <a:fontRef idx="minor">
+            <a:schemeClr val="lt1"/>
+          </a:fontRef>
+        </p:style>
+        <p:txBody>
+          <a:bodyPr rtlCol="0" anchor="ctr"/>
+          <a:lstStyle/>
+          <a:p>
+            <a:pPr algn="ctr"/>
+            <a:endParaRPr lang="ko-KR" altLang="en-US"/>
+          </a:p>
+        </p:txBody>
+      </p:sp>
+      <mc:AlternateContent xmlns:mc="http://schemas.openxmlformats.org/markup-compatibility/2006">
+        <mc:Choice xmlns:p14="http://schemas.microsoft.com/office/powerpoint/2010/main" Requires="p14">
+          <p:contentPart p14:bwMode="auto" r:id="rId4">
+            <p14:nvContentPartPr>
+              <p14:cNvPr id="12" name="잉크 11">
+                <a:extLst>
+                  <a:ext uri="{FF2B5EF4-FFF2-40B4-BE49-F238E27FC236}">
+                    <a16:creationId xmlns:a16="http://schemas.microsoft.com/office/drawing/2014/main" id="{674F54BE-6F01-31F6-5C82-E69B383DA8F1}"/>
+                  </a:ext>
+                </a:extLst>
+              </p14:cNvPr>
+              <p14:cNvContentPartPr/>
+              <p14:nvPr/>
+            </p14:nvContentPartPr>
+            <p14:xfrm>
+              <a:off x="1448864" y="585978"/>
+              <a:ext cx="360" cy="360"/>
+            </p14:xfrm>
+          </p:contentPart>
+        </mc:Choice>
+        <mc:Fallback>
+          <p:pic>
+            <p:nvPicPr>
+              <p:cNvPr id="12" name="잉크 11">
+                <a:extLst>
+                  <a:ext uri="{FF2B5EF4-FFF2-40B4-BE49-F238E27FC236}">
+                    <a16:creationId xmlns:a16="http://schemas.microsoft.com/office/drawing/2014/main" id="{674F54BE-6F01-31F6-5C82-E69B383DA8F1}"/>
+                  </a:ext>
+                </a:extLst>
+              </p:cNvPr>
+              <p:cNvPicPr/>
+              <p:nvPr/>
+            </p:nvPicPr>
+            <p:blipFill>
+              <a:blip r:embed="rId5"/>
+              <a:stretch>
+                <a:fillRect/>
+              </a:stretch>
+            </p:blipFill>
+            <p:spPr>
+              <a:xfrm>
+                <a:off x="1440224" y="577338"/>
+                <a:ext cx="18000" cy="18000"/>
+              </a:xfrm>
+              <a:prstGeom prst="rect">
+                <a:avLst/>
+              </a:prstGeom>
+            </p:spPr>
+          </p:pic>
+        </mc:Fallback>
+      </mc:AlternateContent>
+      <p:sp>
+        <p:nvSpPr>
+          <p:cNvPr id="16" name="TextBox 15">
+            <a:extLst>
+              <a:ext uri="{FF2B5EF4-FFF2-40B4-BE49-F238E27FC236}">
+                <a16:creationId xmlns:a16="http://schemas.microsoft.com/office/drawing/2014/main" id="{519D0DB2-869E-6BF8-80FE-ED75B41633DD}"/>
+              </a:ext>
+            </a:extLst>
+          </p:cNvPr>
+          <p:cNvSpPr txBox="1"/>
+          <p:nvPr/>
+        </p:nvSpPr>
+        <p:spPr>
+          <a:xfrm>
+            <a:off x="2294626" y="5438303"/>
+            <a:ext cx="8142872" cy="461665"/>
+          </a:xfrm>
+          <a:prstGeom prst="rect">
+            <a:avLst/>
+          </a:prstGeom>
+          <a:noFill/>
+        </p:spPr>
+        <p:txBody>
+          <a:bodyPr wrap="square" rtlCol="0">
+            <a:spAutoFit/>
+          </a:bodyPr>
+          <a:lstStyle/>
+          <a:p>
+            <a:pPr marL="171450" indent="-171450">
+              <a:buFont typeface="Wingdings" panose="05000000000000000000" pitchFamily="2" charset="2"/>
+              <a:buChar char="ü"/>
+            </a:pPr>
+            <a:r>
+              <a:rPr lang="ko-KR" altLang="en-US" sz="1200" dirty="0">
+                <a:solidFill>
+                  <a:schemeClr val="accent1">
+                    <a:lumMod val="60000"/>
+                    <a:lumOff val="40000"/>
+                  </a:schemeClr>
+                </a:solidFill>
+              </a:rPr>
+              <a:t>정확한 아이디</a:t>
+            </a:r>
+            <a:r>
+              <a:rPr lang="en-US" altLang="ko-KR" sz="1200" dirty="0">
+                <a:solidFill>
+                  <a:schemeClr val="accent1">
+                    <a:lumMod val="60000"/>
+                    <a:lumOff val="40000"/>
+                  </a:schemeClr>
+                </a:solidFill>
+              </a:rPr>
+              <a:t>/</a:t>
+            </a:r>
+            <a:r>
+              <a:rPr lang="ko-KR" altLang="en-US" sz="1200" dirty="0">
+                <a:solidFill>
+                  <a:schemeClr val="accent1">
+                    <a:lumMod val="60000"/>
+                    <a:lumOff val="40000"/>
+                  </a:schemeClr>
+                </a:solidFill>
+              </a:rPr>
+              <a:t>비밀번호 입력 </a:t>
+            </a:r>
+            <a:r>
+              <a:rPr lang="en-US" altLang="ko-KR" sz="1200" dirty="0">
+                <a:solidFill>
+                  <a:schemeClr val="accent1">
+                    <a:lumMod val="60000"/>
+                    <a:lumOff val="40000"/>
+                  </a:schemeClr>
+                </a:solidFill>
+              </a:rPr>
+              <a:t>&gt; </a:t>
+            </a:r>
+            <a:r>
+              <a:rPr lang="ko-KR" altLang="en-US" sz="1200" dirty="0">
+                <a:solidFill>
+                  <a:schemeClr val="accent1">
+                    <a:lumMod val="60000"/>
+                    <a:lumOff val="40000"/>
+                  </a:schemeClr>
+                </a:solidFill>
+              </a:rPr>
+              <a:t>로그인 이후 </a:t>
+            </a:r>
+            <a:r>
+              <a:rPr lang="ko-KR" altLang="en-US" sz="1200" dirty="0" err="1">
+                <a:solidFill>
+                  <a:schemeClr val="accent1">
+                    <a:lumMod val="60000"/>
+                    <a:lumOff val="40000"/>
+                  </a:schemeClr>
+                </a:solidFill>
+              </a:rPr>
+              <a:t>메인페이지로</a:t>
+            </a:r>
+            <a:r>
+              <a:rPr lang="ko-KR" altLang="en-US" sz="1200" dirty="0">
+                <a:solidFill>
+                  <a:schemeClr val="accent1">
+                    <a:lumMod val="60000"/>
+                    <a:lumOff val="40000"/>
+                  </a:schemeClr>
+                </a:solidFill>
+              </a:rPr>
+              <a:t> 이동</a:t>
+            </a:r>
+            <a:endParaRPr lang="en-US" altLang="ko-KR" sz="1200" dirty="0">
+              <a:solidFill>
+                <a:schemeClr val="accent1">
+                  <a:lumMod val="60000"/>
+                  <a:lumOff val="40000"/>
+                </a:schemeClr>
+              </a:solidFill>
+            </a:endParaRPr>
+          </a:p>
+          <a:p>
+            <a:pPr marL="171450" indent="-171450">
+              <a:buFont typeface="Wingdings" panose="05000000000000000000" pitchFamily="2" charset="2"/>
+              <a:buChar char="ü"/>
+            </a:pPr>
+            <a:r>
+              <a:rPr lang="ko-KR" altLang="en-US" sz="1200" dirty="0" err="1">
+                <a:solidFill>
+                  <a:schemeClr val="accent1">
+                    <a:lumMod val="60000"/>
+                    <a:lumOff val="40000"/>
+                  </a:schemeClr>
+                </a:solidFill>
+              </a:rPr>
+              <a:t>계정찾기</a:t>
+            </a:r>
+            <a:r>
+              <a:rPr lang="ko-KR" altLang="en-US" sz="1200" dirty="0">
+                <a:solidFill>
+                  <a:schemeClr val="accent1">
+                    <a:lumMod val="60000"/>
+                    <a:lumOff val="40000"/>
+                  </a:schemeClr>
+                </a:solidFill>
+              </a:rPr>
+              <a:t> </a:t>
+            </a:r>
+            <a:r>
+              <a:rPr lang="en-US" altLang="ko-KR" sz="1200" dirty="0">
+                <a:solidFill>
+                  <a:schemeClr val="accent1">
+                    <a:lumMod val="60000"/>
+                    <a:lumOff val="40000"/>
+                  </a:schemeClr>
+                </a:solidFill>
+              </a:rPr>
+              <a:t>&gt; </a:t>
+            </a:r>
+            <a:r>
+              <a:rPr lang="ko-KR" altLang="en-US" sz="1200" dirty="0">
+                <a:solidFill>
+                  <a:schemeClr val="accent1">
+                    <a:lumMod val="60000"/>
+                    <a:lumOff val="40000"/>
+                  </a:schemeClr>
+                </a:solidFill>
+              </a:rPr>
+              <a:t>입력한 이름</a:t>
+            </a:r>
+            <a:r>
+              <a:rPr lang="en-US" altLang="ko-KR" sz="1200" dirty="0">
+                <a:solidFill>
+                  <a:schemeClr val="accent1">
+                    <a:lumMod val="60000"/>
+                    <a:lumOff val="40000"/>
+                  </a:schemeClr>
+                </a:solidFill>
+              </a:rPr>
+              <a:t>, </a:t>
+            </a:r>
+            <a:r>
+              <a:rPr lang="ko-KR" altLang="en-US" sz="1200" dirty="0">
+                <a:solidFill>
+                  <a:schemeClr val="accent1">
+                    <a:lumMod val="60000"/>
+                    <a:lumOff val="40000"/>
+                  </a:schemeClr>
+                </a:solidFill>
+              </a:rPr>
+              <a:t>이메일</a:t>
+            </a:r>
+            <a:r>
+              <a:rPr lang="en-US" altLang="ko-KR" sz="1200" dirty="0">
+                <a:solidFill>
+                  <a:schemeClr val="accent1">
+                    <a:lumMod val="60000"/>
+                    <a:lumOff val="40000"/>
+                  </a:schemeClr>
+                </a:solidFill>
+              </a:rPr>
+              <a:t>, </a:t>
+            </a:r>
+            <a:r>
+              <a:rPr lang="ko-KR" altLang="en-US" sz="1200" dirty="0">
+                <a:solidFill>
+                  <a:schemeClr val="accent1">
+                    <a:lumMod val="60000"/>
+                    <a:lumOff val="40000"/>
+                  </a:schemeClr>
+                </a:solidFill>
+              </a:rPr>
+              <a:t>전화번호와 일치하는 아이디 출력 및 비밀번호 재설정 페이지로 이동</a:t>
+            </a:r>
           </a:p>
         </p:txBody>
       </p:sp>
@@ -25223,16 +26734,36 @@
           <a:bodyPr rtlCol="0" anchor="ctr"/>
           <a:lstStyle/>
           <a:p>
-            <a:pPr algn="ctr" latinLnBrk="0">
+            <a:pPr marL="0" marR="0" lvl="0" indent="0" algn="ctr" defTabSz="914400" rtl="0" eaLnBrk="1" fontAlgn="auto" latinLnBrk="0" hangingPunct="1">
               <a:lnSpc>
                 <a:spcPct val="150000"/>
               </a:lnSpc>
+              <a:spcBef>
+                <a:spcPts val="0"/>
+              </a:spcBef>
+              <a:spcAft>
+                <a:spcPts val="0"/>
+              </a:spcAft>
+              <a:buClrTx/>
+              <a:buSzTx/>
+              <a:buFontTx/>
+              <a:buNone/>
+              <a:tabLst/>
               <a:defRPr/>
             </a:pPr>
-            <a:endParaRPr lang="ko-KR" altLang="en-US" sz="7200" kern="0" dirty="0">
+            <a:endParaRPr kumimoji="0" lang="ko-KR" altLang="en-US" sz="7200" b="0" i="0" u="none" strike="noStrike" kern="0" cap="none" spc="0" normalizeH="0" baseline="0" noProof="0" dirty="0">
+              <a:ln>
+                <a:noFill/>
+              </a:ln>
               <a:solidFill>
                 <a:prstClr val="white"/>
               </a:solidFill>
+              <a:effectLst/>
+              <a:uLnTx/>
+              <a:uFillTx/>
+              <a:latin typeface="맑은 고딕" panose="020F0502020204030204"/>
+              <a:ea typeface="맑은 고딕" panose="020B0503020000020004" pitchFamily="50" charset="-127"/>
+              <a:cs typeface="+mn-cs"/>
             </a:endParaRPr>
           </a:p>
         </p:txBody>
@@ -25291,108 +26822,439 @@
           <a:bodyPr rtlCol="0" anchor="t"/>
           <a:lstStyle/>
           <a:p>
-            <a:pPr latinLnBrk="0">
+            <a:pPr marL="0" marR="0" lvl="0" indent="0" algn="l" defTabSz="914400" rtl="0" eaLnBrk="1" fontAlgn="auto" latinLnBrk="0" hangingPunct="1">
               <a:lnSpc>
                 <a:spcPct val="150000"/>
               </a:lnSpc>
+              <a:spcBef>
+                <a:spcPts val="0"/>
+              </a:spcBef>
+              <a:spcAft>
+                <a:spcPts val="0"/>
+              </a:spcAft>
+              <a:buClrTx/>
+              <a:buSzTx/>
+              <a:buFontTx/>
+              <a:buNone/>
+              <a:tabLst/>
               <a:defRPr/>
             </a:pPr>
             <a:r>
-              <a:rPr lang="en-US" altLang="ko-KR" sz="2000" b="1" kern="0" dirty="0">
+              <a:rPr kumimoji="0" lang="en-US" altLang="ko-KR" sz="2000" b="1" i="0" u="none" strike="noStrike" kern="0" cap="none" spc="0" normalizeH="0" baseline="0" noProof="0" dirty="0">
+                <a:ln>
+                  <a:noFill/>
+                </a:ln>
                 <a:solidFill>
                   <a:prstClr val="black">
                     <a:lumMod val="75000"/>
                     <a:lumOff val="25000"/>
                   </a:prstClr>
                 </a:solidFill>
+                <a:effectLst/>
+                <a:uLnTx/>
+                <a:uFillTx/>
+                <a:latin typeface="맑은 고딕" panose="020F0502020204030204"/>
+                <a:ea typeface="맑은 고딕" panose="020B0503020000020004" pitchFamily="50" charset="-127"/>
+                <a:cs typeface="+mn-cs"/>
               </a:rPr>
               <a:t>3. </a:t>
             </a:r>
             <a:r>
-              <a:rPr lang="ko-KR" altLang="en-US" sz="2000" b="1" kern="0" dirty="0">
+              <a:rPr kumimoji="0" lang="ko-KR" altLang="en-US" sz="2000" b="1" i="0" u="none" strike="noStrike" kern="0" cap="none" spc="0" normalizeH="0" baseline="0" noProof="0" dirty="0">
+                <a:ln>
+                  <a:noFill/>
+                </a:ln>
                 <a:solidFill>
                   <a:prstClr val="black">
                     <a:lumMod val="75000"/>
                     <a:lumOff val="25000"/>
                   </a:prstClr>
                 </a:solidFill>
+                <a:effectLst/>
+                <a:uLnTx/>
+                <a:uFillTx/>
+                <a:latin typeface="맑은 고딕" panose="020F0502020204030204"/>
+                <a:ea typeface="맑은 고딕" panose="020B0503020000020004" pitchFamily="50" charset="-127"/>
+                <a:cs typeface="+mn-cs"/>
               </a:rPr>
               <a:t>기능설명 </a:t>
             </a:r>
             <a:r>
-              <a:rPr lang="en-US" altLang="ko-KR" sz="2000" b="1" kern="0" dirty="0">
+              <a:rPr kumimoji="0" lang="en-US" altLang="ko-KR" sz="2000" b="1" i="0" u="none" strike="noStrike" kern="0" cap="none" spc="0" normalizeH="0" baseline="0" noProof="0" dirty="0">
+                <a:ln>
+                  <a:noFill/>
+                </a:ln>
                 <a:solidFill>
                   <a:prstClr val="black">
                     <a:lumMod val="75000"/>
                     <a:lumOff val="25000"/>
                   </a:prstClr>
                 </a:solidFill>
+                <a:effectLst/>
+                <a:uLnTx/>
+                <a:uFillTx/>
+                <a:latin typeface="맑은 고딕" panose="020F0502020204030204"/>
+                <a:ea typeface="맑은 고딕" panose="020B0503020000020004" pitchFamily="50" charset="-127"/>
+                <a:cs typeface="+mn-cs"/>
               </a:rPr>
               <a:t>- </a:t>
             </a:r>
             <a:r>
-              <a:rPr lang="ko-KR" altLang="en-US" sz="2000" b="1" kern="0" dirty="0" err="1">
+              <a:rPr kumimoji="0" lang="ko-KR" altLang="en-US" sz="2000" b="1" i="0" u="none" strike="noStrike" kern="0" cap="none" spc="0" normalizeH="0" baseline="0" noProof="0" dirty="0" err="1">
+                <a:ln>
+                  <a:noFill/>
+                </a:ln>
                 <a:solidFill>
                   <a:prstClr val="black">
                     <a:lumMod val="75000"/>
                     <a:lumOff val="25000"/>
                   </a:prstClr>
                 </a:solidFill>
-              </a:rPr>
-              <a:t>홍윤혜</a:t>
-            </a:r>
-            <a:endParaRPr lang="en-US" altLang="ko-KR" sz="2000" b="1" kern="0" dirty="0">
+                <a:effectLst/>
+                <a:uLnTx/>
+                <a:uFillTx/>
+                <a:latin typeface="맑은 고딕" panose="020F0502020204030204"/>
+                <a:ea typeface="맑은 고딕" panose="020B0503020000020004" pitchFamily="50" charset="-127"/>
+                <a:cs typeface="+mn-cs"/>
+              </a:rPr>
+              <a:t>고경섭</a:t>
+            </a:r>
+            <a:endParaRPr kumimoji="0" lang="en-US" altLang="ko-KR" sz="2000" b="1" i="0" u="none" strike="noStrike" kern="0" cap="none" spc="0" normalizeH="0" baseline="0" noProof="0" dirty="0">
+              <a:ln>
+                <a:noFill/>
+              </a:ln>
               <a:solidFill>
                 <a:prstClr val="black">
                   <a:lumMod val="75000"/>
                   <a:lumOff val="25000"/>
                 </a:prstClr>
               </a:solidFill>
+              <a:effectLst/>
+              <a:uLnTx/>
+              <a:uFillTx/>
+              <a:latin typeface="맑은 고딕" panose="020F0502020204030204"/>
+              <a:ea typeface="맑은 고딕" panose="020B0503020000020004" pitchFamily="50" charset="-127"/>
+              <a:cs typeface="+mn-cs"/>
             </a:endParaRPr>
           </a:p>
           <a:p>
-            <a:pPr latinLnBrk="0">
+            <a:pPr marL="0" marR="0" lvl="0" indent="0" algn="l" defTabSz="914400" rtl="0" eaLnBrk="1" fontAlgn="auto" latinLnBrk="0" hangingPunct="1">
               <a:lnSpc>
                 <a:spcPct val="150000"/>
               </a:lnSpc>
+              <a:spcBef>
+                <a:spcPts val="0"/>
+              </a:spcBef>
+              <a:spcAft>
+                <a:spcPts val="0"/>
+              </a:spcAft>
+              <a:buClrTx/>
+              <a:buSzTx/>
+              <a:buFontTx/>
+              <a:buNone/>
+              <a:tabLst/>
               <a:defRPr/>
             </a:pPr>
             <a:r>
-              <a:rPr lang="en-US" altLang="ko-KR" sz="600" b="1" kern="0" dirty="0">
+              <a:rPr kumimoji="0" lang="en-US" altLang="ko-KR" sz="600" b="1" i="0" u="none" strike="noStrike" kern="0" cap="none" spc="0" normalizeH="0" baseline="0" noProof="0" dirty="0">
+                <a:ln>
+                  <a:noFill/>
+                </a:ln>
                 <a:solidFill>
                   <a:prstClr val="white">
                     <a:lumMod val="75000"/>
                   </a:prstClr>
                 </a:solidFill>
+                <a:effectLst/>
+                <a:uLnTx/>
+                <a:uFillTx/>
+                <a:latin typeface="맑은 고딕" panose="020F0502020204030204"/>
+                <a:ea typeface="맑은 고딕" panose="020B0503020000020004" pitchFamily="50" charset="-127"/>
+                <a:cs typeface="+mn-cs"/>
               </a:rPr>
               <a:t>            </a:t>
             </a:r>
             <a:r>
-              <a:rPr lang="en-US" altLang="ko-KR" sz="1050" b="1" kern="0" dirty="0">
+              <a:rPr kumimoji="0" lang="en-US" altLang="ko-KR" sz="1050" b="1" i="0" u="none" strike="noStrike" kern="0" cap="none" spc="0" normalizeH="0" baseline="0" noProof="0" dirty="0">
+                <a:ln>
+                  <a:noFill/>
+                </a:ln>
                 <a:solidFill>
                   <a:prstClr val="white">
                     <a:lumMod val="75000"/>
                   </a:prstClr>
                 </a:solidFill>
+                <a:effectLst/>
+                <a:uLnTx/>
+                <a:uFillTx/>
+                <a:latin typeface="맑은 고딕" panose="020F0502020204030204"/>
+                <a:ea typeface="맑은 고딕" panose="020B0503020000020004" pitchFamily="50" charset="-127"/>
+                <a:cs typeface="+mn-cs"/>
               </a:rPr>
               <a:t>  | </a:t>
             </a:r>
             <a:r>
-              <a:rPr lang="ko-KR" altLang="en-US" sz="1050" b="1" kern="0" dirty="0">
+              <a:rPr kumimoji="0" lang="ko-KR" altLang="en-US" sz="1050" b="1" i="0" u="none" strike="noStrike" kern="0" cap="none" spc="0" normalizeH="0" baseline="0" noProof="0" dirty="0">
+                <a:ln>
+                  <a:noFill/>
+                </a:ln>
                 <a:solidFill>
                   <a:prstClr val="white">
                     <a:lumMod val="75000"/>
                   </a:prstClr>
                 </a:solidFill>
-              </a:rPr>
-              <a:t>회원 페이지</a:t>
-            </a:r>
-            <a:endParaRPr lang="ko-KR" altLang="en-US" sz="3600" b="1" kern="0" dirty="0">
+                <a:effectLst/>
+                <a:uLnTx/>
+                <a:uFillTx/>
+                <a:latin typeface="맑은 고딕" panose="020F0502020204030204"/>
+                <a:ea typeface="맑은 고딕" panose="020B0503020000020004" pitchFamily="50" charset="-127"/>
+                <a:cs typeface="+mn-cs"/>
+              </a:rPr>
+              <a:t>자유게시판</a:t>
+            </a:r>
+            <a:endParaRPr kumimoji="0" lang="ko-KR" altLang="en-US" sz="3600" b="1" i="0" u="none" strike="noStrike" kern="0" cap="none" spc="0" normalizeH="0" baseline="0" noProof="0" dirty="0">
+              <a:ln>
+                <a:noFill/>
+              </a:ln>
               <a:solidFill>
                 <a:prstClr val="white">
                   <a:lumMod val="75000"/>
                 </a:prstClr>
               </a:solidFill>
+              <a:effectLst/>
+              <a:uLnTx/>
+              <a:uFillTx/>
+              <a:latin typeface="맑은 고딕" panose="020F0502020204030204"/>
+              <a:ea typeface="맑은 고딕" panose="020B0503020000020004" pitchFamily="50" charset="-127"/>
+              <a:cs typeface="+mn-cs"/>
+            </a:endParaRPr>
+          </a:p>
+        </p:txBody>
+      </p:sp>
+      <p:pic>
+        <p:nvPicPr>
+          <p:cNvPr id="3" name="그림 2">
+            <a:extLst>
+              <a:ext uri="{FF2B5EF4-FFF2-40B4-BE49-F238E27FC236}">
+                <a16:creationId xmlns:a16="http://schemas.microsoft.com/office/drawing/2014/main" id="{EDB29072-6002-46F4-2582-77DC2A9D86C2}"/>
+              </a:ext>
+            </a:extLst>
+          </p:cNvPr>
+          <p:cNvPicPr>
+            <a:picLocks noChangeAspect="1"/>
+          </p:cNvPicPr>
+          <p:nvPr/>
+        </p:nvPicPr>
+        <p:blipFill>
+          <a:blip r:embed="rId2">
+            <a:extLst>
+              <a:ext uri="{28A0092B-C50C-407E-A947-70E740481C1C}">
+                <a14:useLocalDpi xmlns:a14="http://schemas.microsoft.com/office/drawing/2010/main" val="0"/>
+              </a:ext>
+            </a:extLst>
+          </a:blip>
+          <a:stretch>
+            <a:fillRect/>
+          </a:stretch>
+        </p:blipFill>
+        <p:spPr>
+          <a:xfrm>
+            <a:off x="490472" y="1142496"/>
+            <a:ext cx="11479106" cy="3929855"/>
+          </a:xfrm>
+          <a:prstGeom prst="rect">
+            <a:avLst/>
+          </a:prstGeom>
+        </p:spPr>
+      </p:pic>
+      <p:sp>
+        <p:nvSpPr>
+          <p:cNvPr id="5" name="TextBox 4">
+            <a:extLst>
+              <a:ext uri="{FF2B5EF4-FFF2-40B4-BE49-F238E27FC236}">
+                <a16:creationId xmlns:a16="http://schemas.microsoft.com/office/drawing/2014/main" id="{297A33E1-04D9-49FC-A196-7B8F946E23C8}"/>
+              </a:ext>
+            </a:extLst>
+          </p:cNvPr>
+          <p:cNvSpPr txBox="1"/>
+          <p:nvPr/>
+        </p:nvSpPr>
+        <p:spPr>
+          <a:xfrm>
+            <a:off x="2294626" y="5392338"/>
+            <a:ext cx="8142872" cy="646331"/>
+          </a:xfrm>
+          <a:prstGeom prst="rect">
+            <a:avLst/>
+          </a:prstGeom>
+          <a:noFill/>
+        </p:spPr>
+        <p:txBody>
+          <a:bodyPr wrap="square" rtlCol="0">
+            <a:spAutoFit/>
+          </a:bodyPr>
+          <a:lstStyle/>
+          <a:p>
+            <a:pPr marL="171450" indent="-171450">
+              <a:buFont typeface="Wingdings" panose="05000000000000000000" pitchFamily="2" charset="2"/>
+              <a:buChar char="ü"/>
+            </a:pPr>
+            <a:r>
+              <a:rPr lang="ko-KR" altLang="en-US" sz="1200" dirty="0">
+                <a:solidFill>
+                  <a:schemeClr val="accent1">
+                    <a:lumMod val="60000"/>
+                    <a:lumOff val="40000"/>
+                  </a:schemeClr>
+                </a:solidFill>
+              </a:rPr>
+              <a:t>게시판 글 작성</a:t>
+            </a:r>
+            <a:r>
+              <a:rPr lang="en-US" altLang="ko-KR" sz="1200" dirty="0">
+                <a:solidFill>
+                  <a:schemeClr val="accent1">
+                    <a:lumMod val="60000"/>
+                    <a:lumOff val="40000"/>
+                  </a:schemeClr>
+                </a:solidFill>
+              </a:rPr>
+              <a:t>/</a:t>
+            </a:r>
+            <a:r>
+              <a:rPr lang="ko-KR" altLang="en-US" sz="1200" dirty="0">
+                <a:solidFill>
+                  <a:schemeClr val="accent1">
+                    <a:lumMod val="60000"/>
+                    <a:lumOff val="40000"/>
+                  </a:schemeClr>
+                </a:solidFill>
+              </a:rPr>
+              <a:t>수정</a:t>
+            </a:r>
+            <a:r>
+              <a:rPr lang="en-US" altLang="ko-KR" sz="1200" dirty="0">
+                <a:solidFill>
+                  <a:schemeClr val="accent1">
+                    <a:lumMod val="60000"/>
+                    <a:lumOff val="40000"/>
+                  </a:schemeClr>
+                </a:solidFill>
+              </a:rPr>
+              <a:t>/</a:t>
+            </a:r>
+            <a:r>
+              <a:rPr lang="ko-KR" altLang="en-US" sz="1200" dirty="0">
+                <a:solidFill>
+                  <a:schemeClr val="accent1">
+                    <a:lumMod val="60000"/>
+                    <a:lumOff val="40000"/>
+                  </a:schemeClr>
+                </a:solidFill>
+              </a:rPr>
+              <a:t>삭제 기능 구현함</a:t>
+            </a:r>
+            <a:endParaRPr lang="en-US" altLang="ko-KR" sz="1200" dirty="0">
+              <a:solidFill>
+                <a:schemeClr val="accent1">
+                  <a:lumMod val="60000"/>
+                  <a:lumOff val="40000"/>
+                </a:schemeClr>
+              </a:solidFill>
+            </a:endParaRPr>
+          </a:p>
+          <a:p>
+            <a:pPr marL="171450" indent="-171450">
+              <a:buFont typeface="Wingdings" panose="05000000000000000000" pitchFamily="2" charset="2"/>
+              <a:buChar char="ü"/>
+            </a:pPr>
+            <a:r>
+              <a:rPr lang="ko-KR" altLang="en-US" sz="1200" dirty="0">
+                <a:solidFill>
+                  <a:schemeClr val="accent1">
+                    <a:lumMod val="60000"/>
+                    <a:lumOff val="40000"/>
+                  </a:schemeClr>
+                </a:solidFill>
+              </a:rPr>
+              <a:t>게시글 내 댓글 작성</a:t>
+            </a:r>
+            <a:r>
+              <a:rPr lang="en-US" altLang="ko-KR" sz="1200" dirty="0">
+                <a:solidFill>
+                  <a:schemeClr val="accent1">
+                    <a:lumMod val="60000"/>
+                    <a:lumOff val="40000"/>
+                  </a:schemeClr>
+                </a:solidFill>
+              </a:rPr>
+              <a:t>/</a:t>
+            </a:r>
+            <a:r>
+              <a:rPr lang="ko-KR" altLang="en-US" sz="1200" dirty="0">
+                <a:solidFill>
+                  <a:schemeClr val="accent1">
+                    <a:lumMod val="60000"/>
+                    <a:lumOff val="40000"/>
+                  </a:schemeClr>
+                </a:solidFill>
+              </a:rPr>
+              <a:t>수정</a:t>
+            </a:r>
+            <a:r>
+              <a:rPr lang="en-US" altLang="ko-KR" sz="1200" dirty="0">
+                <a:solidFill>
+                  <a:schemeClr val="accent1">
+                    <a:lumMod val="60000"/>
+                    <a:lumOff val="40000"/>
+                  </a:schemeClr>
+                </a:solidFill>
+              </a:rPr>
+              <a:t>/</a:t>
+            </a:r>
+            <a:r>
+              <a:rPr lang="ko-KR" altLang="en-US" sz="1200" dirty="0">
+                <a:solidFill>
+                  <a:schemeClr val="accent1">
+                    <a:lumMod val="60000"/>
+                    <a:lumOff val="40000"/>
+                  </a:schemeClr>
+                </a:solidFill>
+              </a:rPr>
+              <a:t>삭제 기능 구현함</a:t>
+            </a:r>
+            <a:endParaRPr lang="en-US" altLang="ko-KR" sz="1200" dirty="0">
+              <a:solidFill>
+                <a:schemeClr val="accent1">
+                  <a:lumMod val="60000"/>
+                  <a:lumOff val="40000"/>
+                </a:schemeClr>
+              </a:solidFill>
+            </a:endParaRPr>
+          </a:p>
+          <a:p>
+            <a:pPr marL="171450" indent="-171450">
+              <a:buFont typeface="Wingdings" panose="05000000000000000000" pitchFamily="2" charset="2"/>
+              <a:buChar char="ü"/>
+            </a:pPr>
+            <a:r>
+              <a:rPr lang="ko-KR" altLang="en-US" sz="1200" dirty="0">
+                <a:solidFill>
+                  <a:schemeClr val="accent1">
+                    <a:lumMod val="60000"/>
+                    <a:lumOff val="40000"/>
+                  </a:schemeClr>
+                </a:solidFill>
+              </a:rPr>
+              <a:t>사원의 회사코드와 일치하는 게시글만 게시글 목록으로 출력됨</a:t>
+            </a:r>
+            <a:endParaRPr lang="en-US" altLang="ko-KR" sz="1200" dirty="0">
+              <a:solidFill>
+                <a:schemeClr val="accent1">
+                  <a:lumMod val="60000"/>
+                  <a:lumOff val="40000"/>
+                </a:schemeClr>
+              </a:solidFill>
             </a:endParaRPr>
           </a:p>
         </p:txBody>
@@ -25400,7 +27262,7 @@
     </p:spTree>
     <p:extLst>
       <p:ext uri="{BB962C8B-B14F-4D97-AF65-F5344CB8AC3E}">
-        <p14:creationId xmlns:p14="http://schemas.microsoft.com/office/powerpoint/2010/main" val="536197931"/>
+        <p14:creationId xmlns:p14="http://schemas.microsoft.com/office/powerpoint/2010/main" val="394279461"/>
       </p:ext>
     </p:extLst>
   </p:cSld>
@@ -25486,16 +27348,36 @@
           <a:bodyPr rtlCol="0" anchor="ctr"/>
           <a:lstStyle/>
           <a:p>
-            <a:pPr algn="ctr" latinLnBrk="0">
+            <a:pPr marL="0" marR="0" lvl="0" indent="0" algn="ctr" defTabSz="914400" rtl="0" eaLnBrk="1" fontAlgn="auto" latinLnBrk="0" hangingPunct="1">
               <a:lnSpc>
                 <a:spcPct val="150000"/>
               </a:lnSpc>
+              <a:spcBef>
+                <a:spcPts val="0"/>
+              </a:spcBef>
+              <a:spcAft>
+                <a:spcPts val="0"/>
+              </a:spcAft>
+              <a:buClrTx/>
+              <a:buSzTx/>
+              <a:buFontTx/>
+              <a:buNone/>
+              <a:tabLst/>
               <a:defRPr/>
             </a:pPr>
-            <a:endParaRPr lang="ko-KR" altLang="en-US" sz="7200" kern="0" dirty="0">
+            <a:endParaRPr kumimoji="0" lang="ko-KR" altLang="en-US" sz="7200" b="0" i="0" u="none" strike="noStrike" kern="0" cap="none" spc="0" normalizeH="0" baseline="0" noProof="0" dirty="0">
+              <a:ln>
+                <a:noFill/>
+              </a:ln>
               <a:solidFill>
                 <a:prstClr val="white"/>
               </a:solidFill>
+              <a:effectLst/>
+              <a:uLnTx/>
+              <a:uFillTx/>
+              <a:latin typeface="맑은 고딕" panose="020F0502020204030204"/>
+              <a:ea typeface="맑은 고딕" panose="020B0503020000020004" pitchFamily="50" charset="-127"/>
+              <a:cs typeface="+mn-cs"/>
             </a:endParaRPr>
           </a:p>
         </p:txBody>
@@ -25554,89 +27436,174 @@
           <a:bodyPr rtlCol="0" anchor="t"/>
           <a:lstStyle/>
           <a:p>
-            <a:pPr latinLnBrk="0">
+            <a:pPr marL="0" marR="0" lvl="0" indent="0" algn="l" defTabSz="914400" rtl="0" eaLnBrk="1" fontAlgn="auto" latinLnBrk="0" hangingPunct="1">
               <a:lnSpc>
                 <a:spcPct val="150000"/>
               </a:lnSpc>
+              <a:spcBef>
+                <a:spcPts val="0"/>
+              </a:spcBef>
+              <a:spcAft>
+                <a:spcPts val="0"/>
+              </a:spcAft>
+              <a:buClrTx/>
+              <a:buSzTx/>
+              <a:buFontTx/>
+              <a:buNone/>
+              <a:tabLst/>
               <a:defRPr/>
             </a:pPr>
             <a:r>
-              <a:rPr lang="en-US" altLang="ko-KR" sz="2000" b="1" kern="0" dirty="0">
+              <a:rPr kumimoji="0" lang="en-US" altLang="ko-KR" sz="2000" b="1" i="0" u="none" strike="noStrike" kern="0" cap="none" spc="0" normalizeH="0" baseline="0" noProof="0" dirty="0">
+                <a:ln>
+                  <a:noFill/>
+                </a:ln>
                 <a:solidFill>
                   <a:prstClr val="black">
                     <a:lumMod val="75000"/>
                     <a:lumOff val="25000"/>
                   </a:prstClr>
                 </a:solidFill>
+                <a:effectLst/>
+                <a:uLnTx/>
+                <a:uFillTx/>
+                <a:latin typeface="맑은 고딕" panose="020F0502020204030204"/>
+                <a:ea typeface="맑은 고딕" panose="020B0503020000020004" pitchFamily="50" charset="-127"/>
+                <a:cs typeface="+mn-cs"/>
               </a:rPr>
               <a:t>3. </a:t>
             </a:r>
             <a:r>
-              <a:rPr lang="ko-KR" altLang="en-US" sz="2000" b="1" kern="0" dirty="0">
+              <a:rPr kumimoji="0" lang="ko-KR" altLang="en-US" sz="2000" b="1" i="0" u="none" strike="noStrike" kern="0" cap="none" spc="0" normalizeH="0" baseline="0" noProof="0" dirty="0">
+                <a:ln>
+                  <a:noFill/>
+                </a:ln>
                 <a:solidFill>
                   <a:prstClr val="black">
                     <a:lumMod val="75000"/>
                     <a:lumOff val="25000"/>
                   </a:prstClr>
                 </a:solidFill>
+                <a:effectLst/>
+                <a:uLnTx/>
+                <a:uFillTx/>
+                <a:latin typeface="맑은 고딕" panose="020F0502020204030204"/>
+                <a:ea typeface="맑은 고딕" panose="020B0503020000020004" pitchFamily="50" charset="-127"/>
+                <a:cs typeface="+mn-cs"/>
               </a:rPr>
               <a:t>기능설명 </a:t>
             </a:r>
             <a:r>
-              <a:rPr lang="en-US" altLang="ko-KR" sz="2000" b="1" kern="0" dirty="0">
+              <a:rPr kumimoji="0" lang="en-US" altLang="ko-KR" sz="2000" b="1" i="0" u="none" strike="noStrike" kern="0" cap="none" spc="0" normalizeH="0" baseline="0" noProof="0" dirty="0">
+                <a:ln>
+                  <a:noFill/>
+                </a:ln>
                 <a:solidFill>
                   <a:prstClr val="black">
                     <a:lumMod val="75000"/>
                     <a:lumOff val="25000"/>
                   </a:prstClr>
                 </a:solidFill>
+                <a:effectLst/>
+                <a:uLnTx/>
+                <a:uFillTx/>
+                <a:latin typeface="맑은 고딕" panose="020F0502020204030204"/>
+                <a:ea typeface="맑은 고딕" panose="020B0503020000020004" pitchFamily="50" charset="-127"/>
+                <a:cs typeface="+mn-cs"/>
               </a:rPr>
               <a:t>- </a:t>
             </a:r>
             <a:r>
-              <a:rPr lang="ko-KR" altLang="en-US" sz="2000" b="1" kern="0" dirty="0">
+              <a:rPr kumimoji="0" lang="ko-KR" altLang="en-US" sz="2000" b="1" i="0" u="none" strike="noStrike" kern="0" cap="none" spc="0" normalizeH="0" baseline="0" noProof="0" dirty="0" err="1">
+                <a:ln>
+                  <a:noFill/>
+                </a:ln>
                 <a:solidFill>
                   <a:prstClr val="black">
                     <a:lumMod val="75000"/>
                     <a:lumOff val="25000"/>
                   </a:prstClr>
                 </a:solidFill>
-              </a:rPr>
-              <a:t>황정우</a:t>
-            </a:r>
-            <a:endParaRPr lang="en-US" altLang="ko-KR" sz="2000" b="1" kern="0" dirty="0">
+                <a:effectLst/>
+                <a:uLnTx/>
+                <a:uFillTx/>
+                <a:latin typeface="맑은 고딕" panose="020F0502020204030204"/>
+                <a:ea typeface="맑은 고딕" panose="020B0503020000020004" pitchFamily="50" charset="-127"/>
+                <a:cs typeface="+mn-cs"/>
+              </a:rPr>
+              <a:t>고경섭</a:t>
+            </a:r>
+            <a:endParaRPr kumimoji="0" lang="en-US" altLang="ko-KR" sz="2000" b="1" i="0" u="none" strike="noStrike" kern="0" cap="none" spc="0" normalizeH="0" baseline="0" noProof="0" dirty="0">
+              <a:ln>
+                <a:noFill/>
+              </a:ln>
               <a:solidFill>
                 <a:prstClr val="black">
                   <a:lumMod val="75000"/>
                   <a:lumOff val="25000"/>
                 </a:prstClr>
               </a:solidFill>
+              <a:effectLst/>
+              <a:uLnTx/>
+              <a:uFillTx/>
+              <a:latin typeface="맑은 고딕" panose="020F0502020204030204"/>
+              <a:ea typeface="맑은 고딕" panose="020B0503020000020004" pitchFamily="50" charset="-127"/>
+              <a:cs typeface="+mn-cs"/>
             </a:endParaRPr>
           </a:p>
           <a:p>
-            <a:pPr latinLnBrk="0">
+            <a:pPr marL="0" marR="0" lvl="0" indent="0" algn="l" defTabSz="914400" rtl="0" eaLnBrk="1" fontAlgn="auto" latinLnBrk="0" hangingPunct="1">
               <a:lnSpc>
                 <a:spcPct val="150000"/>
               </a:lnSpc>
+              <a:spcBef>
+                <a:spcPts val="0"/>
+              </a:spcBef>
+              <a:spcAft>
+                <a:spcPts val="0"/>
+              </a:spcAft>
+              <a:buClrTx/>
+              <a:buSzTx/>
+              <a:buFontTx/>
+              <a:buNone/>
+              <a:tabLst/>
               <a:defRPr/>
             </a:pPr>
             <a:r>
-              <a:rPr lang="en-US" altLang="ko-KR" sz="600" b="1" kern="0" dirty="0">
+              <a:rPr kumimoji="0" lang="en-US" altLang="ko-KR" sz="600" b="1" i="0" u="none" strike="noStrike" kern="0" cap="none" spc="0" normalizeH="0" baseline="0" noProof="0" dirty="0">
+                <a:ln>
+                  <a:noFill/>
+                </a:ln>
                 <a:solidFill>
                   <a:prstClr val="white">
                     <a:lumMod val="75000"/>
                   </a:prstClr>
                 </a:solidFill>
+                <a:effectLst/>
+                <a:uLnTx/>
+                <a:uFillTx/>
+                <a:latin typeface="맑은 고딕" panose="020F0502020204030204"/>
+                <a:ea typeface="맑은 고딕" panose="020B0503020000020004" pitchFamily="50" charset="-127"/>
+                <a:cs typeface="+mn-cs"/>
               </a:rPr>
               <a:t>            </a:t>
             </a:r>
             <a:r>
-              <a:rPr lang="en-US" altLang="ko-KR" sz="1050" b="1" kern="0" dirty="0">
+              <a:rPr kumimoji="0" lang="en-US" altLang="ko-KR" sz="1050" b="1" i="0" u="none" strike="noStrike" kern="0" cap="none" spc="0" normalizeH="0" baseline="0" noProof="0" dirty="0">
+                <a:ln>
+                  <a:noFill/>
+                </a:ln>
                 <a:solidFill>
                   <a:prstClr val="white">
                     <a:lumMod val="75000"/>
                   </a:prstClr>
                 </a:solidFill>
+                <a:effectLst/>
+                <a:uLnTx/>
+                <a:uFillTx/>
+                <a:latin typeface="맑은 고딕" panose="020F0502020204030204"/>
+                <a:ea typeface="맑은 고딕" panose="020B0503020000020004" pitchFamily="50" charset="-127"/>
+                <a:cs typeface="+mn-cs"/>
               </a:rPr>
               <a:t>  | </a:t>
             </a:r>
@@ -25647,15 +27614,218 @@
                     <a:lumMod val="75000"/>
                   </a:prstClr>
                 </a:solidFill>
-              </a:rPr>
-              <a:t>관리자 페이지</a:t>
-            </a:r>
-            <a:endParaRPr lang="ko-KR" altLang="en-US" sz="3600" b="1" kern="0" dirty="0">
+                <a:latin typeface="맑은 고딕" panose="020F0502020204030204"/>
+                <a:ea typeface="맑은 고딕" panose="020B0503020000020004" pitchFamily="50" charset="-127"/>
+              </a:rPr>
+              <a:t>마이</a:t>
+            </a:r>
+            <a:r>
+              <a:rPr kumimoji="0" lang="ko-KR" altLang="en-US" sz="1050" b="1" i="0" u="none" strike="noStrike" kern="0" cap="none" spc="0" normalizeH="0" baseline="0" noProof="0" dirty="0">
+                <a:ln>
+                  <a:noFill/>
+                </a:ln>
+                <a:solidFill>
+                  <a:prstClr val="white">
+                    <a:lumMod val="75000"/>
+                  </a:prstClr>
+                </a:solidFill>
+                <a:effectLst/>
+                <a:uLnTx/>
+                <a:uFillTx/>
+                <a:latin typeface="맑은 고딕" panose="020F0502020204030204"/>
+                <a:ea typeface="맑은 고딕" panose="020B0503020000020004" pitchFamily="50" charset="-127"/>
+                <a:cs typeface="+mn-cs"/>
+              </a:rPr>
+              <a:t> 페이지</a:t>
+            </a:r>
+            <a:endParaRPr kumimoji="0" lang="ko-KR" altLang="en-US" sz="3600" b="1" i="0" u="none" strike="noStrike" kern="0" cap="none" spc="0" normalizeH="0" baseline="0" noProof="0" dirty="0">
+              <a:ln>
+                <a:noFill/>
+              </a:ln>
               <a:solidFill>
                 <a:prstClr val="white">
                   <a:lumMod val="75000"/>
                 </a:prstClr>
               </a:solidFill>
+              <a:effectLst/>
+              <a:uLnTx/>
+              <a:uFillTx/>
+              <a:latin typeface="맑은 고딕" panose="020F0502020204030204"/>
+              <a:ea typeface="맑은 고딕" panose="020B0503020000020004" pitchFamily="50" charset="-127"/>
+              <a:cs typeface="+mn-cs"/>
+            </a:endParaRPr>
+          </a:p>
+        </p:txBody>
+      </p:sp>
+      <p:pic>
+        <p:nvPicPr>
+          <p:cNvPr id="5" name="그림 4">
+            <a:extLst>
+              <a:ext uri="{FF2B5EF4-FFF2-40B4-BE49-F238E27FC236}">
+                <a16:creationId xmlns:a16="http://schemas.microsoft.com/office/drawing/2014/main" id="{7E849DA3-01BB-C99D-E605-CC8B19357D54}"/>
+              </a:ext>
+            </a:extLst>
+          </p:cNvPr>
+          <p:cNvPicPr>
+            <a:picLocks noChangeAspect="1"/>
+          </p:cNvPicPr>
+          <p:nvPr/>
+        </p:nvPicPr>
+        <p:blipFill>
+          <a:blip r:embed="rId2">
+            <a:extLst>
+              <a:ext uri="{28A0092B-C50C-407E-A947-70E740481C1C}">
+                <a14:useLocalDpi xmlns:a14="http://schemas.microsoft.com/office/drawing/2010/main" val="0"/>
+              </a:ext>
+            </a:extLst>
+          </a:blip>
+          <a:stretch>
+            <a:fillRect/>
+          </a:stretch>
+        </p:blipFill>
+        <p:spPr>
+          <a:xfrm>
+            <a:off x="552090" y="1142496"/>
+            <a:ext cx="11352363" cy="3929855"/>
+          </a:xfrm>
+          <a:prstGeom prst="rect">
+            <a:avLst/>
+          </a:prstGeom>
+        </p:spPr>
+      </p:pic>
+      <p:sp>
+        <p:nvSpPr>
+          <p:cNvPr id="9" name="TextBox 8">
+            <a:extLst>
+              <a:ext uri="{FF2B5EF4-FFF2-40B4-BE49-F238E27FC236}">
+                <a16:creationId xmlns:a16="http://schemas.microsoft.com/office/drawing/2014/main" id="{C827752E-B9BA-2618-DDFD-FDE987A95D7D}"/>
+              </a:ext>
+            </a:extLst>
+          </p:cNvPr>
+          <p:cNvSpPr txBox="1"/>
+          <p:nvPr/>
+        </p:nvSpPr>
+        <p:spPr>
+          <a:xfrm>
+            <a:off x="2294626" y="5392338"/>
+            <a:ext cx="8142872" cy="646331"/>
+          </a:xfrm>
+          <a:prstGeom prst="rect">
+            <a:avLst/>
+          </a:prstGeom>
+          <a:noFill/>
+        </p:spPr>
+        <p:txBody>
+          <a:bodyPr wrap="square" rtlCol="0">
+            <a:spAutoFit/>
+          </a:bodyPr>
+          <a:lstStyle/>
+          <a:p>
+            <a:pPr marL="171450" indent="-171450">
+              <a:buFont typeface="Wingdings" panose="05000000000000000000" pitchFamily="2" charset="2"/>
+              <a:buChar char="ü"/>
+            </a:pPr>
+            <a:r>
+              <a:rPr lang="ko-KR" altLang="en-US" sz="1200" dirty="0" err="1">
+                <a:solidFill>
+                  <a:schemeClr val="accent1">
+                    <a:lumMod val="60000"/>
+                    <a:lumOff val="40000"/>
+                  </a:schemeClr>
+                </a:solidFill>
+              </a:rPr>
+              <a:t>개인정보란에서</a:t>
+            </a:r>
+            <a:r>
+              <a:rPr lang="ko-KR" altLang="en-US" sz="1200" dirty="0">
+                <a:solidFill>
+                  <a:schemeClr val="accent1">
+                    <a:lumMod val="60000"/>
+                    <a:lumOff val="40000"/>
+                  </a:schemeClr>
+                </a:solidFill>
+              </a:rPr>
+              <a:t> 사원의 개인정보가 출력됨</a:t>
+            </a:r>
+            <a:endParaRPr lang="en-US" altLang="ko-KR" sz="1200" dirty="0">
+              <a:solidFill>
+                <a:schemeClr val="accent1">
+                  <a:lumMod val="60000"/>
+                  <a:lumOff val="40000"/>
+                </a:schemeClr>
+              </a:solidFill>
+            </a:endParaRPr>
+          </a:p>
+          <a:p>
+            <a:pPr marL="171450" indent="-171450">
+              <a:buFont typeface="Wingdings" panose="05000000000000000000" pitchFamily="2" charset="2"/>
+              <a:buChar char="ü"/>
+            </a:pPr>
+            <a:r>
+              <a:rPr lang="ko-KR" altLang="en-US" sz="1200" dirty="0">
+                <a:solidFill>
+                  <a:schemeClr val="accent1">
+                    <a:lumMod val="60000"/>
+                    <a:lumOff val="40000"/>
+                  </a:schemeClr>
+                </a:solidFill>
+              </a:rPr>
+              <a:t>개인정보 수정란에서 프로필사진을 업로드할 수 있음</a:t>
+            </a:r>
+            <a:r>
+              <a:rPr lang="en-US" altLang="ko-KR" sz="1200" dirty="0">
+                <a:solidFill>
+                  <a:schemeClr val="accent1">
+                    <a:lumMod val="60000"/>
+                    <a:lumOff val="40000"/>
+                  </a:schemeClr>
+                </a:solidFill>
+              </a:rPr>
+              <a:t>. </a:t>
+            </a:r>
+            <a:r>
+              <a:rPr lang="ko-KR" altLang="en-US" sz="1200" dirty="0">
+                <a:solidFill>
+                  <a:schemeClr val="accent1">
+                    <a:lumMod val="60000"/>
+                    <a:lumOff val="40000"/>
+                  </a:schemeClr>
+                </a:solidFill>
+              </a:rPr>
+              <a:t>업로드 전에 미리보기 기능 제공</a:t>
+            </a:r>
+            <a:endParaRPr lang="en-US" altLang="ko-KR" sz="1200" dirty="0">
+              <a:solidFill>
+                <a:schemeClr val="accent1">
+                  <a:lumMod val="60000"/>
+                  <a:lumOff val="40000"/>
+                </a:schemeClr>
+              </a:solidFill>
+            </a:endParaRPr>
+          </a:p>
+          <a:p>
+            <a:pPr marL="171450" indent="-171450">
+              <a:buFont typeface="Wingdings" panose="05000000000000000000" pitchFamily="2" charset="2"/>
+              <a:buChar char="ü"/>
+            </a:pPr>
+            <a:r>
+              <a:rPr lang="ko-KR" altLang="en-US" sz="1200" dirty="0">
+                <a:solidFill>
+                  <a:schemeClr val="accent1">
+                    <a:lumMod val="60000"/>
+                    <a:lumOff val="40000"/>
+                  </a:schemeClr>
+                </a:solidFill>
+              </a:rPr>
+              <a:t>개인정보를 수정한 이후 저장을 누르면 사원의 정보가 업데이트 됨 </a:t>
+            </a:r>
+            <a:endParaRPr lang="en-US" altLang="ko-KR" sz="1200" dirty="0">
+              <a:solidFill>
+                <a:schemeClr val="accent1">
+                  <a:lumMod val="60000"/>
+                  <a:lumOff val="40000"/>
+                </a:schemeClr>
+              </a:solidFill>
             </a:endParaRPr>
           </a:p>
         </p:txBody>
@@ -25663,7 +27833,7 @@
     </p:spTree>
     <p:extLst>
       <p:ext uri="{BB962C8B-B14F-4D97-AF65-F5344CB8AC3E}">
-        <p14:creationId xmlns:p14="http://schemas.microsoft.com/office/powerpoint/2010/main" val="1425454116"/>
+        <p14:creationId xmlns:p14="http://schemas.microsoft.com/office/powerpoint/2010/main" val="1338289831"/>
       </p:ext>
     </p:extLst>
   </p:cSld>
@@ -25749,16 +27919,36 @@
           <a:bodyPr rtlCol="0" anchor="ctr"/>
           <a:lstStyle/>
           <a:p>
-            <a:pPr algn="ctr" latinLnBrk="0">
+            <a:pPr marL="0" marR="0" lvl="0" indent="0" algn="ctr" defTabSz="914400" rtl="0" eaLnBrk="1" fontAlgn="auto" latinLnBrk="0" hangingPunct="1">
               <a:lnSpc>
                 <a:spcPct val="150000"/>
               </a:lnSpc>
+              <a:spcBef>
+                <a:spcPts val="0"/>
+              </a:spcBef>
+              <a:spcAft>
+                <a:spcPts val="0"/>
+              </a:spcAft>
+              <a:buClrTx/>
+              <a:buSzTx/>
+              <a:buFontTx/>
+              <a:buNone/>
+              <a:tabLst/>
               <a:defRPr/>
             </a:pPr>
-            <a:endParaRPr lang="ko-KR" altLang="en-US" sz="7200" kern="0" dirty="0">
+            <a:endParaRPr kumimoji="0" lang="ko-KR" altLang="en-US" sz="7200" b="0" i="0" u="none" strike="noStrike" kern="0" cap="none" spc="0" normalizeH="0" baseline="0" noProof="0" dirty="0">
+              <a:ln>
+                <a:noFill/>
+              </a:ln>
               <a:solidFill>
                 <a:prstClr val="white"/>
               </a:solidFill>
+              <a:effectLst/>
+              <a:uLnTx/>
+              <a:uFillTx/>
+              <a:latin typeface="맑은 고딕" panose="020F0502020204030204"/>
+              <a:ea typeface="맑은 고딕" panose="020B0503020000020004" pitchFamily="50" charset="-127"/>
+              <a:cs typeface="+mn-cs"/>
             </a:endParaRPr>
           </a:p>
         </p:txBody>
@@ -25817,89 +28007,174 @@
           <a:bodyPr rtlCol="0" anchor="t"/>
           <a:lstStyle/>
           <a:p>
-            <a:pPr latinLnBrk="0">
+            <a:pPr marL="0" marR="0" lvl="0" indent="0" algn="l" defTabSz="914400" rtl="0" eaLnBrk="1" fontAlgn="auto" latinLnBrk="0" hangingPunct="1">
               <a:lnSpc>
                 <a:spcPct val="150000"/>
               </a:lnSpc>
+              <a:spcBef>
+                <a:spcPts val="0"/>
+              </a:spcBef>
+              <a:spcAft>
+                <a:spcPts val="0"/>
+              </a:spcAft>
+              <a:buClrTx/>
+              <a:buSzTx/>
+              <a:buFontTx/>
+              <a:buNone/>
+              <a:tabLst/>
               <a:defRPr/>
             </a:pPr>
             <a:r>
-              <a:rPr lang="en-US" altLang="ko-KR" sz="2000" b="1" kern="0" dirty="0">
+              <a:rPr kumimoji="0" lang="en-US" altLang="ko-KR" sz="2000" b="1" i="0" u="none" strike="noStrike" kern="0" cap="none" spc="0" normalizeH="0" baseline="0" noProof="0" dirty="0">
+                <a:ln>
+                  <a:noFill/>
+                </a:ln>
                 <a:solidFill>
                   <a:prstClr val="black">
                     <a:lumMod val="75000"/>
                     <a:lumOff val="25000"/>
                   </a:prstClr>
                 </a:solidFill>
-              </a:rPr>
-              <a:t>4. </a:t>
-            </a:r>
-            <a:r>
-              <a:rPr lang="ko-KR" altLang="en-US" sz="2000" b="1" kern="0" dirty="0">
+                <a:effectLst/>
+                <a:uLnTx/>
+                <a:uFillTx/>
+                <a:latin typeface="맑은 고딕" panose="020F0502020204030204"/>
+                <a:ea typeface="맑은 고딕" panose="020B0503020000020004" pitchFamily="50" charset="-127"/>
+                <a:cs typeface="+mn-cs"/>
+              </a:rPr>
+              <a:t>3. </a:t>
+            </a:r>
+            <a:r>
+              <a:rPr kumimoji="0" lang="ko-KR" altLang="en-US" sz="2000" b="1" i="0" u="none" strike="noStrike" kern="0" cap="none" spc="0" normalizeH="0" baseline="0" noProof="0" dirty="0">
+                <a:ln>
+                  <a:noFill/>
+                </a:ln>
                 <a:solidFill>
                   <a:prstClr val="black">
                     <a:lumMod val="75000"/>
                     <a:lumOff val="25000"/>
                   </a:prstClr>
                 </a:solidFill>
-              </a:rPr>
-              <a:t>보안예정 </a:t>
-            </a:r>
-            <a:r>
-              <a:rPr lang="en-US" altLang="ko-KR" sz="2000" b="1" kern="0" dirty="0">
+                <a:effectLst/>
+                <a:uLnTx/>
+                <a:uFillTx/>
+                <a:latin typeface="맑은 고딕" panose="020F0502020204030204"/>
+                <a:ea typeface="맑은 고딕" panose="020B0503020000020004" pitchFamily="50" charset="-127"/>
+                <a:cs typeface="+mn-cs"/>
+              </a:rPr>
+              <a:t>기능설명 </a:t>
+            </a:r>
+            <a:r>
+              <a:rPr kumimoji="0" lang="en-US" altLang="ko-KR" sz="2000" b="1" i="0" u="none" strike="noStrike" kern="0" cap="none" spc="0" normalizeH="0" baseline="0" noProof="0" dirty="0">
+                <a:ln>
+                  <a:noFill/>
+                </a:ln>
                 <a:solidFill>
                   <a:prstClr val="black">
                     <a:lumMod val="75000"/>
                     <a:lumOff val="25000"/>
                   </a:prstClr>
                 </a:solidFill>
+                <a:effectLst/>
+                <a:uLnTx/>
+                <a:uFillTx/>
+                <a:latin typeface="맑은 고딕" panose="020F0502020204030204"/>
+                <a:ea typeface="맑은 고딕" panose="020B0503020000020004" pitchFamily="50" charset="-127"/>
+                <a:cs typeface="+mn-cs"/>
               </a:rPr>
               <a:t>- </a:t>
             </a:r>
             <a:r>
-              <a:rPr lang="ko-KR" altLang="en-US" sz="2000" b="1" kern="0" dirty="0">
+              <a:rPr kumimoji="0" lang="ko-KR" altLang="en-US" sz="2000" b="1" i="0" u="none" strike="noStrike" kern="0" cap="none" spc="0" normalizeH="0" baseline="0" noProof="0" dirty="0" err="1">
+                <a:ln>
+                  <a:noFill/>
+                </a:ln>
                 <a:solidFill>
                   <a:prstClr val="black">
                     <a:lumMod val="75000"/>
                     <a:lumOff val="25000"/>
                   </a:prstClr>
                 </a:solidFill>
-              </a:rPr>
-              <a:t>김지은</a:t>
-            </a:r>
-            <a:endParaRPr lang="en-US" altLang="ko-KR" sz="2000" b="1" kern="0" dirty="0">
+                <a:effectLst/>
+                <a:uLnTx/>
+                <a:uFillTx/>
+                <a:latin typeface="맑은 고딕" panose="020F0502020204030204"/>
+                <a:ea typeface="맑은 고딕" panose="020B0503020000020004" pitchFamily="50" charset="-127"/>
+                <a:cs typeface="+mn-cs"/>
+              </a:rPr>
+              <a:t>고경섭</a:t>
+            </a:r>
+            <a:endParaRPr kumimoji="0" lang="en-US" altLang="ko-KR" sz="2000" b="1" i="0" u="none" strike="noStrike" kern="0" cap="none" spc="0" normalizeH="0" baseline="0" noProof="0" dirty="0">
+              <a:ln>
+                <a:noFill/>
+              </a:ln>
               <a:solidFill>
                 <a:prstClr val="black">
                   <a:lumMod val="75000"/>
                   <a:lumOff val="25000"/>
                 </a:prstClr>
               </a:solidFill>
+              <a:effectLst/>
+              <a:uLnTx/>
+              <a:uFillTx/>
+              <a:latin typeface="맑은 고딕" panose="020F0502020204030204"/>
+              <a:ea typeface="맑은 고딕" panose="020B0503020000020004" pitchFamily="50" charset="-127"/>
+              <a:cs typeface="+mn-cs"/>
             </a:endParaRPr>
           </a:p>
           <a:p>
-            <a:pPr latinLnBrk="0">
+            <a:pPr marL="0" marR="0" lvl="0" indent="0" algn="l" defTabSz="914400" rtl="0" eaLnBrk="1" fontAlgn="auto" latinLnBrk="0" hangingPunct="1">
               <a:lnSpc>
                 <a:spcPct val="150000"/>
               </a:lnSpc>
+              <a:spcBef>
+                <a:spcPts val="0"/>
+              </a:spcBef>
+              <a:spcAft>
+                <a:spcPts val="0"/>
+              </a:spcAft>
+              <a:buClrTx/>
+              <a:buSzTx/>
+              <a:buFontTx/>
+              <a:buNone/>
+              <a:tabLst/>
               <a:defRPr/>
             </a:pPr>
             <a:r>
-              <a:rPr lang="en-US" altLang="ko-KR" sz="600" b="1" kern="0" dirty="0">
+              <a:rPr kumimoji="0" lang="en-US" altLang="ko-KR" sz="600" b="1" i="0" u="none" strike="noStrike" kern="0" cap="none" spc="0" normalizeH="0" baseline="0" noProof="0" dirty="0">
+                <a:ln>
+                  <a:noFill/>
+                </a:ln>
                 <a:solidFill>
                   <a:prstClr val="white">
                     <a:lumMod val="75000"/>
                   </a:prstClr>
                 </a:solidFill>
+                <a:effectLst/>
+                <a:uLnTx/>
+                <a:uFillTx/>
+                <a:latin typeface="맑은 고딕" panose="020F0502020204030204"/>
+                <a:ea typeface="맑은 고딕" panose="020B0503020000020004" pitchFamily="50" charset="-127"/>
+                <a:cs typeface="+mn-cs"/>
               </a:rPr>
               <a:t>            </a:t>
             </a:r>
             <a:r>
-              <a:rPr lang="en-US" altLang="ko-KR" sz="1050" b="1" kern="0" dirty="0">
+              <a:rPr kumimoji="0" lang="en-US" altLang="ko-KR" sz="1050" b="1" i="0" u="none" strike="noStrike" kern="0" cap="none" spc="0" normalizeH="0" baseline="0" noProof="0" dirty="0">
+                <a:ln>
+                  <a:noFill/>
+                </a:ln>
                 <a:solidFill>
                   <a:prstClr val="white">
                     <a:lumMod val="75000"/>
                   </a:prstClr>
                 </a:solidFill>
+                <a:effectLst/>
+                <a:uLnTx/>
+                <a:uFillTx/>
+                <a:latin typeface="맑은 고딕" panose="020F0502020204030204"/>
+                <a:ea typeface="맑은 고딕" panose="020B0503020000020004" pitchFamily="50" charset="-127"/>
+                <a:cs typeface="+mn-cs"/>
               </a:rPr>
               <a:t>  | </a:t>
             </a:r>
@@ -25910,15 +28185,386 @@
                     <a:lumMod val="75000"/>
                   </a:prstClr>
                 </a:solidFill>
-              </a:rPr>
-              <a:t>관리자 페이지</a:t>
-            </a:r>
-            <a:endParaRPr lang="ko-KR" altLang="en-US" sz="3600" b="1" kern="0" dirty="0">
+                <a:latin typeface="맑은 고딕" panose="020F0502020204030204"/>
+                <a:ea typeface="맑은 고딕" panose="020B0503020000020004" pitchFamily="50" charset="-127"/>
+              </a:rPr>
+              <a:t>스케줄러</a:t>
+            </a:r>
+            <a:r>
+              <a:rPr kumimoji="0" lang="ko-KR" altLang="en-US" sz="1050" b="1" i="0" u="none" strike="noStrike" kern="0" cap="none" spc="0" normalizeH="0" baseline="0" noProof="0" dirty="0">
+                <a:ln>
+                  <a:noFill/>
+                </a:ln>
+                <a:solidFill>
+                  <a:prstClr val="white">
+                    <a:lumMod val="75000"/>
+                  </a:prstClr>
+                </a:solidFill>
+                <a:effectLst/>
+                <a:uLnTx/>
+                <a:uFillTx/>
+                <a:latin typeface="맑은 고딕" panose="020F0502020204030204"/>
+                <a:ea typeface="맑은 고딕" panose="020B0503020000020004" pitchFamily="50" charset="-127"/>
+                <a:cs typeface="+mn-cs"/>
+              </a:rPr>
+              <a:t> 페이지</a:t>
+            </a:r>
+            <a:endParaRPr kumimoji="0" lang="ko-KR" altLang="en-US" sz="3600" b="1" i="0" u="none" strike="noStrike" kern="0" cap="none" spc="0" normalizeH="0" baseline="0" noProof="0" dirty="0">
+              <a:ln>
+                <a:noFill/>
+              </a:ln>
               <a:solidFill>
                 <a:prstClr val="white">
                   <a:lumMod val="75000"/>
                 </a:prstClr>
               </a:solidFill>
+              <a:effectLst/>
+              <a:uLnTx/>
+              <a:uFillTx/>
+              <a:latin typeface="맑은 고딕" panose="020F0502020204030204"/>
+              <a:ea typeface="맑은 고딕" panose="020B0503020000020004" pitchFamily="50" charset="-127"/>
+              <a:cs typeface="+mn-cs"/>
+            </a:endParaRPr>
+          </a:p>
+        </p:txBody>
+      </p:sp>
+      <p:pic>
+        <p:nvPicPr>
+          <p:cNvPr id="3" name="그림 2">
+            <a:extLst>
+              <a:ext uri="{FF2B5EF4-FFF2-40B4-BE49-F238E27FC236}">
+                <a16:creationId xmlns:a16="http://schemas.microsoft.com/office/drawing/2014/main" id="{4E0C5285-6E35-4B8E-85C5-81F58D13D4F1}"/>
+              </a:ext>
+            </a:extLst>
+          </p:cNvPr>
+          <p:cNvPicPr>
+            <a:picLocks noChangeAspect="1"/>
+          </p:cNvPicPr>
+          <p:nvPr/>
+        </p:nvPicPr>
+        <p:blipFill>
+          <a:blip r:embed="rId2">
+            <a:extLst>
+              <a:ext uri="{28A0092B-C50C-407E-A947-70E740481C1C}">
+                <a14:useLocalDpi xmlns:a14="http://schemas.microsoft.com/office/drawing/2010/main" val="0"/>
+              </a:ext>
+            </a:extLst>
+          </a:blip>
+          <a:stretch>
+            <a:fillRect/>
+          </a:stretch>
+        </p:blipFill>
+        <p:spPr>
+          <a:xfrm>
+            <a:off x="222421" y="1117155"/>
+            <a:ext cx="5335231" cy="4024187"/>
+          </a:xfrm>
+          <a:prstGeom prst="rect">
+            <a:avLst/>
+          </a:prstGeom>
+        </p:spPr>
+      </p:pic>
+      <p:pic>
+        <p:nvPicPr>
+          <p:cNvPr id="5" name="그림 4">
+            <a:extLst>
+              <a:ext uri="{FF2B5EF4-FFF2-40B4-BE49-F238E27FC236}">
+                <a16:creationId xmlns:a16="http://schemas.microsoft.com/office/drawing/2014/main" id="{25F636A6-1FD1-D241-C9B9-ADA13C0EC9CB}"/>
+              </a:ext>
+            </a:extLst>
+          </p:cNvPr>
+          <p:cNvPicPr>
+            <a:picLocks noChangeAspect="1"/>
+          </p:cNvPicPr>
+          <p:nvPr/>
+        </p:nvPicPr>
+        <p:blipFill>
+          <a:blip r:embed="rId3">
+            <a:extLst>
+              <a:ext uri="{28A0092B-C50C-407E-A947-70E740481C1C}">
+                <a14:useLocalDpi xmlns:a14="http://schemas.microsoft.com/office/drawing/2010/main" val="0"/>
+              </a:ext>
+            </a:extLst>
+          </a:blip>
+          <a:stretch>
+            <a:fillRect/>
+          </a:stretch>
+        </p:blipFill>
+        <p:spPr>
+          <a:xfrm>
+            <a:off x="6634347" y="1117156"/>
+            <a:ext cx="5335231" cy="4024186"/>
+          </a:xfrm>
+          <a:prstGeom prst="rect">
+            <a:avLst/>
+          </a:prstGeom>
+        </p:spPr>
+      </p:pic>
+      <p:sp>
+        <p:nvSpPr>
+          <p:cNvPr id="8" name="화살표: 오른쪽 7">
+            <a:extLst>
+              <a:ext uri="{FF2B5EF4-FFF2-40B4-BE49-F238E27FC236}">
+                <a16:creationId xmlns:a16="http://schemas.microsoft.com/office/drawing/2014/main" id="{6621A6C2-3354-434F-F848-5090EA9D1EB6}"/>
+              </a:ext>
+            </a:extLst>
+          </p:cNvPr>
+          <p:cNvSpPr/>
+          <p:nvPr/>
+        </p:nvSpPr>
+        <p:spPr>
+          <a:xfrm>
+            <a:off x="5593359" y="2580957"/>
+            <a:ext cx="1040987" cy="325362"/>
+          </a:xfrm>
+          <a:prstGeom prst="rightArrow">
+            <a:avLst/>
+          </a:prstGeom>
+          <a:solidFill>
+            <a:schemeClr val="accent1">
+              <a:lumMod val="60000"/>
+              <a:lumOff val="40000"/>
+            </a:schemeClr>
+          </a:solidFill>
+        </p:spPr>
+        <p:style>
+          <a:lnRef idx="2">
+            <a:schemeClr val="accent1">
+              <a:shade val="50000"/>
+            </a:schemeClr>
+          </a:lnRef>
+          <a:fillRef idx="1">
+            <a:schemeClr val="accent1"/>
+          </a:fillRef>
+          <a:effectRef idx="0">
+            <a:schemeClr val="accent1"/>
+          </a:effectRef>
+          <a:fontRef idx="minor">
+            <a:schemeClr val="lt1"/>
+          </a:fontRef>
+        </p:style>
+        <p:txBody>
+          <a:bodyPr rtlCol="0" anchor="ctr"/>
+          <a:lstStyle/>
+          <a:p>
+            <a:pPr algn="ctr"/>
+            <a:endParaRPr lang="ko-KR" altLang="en-US"/>
+          </a:p>
+        </p:txBody>
+      </p:sp>
+      <p:sp>
+        <p:nvSpPr>
+          <p:cNvPr id="9" name="TextBox 8">
+            <a:extLst>
+              <a:ext uri="{FF2B5EF4-FFF2-40B4-BE49-F238E27FC236}">
+                <a16:creationId xmlns:a16="http://schemas.microsoft.com/office/drawing/2014/main" id="{18928BAC-32E5-5997-5135-74B77479C2CF}"/>
+              </a:ext>
+            </a:extLst>
+          </p:cNvPr>
+          <p:cNvSpPr txBox="1"/>
+          <p:nvPr/>
+        </p:nvSpPr>
+        <p:spPr>
+          <a:xfrm>
+            <a:off x="2294626" y="5392338"/>
+            <a:ext cx="8142872" cy="830997"/>
+          </a:xfrm>
+          <a:prstGeom prst="rect">
+            <a:avLst/>
+          </a:prstGeom>
+          <a:noFill/>
+        </p:spPr>
+        <p:txBody>
+          <a:bodyPr wrap="square" rtlCol="0">
+            <a:spAutoFit/>
+          </a:bodyPr>
+          <a:lstStyle/>
+          <a:p>
+            <a:pPr marL="171450" indent="-171450">
+              <a:buFont typeface="Wingdings" panose="05000000000000000000" pitchFamily="2" charset="2"/>
+              <a:buChar char="ü"/>
+            </a:pPr>
+            <a:r>
+              <a:rPr lang="ko-KR" altLang="en-US" sz="1200" dirty="0">
+                <a:solidFill>
+                  <a:schemeClr val="accent1">
+                    <a:lumMod val="60000"/>
+                    <a:lumOff val="40000"/>
+                  </a:schemeClr>
+                </a:solidFill>
+              </a:rPr>
+              <a:t>스케줄러 페이지에서는 사원</a:t>
+            </a:r>
+            <a:r>
+              <a:rPr lang="en-US" altLang="ko-KR" sz="1200" dirty="0">
+                <a:solidFill>
+                  <a:schemeClr val="accent1">
+                    <a:lumMod val="60000"/>
+                    <a:lumOff val="40000"/>
+                  </a:schemeClr>
+                </a:solidFill>
+              </a:rPr>
+              <a:t>, </a:t>
+            </a:r>
+            <a:r>
+              <a:rPr lang="ko-KR" altLang="en-US" sz="1200" dirty="0">
+                <a:solidFill>
+                  <a:schemeClr val="accent1">
+                    <a:lumMod val="60000"/>
+                    <a:lumOff val="40000"/>
+                  </a:schemeClr>
+                </a:solidFill>
+              </a:rPr>
+              <a:t>혹은 회사의 일정이 기록된 캘린더가 출력됨</a:t>
+            </a:r>
+            <a:endParaRPr lang="en-US" altLang="ko-KR" sz="1200" dirty="0">
+              <a:solidFill>
+                <a:schemeClr val="accent1">
+                  <a:lumMod val="60000"/>
+                  <a:lumOff val="40000"/>
+                </a:schemeClr>
+              </a:solidFill>
+            </a:endParaRPr>
+          </a:p>
+          <a:p>
+            <a:pPr marL="171450" indent="-171450">
+              <a:buFont typeface="Wingdings" panose="05000000000000000000" pitchFamily="2" charset="2"/>
+              <a:buChar char="ü"/>
+            </a:pPr>
+            <a:r>
+              <a:rPr lang="ko-KR" altLang="en-US" sz="1200" dirty="0">
+                <a:solidFill>
+                  <a:schemeClr val="accent1">
+                    <a:lumMod val="60000"/>
+                    <a:lumOff val="40000"/>
+                  </a:schemeClr>
+                </a:solidFill>
+              </a:rPr>
+              <a:t>일정의 제목</a:t>
+            </a:r>
+            <a:r>
+              <a:rPr lang="en-US" altLang="ko-KR" sz="1200" dirty="0">
+                <a:solidFill>
+                  <a:schemeClr val="accent1">
+                    <a:lumMod val="60000"/>
+                    <a:lumOff val="40000"/>
+                  </a:schemeClr>
+                </a:solidFill>
+              </a:rPr>
+              <a:t>, </a:t>
+            </a:r>
+            <a:r>
+              <a:rPr lang="ko-KR" altLang="en-US" sz="1200" dirty="0">
+                <a:solidFill>
+                  <a:schemeClr val="accent1">
+                    <a:lumMod val="60000"/>
+                    <a:lumOff val="40000"/>
+                  </a:schemeClr>
+                </a:solidFill>
+              </a:rPr>
+              <a:t>내용</a:t>
+            </a:r>
+            <a:r>
+              <a:rPr lang="en-US" altLang="ko-KR" sz="1200" dirty="0">
+                <a:solidFill>
+                  <a:schemeClr val="accent1">
+                    <a:lumMod val="60000"/>
+                    <a:lumOff val="40000"/>
+                  </a:schemeClr>
+                </a:solidFill>
+              </a:rPr>
+              <a:t>, </a:t>
+            </a:r>
+            <a:r>
+              <a:rPr lang="ko-KR" altLang="en-US" sz="1200" dirty="0">
+                <a:solidFill>
+                  <a:schemeClr val="accent1">
+                    <a:lumMod val="60000"/>
+                    <a:lumOff val="40000"/>
+                  </a:schemeClr>
+                </a:solidFill>
+              </a:rPr>
+              <a:t>시작일</a:t>
+            </a:r>
+            <a:r>
+              <a:rPr lang="en-US" altLang="ko-KR" sz="1200" dirty="0">
+                <a:solidFill>
+                  <a:schemeClr val="accent1">
+                    <a:lumMod val="60000"/>
+                    <a:lumOff val="40000"/>
+                  </a:schemeClr>
+                </a:solidFill>
+              </a:rPr>
+              <a:t>, </a:t>
+            </a:r>
+            <a:r>
+              <a:rPr lang="ko-KR" altLang="en-US" sz="1200" dirty="0">
+                <a:solidFill>
+                  <a:schemeClr val="accent1">
+                    <a:lumMod val="60000"/>
+                    <a:lumOff val="40000"/>
+                  </a:schemeClr>
+                </a:solidFill>
+              </a:rPr>
+              <a:t>종료일을 입력하면 일정을 추가할 수 있음</a:t>
+            </a:r>
+            <a:endParaRPr lang="en-US" altLang="ko-KR" sz="1200" dirty="0">
+              <a:solidFill>
+                <a:schemeClr val="accent1">
+                  <a:lumMod val="60000"/>
+                  <a:lumOff val="40000"/>
+                </a:schemeClr>
+              </a:solidFill>
+            </a:endParaRPr>
+          </a:p>
+          <a:p>
+            <a:pPr marL="171450" indent="-171450">
+              <a:buFont typeface="Wingdings" panose="05000000000000000000" pitchFamily="2" charset="2"/>
+              <a:buChar char="ü"/>
+            </a:pPr>
+            <a:r>
+              <a:rPr lang="ko-KR" altLang="en-US" sz="1200" dirty="0">
+                <a:solidFill>
+                  <a:schemeClr val="accent1">
+                    <a:lumMod val="60000"/>
+                    <a:lumOff val="40000"/>
+                  </a:schemeClr>
+                </a:solidFill>
+              </a:rPr>
+              <a:t>일정을 클릭하면 일정 내용을 확인할 수 있음</a:t>
+            </a:r>
+            <a:endParaRPr lang="en-US" altLang="ko-KR" sz="1200" dirty="0">
+              <a:solidFill>
+                <a:schemeClr val="accent1">
+                  <a:lumMod val="60000"/>
+                  <a:lumOff val="40000"/>
+                </a:schemeClr>
+              </a:solidFill>
+            </a:endParaRPr>
+          </a:p>
+          <a:p>
+            <a:pPr marL="171450" indent="-171450">
+              <a:buFont typeface="Wingdings" panose="05000000000000000000" pitchFamily="2" charset="2"/>
+              <a:buChar char="ü"/>
+            </a:pPr>
+            <a:r>
+              <a:rPr lang="ko-KR" altLang="en-US" sz="1200" dirty="0">
+                <a:solidFill>
+                  <a:schemeClr val="accent1">
+                    <a:lumMod val="60000"/>
+                    <a:lumOff val="40000"/>
+                  </a:schemeClr>
+                </a:solidFill>
+              </a:rPr>
+              <a:t>잘못된 일정은 삭제할 수 있음</a:t>
+            </a:r>
+            <a:endParaRPr lang="en-US" altLang="ko-KR" sz="1200" dirty="0">
+              <a:solidFill>
+                <a:schemeClr val="accent1">
+                  <a:lumMod val="60000"/>
+                  <a:lumOff val="40000"/>
+                </a:schemeClr>
+              </a:solidFill>
             </a:endParaRPr>
           </a:p>
         </p:txBody>
@@ -25926,7 +28572,7 @@
     </p:spTree>
     <p:extLst>
       <p:ext uri="{BB962C8B-B14F-4D97-AF65-F5344CB8AC3E}">
-        <p14:creationId xmlns:p14="http://schemas.microsoft.com/office/powerpoint/2010/main" val="144936471"/>
+        <p14:creationId xmlns:p14="http://schemas.microsoft.com/office/powerpoint/2010/main" val="1678317170"/>
       </p:ext>
     </p:extLst>
   </p:cSld>
@@ -26095,7 +28741,7 @@
                   </a:prstClr>
                 </a:solidFill>
               </a:rPr>
-              <a:t>4. </a:t>
+              <a:t>3. </a:t>
             </a:r>
             <a:r>
               <a:rPr lang="ko-KR" altLang="en-US" sz="2000" b="1" kern="0" dirty="0">
@@ -26106,7 +28752,7 @@
                   </a:prstClr>
                 </a:solidFill>
               </a:rPr>
-              <a:t>보안예정 </a:t>
+              <a:t>기능설명 </a:t>
             </a:r>
             <a:r>
               <a:rPr lang="en-US" altLang="ko-KR" sz="2000" b="1" kern="0" dirty="0">
@@ -26128,7 +28774,7 @@
                   </a:prstClr>
                 </a:solidFill>
               </a:rPr>
-              <a:t>고경섭</a:t>
+              <a:t>홍윤혜</a:t>
             </a:r>
             <a:endParaRPr lang="en-US" altLang="ko-KR" sz="2000" b="1" kern="0" dirty="0">
               <a:solidFill>
@@ -26174,7 +28820,7 @@
                   </a:prstClr>
                 </a:solidFill>
               </a:rPr>
-              <a:t>관리자 페이지</a:t>
+              <a:t>회원 페이지</a:t>
             </a:r>
             <a:endParaRPr lang="ko-KR" altLang="en-US" sz="3600" b="1" kern="0" dirty="0">
               <a:solidFill>
@@ -26189,7 +28835,7 @@
     </p:spTree>
     <p:extLst>
       <p:ext uri="{BB962C8B-B14F-4D97-AF65-F5344CB8AC3E}">
-        <p14:creationId xmlns:p14="http://schemas.microsoft.com/office/powerpoint/2010/main" val="2949216614"/>
+        <p14:creationId xmlns:p14="http://schemas.microsoft.com/office/powerpoint/2010/main" val="536197931"/>
       </p:ext>
     </p:extLst>
   </p:cSld>
@@ -26358,7 +29004,7 @@
                   </a:prstClr>
                 </a:solidFill>
               </a:rPr>
-              <a:t>4. </a:t>
+              <a:t>3. </a:t>
             </a:r>
             <a:r>
               <a:rPr lang="ko-KR" altLang="en-US" sz="2000" b="1" kern="0" dirty="0">
@@ -26369,7 +29015,7 @@
                   </a:prstClr>
                 </a:solidFill>
               </a:rPr>
-              <a:t>보안예정 </a:t>
+              <a:t>기능설명 </a:t>
             </a:r>
             <a:r>
               <a:rPr lang="en-US" altLang="ko-KR" sz="2000" b="1" kern="0" dirty="0">
@@ -26383,7 +29029,7 @@
               <a:t>- </a:t>
             </a:r>
             <a:r>
-              <a:rPr lang="ko-KR" altLang="en-US" sz="2000" b="1" kern="0" dirty="0" err="1">
+              <a:rPr lang="ko-KR" altLang="en-US" sz="2000" b="1" kern="0" dirty="0">
                 <a:solidFill>
                   <a:prstClr val="black">
                     <a:lumMod val="75000"/>
@@ -26391,7 +29037,7 @@
                   </a:prstClr>
                 </a:solidFill>
               </a:rPr>
-              <a:t>홍윤혜</a:t>
+              <a:t>황정우</a:t>
             </a:r>
             <a:endParaRPr lang="en-US" altLang="ko-KR" sz="2000" b="1" kern="0" dirty="0">
               <a:solidFill>
@@ -26452,7 +29098,7 @@
     </p:spTree>
     <p:extLst>
       <p:ext uri="{BB962C8B-B14F-4D97-AF65-F5344CB8AC3E}">
-        <p14:creationId xmlns:p14="http://schemas.microsoft.com/office/powerpoint/2010/main" val="1130797691"/>
+        <p14:creationId xmlns:p14="http://schemas.microsoft.com/office/powerpoint/2010/main" val="1425454116"/>
       </p:ext>
     </p:extLst>
   </p:cSld>

--- a/Team4 발표자료/SCIT master 42기_A4_KUROWARE_발표자료.pptx
+++ b/Team4 발표자료/SCIT master 42기_A4_KUROWARE_발표자료.pptx
@@ -17,15 +17,16 @@
     <p:sldId id="269" r:id="rId11"/>
     <p:sldId id="270" r:id="rId12"/>
     <p:sldId id="271" r:id="rId13"/>
-    <p:sldId id="272" r:id="rId14"/>
-    <p:sldId id="273" r:id="rId15"/>
-    <p:sldId id="266" r:id="rId16"/>
-    <p:sldId id="259" r:id="rId17"/>
-    <p:sldId id="260" r:id="rId18"/>
-    <p:sldId id="261" r:id="rId19"/>
-    <p:sldId id="262" r:id="rId20"/>
-    <p:sldId id="263" r:id="rId21"/>
-    <p:sldId id="264" r:id="rId22"/>
+    <p:sldId id="280" r:id="rId14"/>
+    <p:sldId id="284" r:id="rId15"/>
+    <p:sldId id="273" r:id="rId16"/>
+    <p:sldId id="266" r:id="rId17"/>
+    <p:sldId id="259" r:id="rId18"/>
+    <p:sldId id="260" r:id="rId19"/>
+    <p:sldId id="261" r:id="rId20"/>
+    <p:sldId id="262" r:id="rId21"/>
+    <p:sldId id="263" r:id="rId22"/>
+    <p:sldId id="264" r:id="rId23"/>
   </p:sldIdLst>
   <p:sldSz cx="12192000" cy="6858000"/>
   <p:notesSz cx="6858000" cy="9144000"/>
@@ -6616,9 +6617,12 @@
 <p:sldMaster xmlns:a="http://schemas.openxmlformats.org/drawingml/2006/main" xmlns:r="http://schemas.openxmlformats.org/officeDocument/2006/relationships" xmlns:p="http://schemas.openxmlformats.org/presentationml/2006/main">
   <p:cSld>
     <p:bg>
-      <p:bgRef idx="1001">
-        <a:schemeClr val="bg1"/>
-      </p:bgRef>
+      <p:bgPr>
+        <a:solidFill>
+          <a:srgbClr val="28395C"/>
+        </a:solidFill>
+        <a:effectLst/>
+      </p:bgPr>
     </p:bg>
     <p:spTree>
       <p:nvGrpSpPr>
@@ -7186,9 +7190,12 @@
 <p:sldMaster xmlns:a="http://schemas.openxmlformats.org/drawingml/2006/main" xmlns:r="http://schemas.openxmlformats.org/officeDocument/2006/relationships" xmlns:p="http://schemas.openxmlformats.org/presentationml/2006/main">
   <p:cSld>
     <p:bg>
-      <p:bgRef idx="1001">
-        <a:schemeClr val="bg1"/>
-      </p:bgRef>
+      <p:bgPr>
+        <a:solidFill>
+          <a:srgbClr val="28395C"/>
+        </a:solidFill>
+        <a:effectLst/>
+      </p:bgPr>
     </p:bg>
     <p:spTree>
       <p:nvGrpSpPr>
@@ -7785,14 +7792,6 @@
 <file path=ppt/slides/slide1.xml><?xml version="1.0" encoding="utf-8"?>
 <p:sld xmlns:a="http://schemas.openxmlformats.org/drawingml/2006/main" xmlns:r="http://schemas.openxmlformats.org/officeDocument/2006/relationships" xmlns:p="http://schemas.openxmlformats.org/presentationml/2006/main">
   <p:cSld>
-    <p:bg>
-      <p:bgPr>
-        <a:solidFill>
-          <a:srgbClr val="28395C"/>
-        </a:solidFill>
-        <a:effectLst/>
-      </p:bgPr>
-    </p:bg>
     <p:spTree>
       <p:nvGrpSpPr>
         <p:cNvPr id="1" name=""/>
@@ -8964,14 +8963,6 @@
 <file path=ppt/slides/slide10.xml><?xml version="1.0" encoding="utf-8"?>
 <p:sld xmlns:a="http://schemas.openxmlformats.org/drawingml/2006/main" xmlns:r="http://schemas.openxmlformats.org/officeDocument/2006/relationships" xmlns:p="http://schemas.openxmlformats.org/presentationml/2006/main">
   <p:cSld>
-    <p:bg>
-      <p:bgPr>
-        <a:solidFill>
-          <a:srgbClr val="28395C"/>
-        </a:solidFill>
-        <a:effectLst/>
-      </p:bgPr>
-    </p:bg>
     <p:spTree>
       <p:nvGrpSpPr>
         <p:cNvPr id="1" name=""/>
@@ -9227,14 +9218,6 @@
 <file path=ppt/slides/slide11.xml><?xml version="1.0" encoding="utf-8"?>
 <p:sld xmlns:a="http://schemas.openxmlformats.org/drawingml/2006/main" xmlns:r="http://schemas.openxmlformats.org/officeDocument/2006/relationships" xmlns:p="http://schemas.openxmlformats.org/presentationml/2006/main">
   <p:cSld>
-    <p:bg>
-      <p:bgPr>
-        <a:solidFill>
-          <a:srgbClr val="28395C"/>
-        </a:solidFill>
-        <a:effectLst/>
-      </p:bgPr>
-    </p:bg>
     <p:spTree>
       <p:nvGrpSpPr>
         <p:cNvPr id="1" name=""/>
@@ -9789,14 +9772,6 @@
 <file path=ppt/slides/slide12.xml><?xml version="1.0" encoding="utf-8"?>
 <p:sld xmlns:a="http://schemas.openxmlformats.org/drawingml/2006/main" xmlns:r="http://schemas.openxmlformats.org/officeDocument/2006/relationships" xmlns:p="http://schemas.openxmlformats.org/presentationml/2006/main">
   <p:cSld>
-    <p:bg>
-      <p:bgPr>
-        <a:solidFill>
-          <a:srgbClr val="28395C"/>
-        </a:solidFill>
-        <a:effectLst/>
-      </p:bgPr>
-    </p:bg>
     <p:spTree>
       <p:nvGrpSpPr>
         <p:cNvPr id="1" name=""/>
@@ -9890,7 +9865,7 @@
         </p:nvSpPr>
         <p:spPr>
           <a:xfrm>
-            <a:off x="222422" y="252037"/>
+            <a:off x="136062" y="252037"/>
             <a:ext cx="11747157" cy="6353926"/>
           </a:xfrm>
           <a:prstGeom prst="rect">
@@ -10024,7 +9999,7 @@
                   </a:prstClr>
                 </a:solidFill>
               </a:rPr>
-              <a:t>관리자 페이지</a:t>
+              <a:t>회원 페이지</a:t>
             </a:r>
             <a:endParaRPr lang="ko-KR" altLang="en-US" sz="3600" b="1" kern="0" dirty="0">
               <a:solidFill>
@@ -10036,30 +10011,455 @@
           </a:p>
         </p:txBody>
       </p:sp>
+      <p:sp>
+        <p:nvSpPr>
+          <p:cNvPr id="2" name="직사각형 1">
+            <a:extLst>
+              <a:ext uri="{FF2B5EF4-FFF2-40B4-BE49-F238E27FC236}">
+                <a16:creationId xmlns:a16="http://schemas.microsoft.com/office/drawing/2014/main" id="{E6B93C3F-B12E-46F6-BCB3-B3C9B384E679}"/>
+              </a:ext>
+            </a:extLst>
+          </p:cNvPr>
+          <p:cNvSpPr/>
+          <p:nvPr/>
+        </p:nvSpPr>
+        <p:spPr>
+          <a:xfrm>
+            <a:off x="579120" y="1209040"/>
+            <a:ext cx="10942320" cy="4805680"/>
+          </a:xfrm>
+          <a:prstGeom prst="rect">
+            <a:avLst/>
+          </a:prstGeom>
+          <a:solidFill>
+            <a:srgbClr val="F6F9FF"/>
+          </a:solidFill>
+          <a:ln>
+            <a:noFill/>
+          </a:ln>
+        </p:spPr>
+        <p:style>
+          <a:lnRef idx="2">
+            <a:schemeClr val="accent1">
+              <a:shade val="50000"/>
+            </a:schemeClr>
+          </a:lnRef>
+          <a:fillRef idx="1">
+            <a:schemeClr val="accent1"/>
+          </a:fillRef>
+          <a:effectRef idx="0">
+            <a:schemeClr val="accent1"/>
+          </a:effectRef>
+          <a:fontRef idx="minor">
+            <a:schemeClr val="lt1"/>
+          </a:fontRef>
+        </p:style>
+        <p:txBody>
+          <a:bodyPr rtlCol="0" anchor="ctr"/>
+          <a:lstStyle/>
+          <a:p>
+            <a:pPr algn="ctr"/>
+            <a:endParaRPr lang="ko-KR" altLang="en-US"/>
+          </a:p>
+        </p:txBody>
+      </p:sp>
+      <p:pic>
+        <p:nvPicPr>
+          <p:cNvPr id="10" name="그림 9">
+            <a:extLst>
+              <a:ext uri="{FF2B5EF4-FFF2-40B4-BE49-F238E27FC236}">
+                <a16:creationId xmlns:a16="http://schemas.microsoft.com/office/drawing/2014/main" id="{EC46C0EC-A189-4807-9C53-7B74D4611D29}"/>
+              </a:ext>
+            </a:extLst>
+          </p:cNvPr>
+          <p:cNvPicPr>
+            <a:picLocks noChangeAspect="1"/>
+          </p:cNvPicPr>
+          <p:nvPr/>
+        </p:nvPicPr>
+        <p:blipFill rotWithShape="1">
+          <a:blip r:embed="rId2"/>
+          <a:srcRect l="42725" t="28238" r="39587" b="32430"/>
+          <a:stretch/>
+        </p:blipFill>
+        <p:spPr>
+          <a:xfrm>
+            <a:off x="1005213" y="2121146"/>
+            <a:ext cx="2232660" cy="2792797"/>
+          </a:xfrm>
+          <a:prstGeom prst="roundRect">
+            <a:avLst>
+              <a:gd name="adj" fmla="val 8594"/>
+            </a:avLst>
+          </a:prstGeom>
+          <a:solidFill>
+            <a:srgbClr val="FFFFFF">
+              <a:shade val="85000"/>
+            </a:srgbClr>
+          </a:solidFill>
+          <a:ln>
+            <a:noFill/>
+          </a:ln>
+          <a:effectLst/>
+        </p:spPr>
+      </p:pic>
+      <p:grpSp>
+        <p:nvGrpSpPr>
+          <p:cNvPr id="13" name="그룹 12">
+            <a:extLst>
+              <a:ext uri="{FF2B5EF4-FFF2-40B4-BE49-F238E27FC236}">
+                <a16:creationId xmlns:a16="http://schemas.microsoft.com/office/drawing/2014/main" id="{03F91043-1318-4B9C-8EBF-9BFFCEA53DCC}"/>
+              </a:ext>
+            </a:extLst>
+          </p:cNvPr>
+          <p:cNvGrpSpPr/>
+          <p:nvPr/>
+        </p:nvGrpSpPr>
+        <p:grpSpPr>
+          <a:xfrm>
+            <a:off x="3393966" y="2227471"/>
+            <a:ext cx="4220234" cy="2302380"/>
+            <a:chOff x="3393966" y="2227471"/>
+            <a:chExt cx="4220234" cy="2302380"/>
+          </a:xfrm>
+        </p:grpSpPr>
+        <p:pic>
+          <p:nvPicPr>
+            <p:cNvPr id="11" name="그림 10">
+              <a:extLst>
+                <a:ext uri="{FF2B5EF4-FFF2-40B4-BE49-F238E27FC236}">
+                  <a16:creationId xmlns:a16="http://schemas.microsoft.com/office/drawing/2014/main" id="{13DB423D-148C-4BD6-B1A3-172F7069E9EB}"/>
+                </a:ext>
+              </a:extLst>
+            </p:cNvPr>
+            <p:cNvPicPr>
+              <a:picLocks noChangeAspect="1"/>
+            </p:cNvPicPr>
+            <p:nvPr/>
+          </p:nvPicPr>
+          <p:blipFill rotWithShape="1">
+            <a:blip r:embed="rId3"/>
+            <a:srcRect l="32710" t="23884" r="24523" b="26963"/>
+            <a:stretch/>
+          </p:blipFill>
+          <p:spPr>
+            <a:xfrm>
+              <a:off x="4052881" y="2227471"/>
+              <a:ext cx="3561319" cy="2302380"/>
+            </a:xfrm>
+            <a:prstGeom prst="rect">
+              <a:avLst/>
+            </a:prstGeom>
+          </p:spPr>
+        </p:pic>
+        <p:pic>
+          <p:nvPicPr>
+            <p:cNvPr id="2050" name="Picture 2" descr="https://cdn-icons-png.flaticon.com/512/556/556670.png">
+              <a:extLst>
+                <a:ext uri="{FF2B5EF4-FFF2-40B4-BE49-F238E27FC236}">
+                  <a16:creationId xmlns:a16="http://schemas.microsoft.com/office/drawing/2014/main" id="{C01836B8-FC1D-479F-B1BD-20188D5D88CA}"/>
+                </a:ext>
+              </a:extLst>
+            </p:cNvPr>
+            <p:cNvPicPr>
+              <a:picLocks noChangeAspect="1" noChangeArrowheads="1"/>
+            </p:cNvPicPr>
+            <p:nvPr/>
+          </p:nvPicPr>
+          <p:blipFill>
+            <a:blip r:embed="rId4" cstate="print">
+              <a:extLst>
+                <a:ext uri="{28A0092B-C50C-407E-A947-70E740481C1C}">
+                  <a14:useLocalDpi xmlns:a14="http://schemas.microsoft.com/office/drawing/2010/main" val="0"/>
+                </a:ext>
+              </a:extLst>
+            </a:blip>
+            <a:srcRect/>
+            <a:stretch>
+              <a:fillRect/>
+            </a:stretch>
+          </p:blipFill>
+          <p:spPr bwMode="auto">
+            <a:xfrm>
+              <a:off x="3393966" y="3071880"/>
+              <a:ext cx="540000" cy="540000"/>
+            </a:xfrm>
+            <a:prstGeom prst="rect">
+              <a:avLst/>
+            </a:prstGeom>
+            <a:noFill/>
+            <a:extLst>
+              <a:ext uri="{909E8E84-426E-40DD-AFC4-6F175D3DCCD1}">
+                <a14:hiddenFill xmlns:a14="http://schemas.microsoft.com/office/drawing/2010/main">
+                  <a:solidFill>
+                    <a:srgbClr val="FFFFFF"/>
+                  </a:solidFill>
+                </a14:hiddenFill>
+              </a:ext>
+            </a:extLst>
+          </p:spPr>
+        </p:pic>
+      </p:grpSp>
+      <p:grpSp>
+        <p:nvGrpSpPr>
+          <p:cNvPr id="15" name="그룹 14">
+            <a:extLst>
+              <a:ext uri="{FF2B5EF4-FFF2-40B4-BE49-F238E27FC236}">
+                <a16:creationId xmlns:a16="http://schemas.microsoft.com/office/drawing/2014/main" id="{CF2AEB3C-6F85-4D20-B461-6C97A5C26BC9}"/>
+              </a:ext>
+            </a:extLst>
+          </p:cNvPr>
+          <p:cNvGrpSpPr/>
+          <p:nvPr/>
+        </p:nvGrpSpPr>
+        <p:grpSpPr>
+          <a:xfrm>
+            <a:off x="7673436" y="2353278"/>
+            <a:ext cx="3478268" cy="2151444"/>
+            <a:chOff x="7673436" y="2353278"/>
+            <a:chExt cx="3478268" cy="2151444"/>
+          </a:xfrm>
+        </p:grpSpPr>
+        <p:pic>
+          <p:nvPicPr>
+            <p:cNvPr id="12" name="그림 11">
+              <a:extLst>
+                <a:ext uri="{FF2B5EF4-FFF2-40B4-BE49-F238E27FC236}">
+                  <a16:creationId xmlns:a16="http://schemas.microsoft.com/office/drawing/2014/main" id="{519319EB-3F32-4888-9EF2-0764DCE764F8}"/>
+                </a:ext>
+              </a:extLst>
+            </p:cNvPr>
+            <p:cNvPicPr>
+              <a:picLocks noChangeAspect="1"/>
+            </p:cNvPicPr>
+            <p:nvPr/>
+          </p:nvPicPr>
+          <p:blipFill rotWithShape="1">
+            <a:blip r:embed="rId5"/>
+            <a:srcRect l="35613" t="22815" r="26142" b="26667"/>
+            <a:stretch/>
+          </p:blipFill>
+          <p:spPr>
+            <a:xfrm>
+              <a:off x="8256104" y="2353278"/>
+              <a:ext cx="2895600" cy="2151444"/>
+            </a:xfrm>
+            <a:prstGeom prst="roundRect">
+              <a:avLst>
+                <a:gd name="adj" fmla="val 8594"/>
+              </a:avLst>
+            </a:prstGeom>
+            <a:solidFill>
+              <a:srgbClr val="FFFFFF">
+                <a:shade val="85000"/>
+              </a:srgbClr>
+            </a:solidFill>
+            <a:ln>
+              <a:noFill/>
+            </a:ln>
+            <a:effectLst/>
+          </p:spPr>
+        </p:pic>
+        <p:pic>
+          <p:nvPicPr>
+            <p:cNvPr id="14" name="Picture 2" descr="https://cdn-icons-png.flaticon.com/512/556/556670.png">
+              <a:extLst>
+                <a:ext uri="{FF2B5EF4-FFF2-40B4-BE49-F238E27FC236}">
+                  <a16:creationId xmlns:a16="http://schemas.microsoft.com/office/drawing/2014/main" id="{7BFEFC74-7404-4658-88CA-0B7D586F0BB1}"/>
+                </a:ext>
+              </a:extLst>
+            </p:cNvPr>
+            <p:cNvPicPr>
+              <a:picLocks noChangeAspect="1" noChangeArrowheads="1"/>
+            </p:cNvPicPr>
+            <p:nvPr/>
+          </p:nvPicPr>
+          <p:blipFill>
+            <a:blip r:embed="rId4" cstate="print">
+              <a:extLst>
+                <a:ext uri="{28A0092B-C50C-407E-A947-70E740481C1C}">
+                  <a14:useLocalDpi xmlns:a14="http://schemas.microsoft.com/office/drawing/2010/main" val="0"/>
+                </a:ext>
+              </a:extLst>
+            </a:blip>
+            <a:srcRect/>
+            <a:stretch>
+              <a:fillRect/>
+            </a:stretch>
+          </p:blipFill>
+          <p:spPr bwMode="auto">
+            <a:xfrm>
+              <a:off x="7673436" y="3043584"/>
+              <a:ext cx="540000" cy="540000"/>
+            </a:xfrm>
+            <a:prstGeom prst="rect">
+              <a:avLst/>
+            </a:prstGeom>
+            <a:noFill/>
+            <a:extLst>
+              <a:ext uri="{909E8E84-426E-40DD-AFC4-6F175D3DCCD1}">
+                <a14:hiddenFill xmlns:a14="http://schemas.microsoft.com/office/drawing/2010/main">
+                  <a:solidFill>
+                    <a:srgbClr val="FFFFFF"/>
+                  </a:solidFill>
+                </a14:hiddenFill>
+              </a:ext>
+            </a:extLst>
+          </p:spPr>
+        </p:pic>
+      </p:grpSp>
     </p:spTree>
     <p:extLst>
       <p:ext uri="{BB962C8B-B14F-4D97-AF65-F5344CB8AC3E}">
-        <p14:creationId xmlns:p14="http://schemas.microsoft.com/office/powerpoint/2010/main" val="1130797691"/>
+        <p14:creationId xmlns:p14="http://schemas.microsoft.com/office/powerpoint/2010/main" val="2127731564"/>
       </p:ext>
     </p:extLst>
   </p:cSld>
   <p:clrMapOvr>
     <a:masterClrMapping/>
   </p:clrMapOvr>
+  <p:timing>
+    <p:tnLst>
+      <p:par>
+        <p:cTn id="1" dur="indefinite" restart="never" nodeType="tmRoot">
+          <p:childTnLst>
+            <p:seq concurrent="1" nextAc="seek">
+              <p:cTn id="2" dur="indefinite" nodeType="mainSeq">
+                <p:childTnLst>
+                  <p:par>
+                    <p:cTn id="3" fill="hold">
+                      <p:stCondLst>
+                        <p:cond delay="indefinite"/>
+                      </p:stCondLst>
+                      <p:childTnLst>
+                        <p:par>
+                          <p:cTn id="4" fill="hold">
+                            <p:stCondLst>
+                              <p:cond delay="0"/>
+                            </p:stCondLst>
+                            <p:childTnLst>
+                              <p:par>
+                                <p:cTn id="5" presetID="10" presetClass="entr" presetSubtype="0" fill="hold" nodeType="clickEffect">
+                                  <p:stCondLst>
+                                    <p:cond delay="0"/>
+                                  </p:stCondLst>
+                                  <p:childTnLst>
+                                    <p:set>
+                                      <p:cBhvr>
+                                        <p:cTn id="6" dur="1" fill="hold">
+                                          <p:stCondLst>
+                                            <p:cond delay="0"/>
+                                          </p:stCondLst>
+                                        </p:cTn>
+                                        <p:tgtEl>
+                                          <p:spTgt spid="13"/>
+                                        </p:tgtEl>
+                                        <p:attrNameLst>
+                                          <p:attrName>style.visibility</p:attrName>
+                                        </p:attrNameLst>
+                                      </p:cBhvr>
+                                      <p:to>
+                                        <p:strVal val="visible"/>
+                                      </p:to>
+                                    </p:set>
+                                    <p:animEffect transition="in" filter="fade">
+                                      <p:cBhvr>
+                                        <p:cTn id="7" dur="500"/>
+                                        <p:tgtEl>
+                                          <p:spTgt spid="13"/>
+                                        </p:tgtEl>
+                                      </p:cBhvr>
+                                    </p:animEffect>
+                                  </p:childTnLst>
+                                </p:cTn>
+                              </p:par>
+                            </p:childTnLst>
+                          </p:cTn>
+                        </p:par>
+                      </p:childTnLst>
+                    </p:cTn>
+                  </p:par>
+                  <p:par>
+                    <p:cTn id="8" fill="hold">
+                      <p:stCondLst>
+                        <p:cond delay="indefinite"/>
+                      </p:stCondLst>
+                      <p:childTnLst>
+                        <p:par>
+                          <p:cTn id="9" fill="hold">
+                            <p:stCondLst>
+                              <p:cond delay="0"/>
+                            </p:stCondLst>
+                            <p:childTnLst>
+                              <p:par>
+                                <p:cTn id="10" presetID="10" presetClass="entr" presetSubtype="0" fill="hold" nodeType="clickEffect">
+                                  <p:stCondLst>
+                                    <p:cond delay="0"/>
+                                  </p:stCondLst>
+                                  <p:childTnLst>
+                                    <p:set>
+                                      <p:cBhvr>
+                                        <p:cTn id="11" dur="1" fill="hold">
+                                          <p:stCondLst>
+                                            <p:cond delay="0"/>
+                                          </p:stCondLst>
+                                        </p:cTn>
+                                        <p:tgtEl>
+                                          <p:spTgt spid="15"/>
+                                        </p:tgtEl>
+                                        <p:attrNameLst>
+                                          <p:attrName>style.visibility</p:attrName>
+                                        </p:attrNameLst>
+                                      </p:cBhvr>
+                                      <p:to>
+                                        <p:strVal val="visible"/>
+                                      </p:to>
+                                    </p:set>
+                                    <p:animEffect transition="in" filter="fade">
+                                      <p:cBhvr>
+                                        <p:cTn id="12" dur="500"/>
+                                        <p:tgtEl>
+                                          <p:spTgt spid="15"/>
+                                        </p:tgtEl>
+                                      </p:cBhvr>
+                                    </p:animEffect>
+                                  </p:childTnLst>
+                                </p:cTn>
+                              </p:par>
+                            </p:childTnLst>
+                          </p:cTn>
+                        </p:par>
+                      </p:childTnLst>
+                    </p:cTn>
+                  </p:par>
+                </p:childTnLst>
+              </p:cTn>
+              <p:prevCondLst>
+                <p:cond evt="onPrev" delay="0">
+                  <p:tgtEl>
+                    <p:sldTgt/>
+                  </p:tgtEl>
+                </p:cond>
+              </p:prevCondLst>
+              <p:nextCondLst>
+                <p:cond evt="onNext" delay="0">
+                  <p:tgtEl>
+                    <p:sldTgt/>
+                  </p:tgtEl>
+                </p:cond>
+              </p:nextCondLst>
+            </p:seq>
+          </p:childTnLst>
+        </p:cTn>
+      </p:par>
+    </p:tnLst>
+  </p:timing>
 </p:sld>
 </file>
 
 <file path=ppt/slides/slide13.xml><?xml version="1.0" encoding="utf-8"?>
 <p:sld xmlns:a="http://schemas.openxmlformats.org/drawingml/2006/main" xmlns:r="http://schemas.openxmlformats.org/officeDocument/2006/relationships" xmlns:p="http://schemas.openxmlformats.org/presentationml/2006/main">
   <p:cSld>
-    <p:bg>
-      <p:bgPr>
-        <a:solidFill>
-          <a:srgbClr val="28395C"/>
-        </a:solidFill>
-        <a:effectLst/>
-      </p:bgPr>
-    </p:bg>
     <p:spTree>
       <p:nvGrpSpPr>
         <p:cNvPr id="1" name=""/>
@@ -10153,6 +10553,601 @@
         </p:nvSpPr>
         <p:spPr>
           <a:xfrm>
+            <a:off x="136062" y="252037"/>
+            <a:ext cx="11747157" cy="6353926"/>
+          </a:xfrm>
+          <a:prstGeom prst="rect">
+            <a:avLst/>
+          </a:prstGeom>
+          <a:solidFill>
+            <a:schemeClr val="bg1"/>
+          </a:solidFill>
+          <a:ln w="9525">
+            <a:noFill/>
+          </a:ln>
+          <a:effectLst>
+            <a:outerShdw dist="127000" dir="2700000" algn="tl" rotWithShape="0">
+              <a:prstClr val="black">
+                <a:alpha val="10000"/>
+              </a:prstClr>
+            </a:outerShdw>
+          </a:effectLst>
+        </p:spPr>
+        <p:style>
+          <a:lnRef idx="2">
+            <a:schemeClr val="accent1">
+              <a:shade val="50000"/>
+            </a:schemeClr>
+          </a:lnRef>
+          <a:fillRef idx="1">
+            <a:schemeClr val="accent1"/>
+          </a:fillRef>
+          <a:effectRef idx="0">
+            <a:schemeClr val="accent1"/>
+          </a:effectRef>
+          <a:fontRef idx="minor">
+            <a:schemeClr val="lt1"/>
+          </a:fontRef>
+        </p:style>
+        <p:txBody>
+          <a:bodyPr rtlCol="0" anchor="t"/>
+          <a:lstStyle/>
+          <a:p>
+            <a:pPr latinLnBrk="0">
+              <a:lnSpc>
+                <a:spcPct val="150000"/>
+              </a:lnSpc>
+              <a:defRPr/>
+            </a:pPr>
+            <a:r>
+              <a:rPr lang="en-US" altLang="ko-KR" sz="2000" b="1" kern="0" dirty="0">
+                <a:solidFill>
+                  <a:prstClr val="black">
+                    <a:lumMod val="75000"/>
+                    <a:lumOff val="25000"/>
+                  </a:prstClr>
+                </a:solidFill>
+              </a:rPr>
+              <a:t>4. </a:t>
+            </a:r>
+            <a:r>
+              <a:rPr lang="ko-KR" altLang="en-US" sz="2000" b="1" kern="0" dirty="0">
+                <a:solidFill>
+                  <a:prstClr val="black">
+                    <a:lumMod val="75000"/>
+                    <a:lumOff val="25000"/>
+                  </a:prstClr>
+                </a:solidFill>
+              </a:rPr>
+              <a:t>보안예정 </a:t>
+            </a:r>
+            <a:r>
+              <a:rPr lang="en-US" altLang="ko-KR" sz="2000" b="1" kern="0" dirty="0">
+                <a:solidFill>
+                  <a:prstClr val="black">
+                    <a:lumMod val="75000"/>
+                    <a:lumOff val="25000"/>
+                  </a:prstClr>
+                </a:solidFill>
+              </a:rPr>
+              <a:t>- </a:t>
+            </a:r>
+            <a:r>
+              <a:rPr lang="ko-KR" altLang="en-US" sz="2000" b="1" kern="0" dirty="0" err="1">
+                <a:solidFill>
+                  <a:prstClr val="black">
+                    <a:lumMod val="75000"/>
+                    <a:lumOff val="25000"/>
+                  </a:prstClr>
+                </a:solidFill>
+              </a:rPr>
+              <a:t>홍윤혜</a:t>
+            </a:r>
+            <a:endParaRPr lang="en-US" altLang="ko-KR" sz="2000" b="1" kern="0" dirty="0">
+              <a:solidFill>
+                <a:prstClr val="black">
+                  <a:lumMod val="75000"/>
+                  <a:lumOff val="25000"/>
+                </a:prstClr>
+              </a:solidFill>
+            </a:endParaRPr>
+          </a:p>
+          <a:p>
+            <a:pPr latinLnBrk="0">
+              <a:lnSpc>
+                <a:spcPct val="150000"/>
+              </a:lnSpc>
+              <a:defRPr/>
+            </a:pPr>
+            <a:r>
+              <a:rPr lang="en-US" altLang="ko-KR" sz="600" b="1" kern="0" dirty="0">
+                <a:solidFill>
+                  <a:prstClr val="white">
+                    <a:lumMod val="75000"/>
+                  </a:prstClr>
+                </a:solidFill>
+              </a:rPr>
+              <a:t>            </a:t>
+            </a:r>
+            <a:r>
+              <a:rPr lang="en-US" altLang="ko-KR" sz="1050" b="1" kern="0" dirty="0">
+                <a:solidFill>
+                  <a:prstClr val="white">
+                    <a:lumMod val="75000"/>
+                  </a:prstClr>
+                </a:solidFill>
+              </a:rPr>
+              <a:t>  | </a:t>
+            </a:r>
+            <a:r>
+              <a:rPr lang="ko-KR" altLang="en-US" sz="1050" b="1" kern="0" dirty="0">
+                <a:solidFill>
+                  <a:prstClr val="white">
+                    <a:lumMod val="75000"/>
+                  </a:prstClr>
+                </a:solidFill>
+              </a:rPr>
+              <a:t>회원 페이지</a:t>
+            </a:r>
+            <a:endParaRPr lang="ko-KR" altLang="en-US" sz="3600" b="1" kern="0" dirty="0">
+              <a:solidFill>
+                <a:prstClr val="white">
+                  <a:lumMod val="75000"/>
+                </a:prstClr>
+              </a:solidFill>
+            </a:endParaRPr>
+          </a:p>
+        </p:txBody>
+      </p:sp>
+      <p:sp>
+        <p:nvSpPr>
+          <p:cNvPr id="2" name="직사각형 1">
+            <a:extLst>
+              <a:ext uri="{FF2B5EF4-FFF2-40B4-BE49-F238E27FC236}">
+                <a16:creationId xmlns:a16="http://schemas.microsoft.com/office/drawing/2014/main" id="{E6B93C3F-B12E-46F6-BCB3-B3C9B384E679}"/>
+              </a:ext>
+            </a:extLst>
+          </p:cNvPr>
+          <p:cNvSpPr/>
+          <p:nvPr/>
+        </p:nvSpPr>
+        <p:spPr>
+          <a:xfrm>
+            <a:off x="579120" y="1209040"/>
+            <a:ext cx="10942320" cy="4805680"/>
+          </a:xfrm>
+          <a:prstGeom prst="rect">
+            <a:avLst/>
+          </a:prstGeom>
+          <a:solidFill>
+            <a:srgbClr val="F6F9FF"/>
+          </a:solidFill>
+          <a:ln>
+            <a:noFill/>
+          </a:ln>
+        </p:spPr>
+        <p:style>
+          <a:lnRef idx="2">
+            <a:schemeClr val="accent1">
+              <a:shade val="50000"/>
+            </a:schemeClr>
+          </a:lnRef>
+          <a:fillRef idx="1">
+            <a:schemeClr val="accent1"/>
+          </a:fillRef>
+          <a:effectRef idx="0">
+            <a:schemeClr val="accent1"/>
+          </a:effectRef>
+          <a:fontRef idx="minor">
+            <a:schemeClr val="lt1"/>
+          </a:fontRef>
+        </p:style>
+        <p:txBody>
+          <a:bodyPr rtlCol="0" anchor="ctr"/>
+          <a:lstStyle/>
+          <a:p>
+            <a:pPr algn="ctr"/>
+            <a:endParaRPr lang="ko-KR" altLang="en-US"/>
+          </a:p>
+        </p:txBody>
+      </p:sp>
+      <p:pic>
+        <p:nvPicPr>
+          <p:cNvPr id="8" name="그림 7">
+            <a:extLst>
+              <a:ext uri="{FF2B5EF4-FFF2-40B4-BE49-F238E27FC236}">
+                <a16:creationId xmlns:a16="http://schemas.microsoft.com/office/drawing/2014/main" id="{7BD4A463-E453-47D7-A831-05E536931108}"/>
+              </a:ext>
+            </a:extLst>
+          </p:cNvPr>
+          <p:cNvPicPr>
+            <a:picLocks noChangeAspect="1"/>
+          </p:cNvPicPr>
+          <p:nvPr/>
+        </p:nvPicPr>
+        <p:blipFill rotWithShape="1">
+          <a:blip r:embed="rId2"/>
+          <a:srcRect l="21456" t="24784" r="14586" b="5890"/>
+          <a:stretch/>
+        </p:blipFill>
+        <p:spPr>
+          <a:xfrm>
+            <a:off x="985521" y="2263175"/>
+            <a:ext cx="3481643" cy="2122828"/>
+          </a:xfrm>
+          <a:prstGeom prst="rect">
+            <a:avLst/>
+          </a:prstGeom>
+        </p:spPr>
+      </p:pic>
+      <p:grpSp>
+        <p:nvGrpSpPr>
+          <p:cNvPr id="4" name="그룹 3">
+            <a:extLst>
+              <a:ext uri="{FF2B5EF4-FFF2-40B4-BE49-F238E27FC236}">
+                <a16:creationId xmlns:a16="http://schemas.microsoft.com/office/drawing/2014/main" id="{148FFEB5-5FCE-44C4-8D20-992B87E17B8A}"/>
+              </a:ext>
+            </a:extLst>
+          </p:cNvPr>
+          <p:cNvGrpSpPr/>
+          <p:nvPr/>
+        </p:nvGrpSpPr>
+        <p:grpSpPr>
+          <a:xfrm>
+            <a:off x="4960540" y="1463040"/>
+            <a:ext cx="5865889" cy="4406674"/>
+            <a:chOff x="4960540" y="1463040"/>
+            <a:chExt cx="5865889" cy="4406674"/>
+          </a:xfrm>
+        </p:grpSpPr>
+        <p:pic>
+          <p:nvPicPr>
+            <p:cNvPr id="14" name="그림 13">
+              <a:extLst>
+                <a:ext uri="{FF2B5EF4-FFF2-40B4-BE49-F238E27FC236}">
+                  <a16:creationId xmlns:a16="http://schemas.microsoft.com/office/drawing/2014/main" id="{A3826918-B97B-44FB-8904-955B7CBA5E68}"/>
+                </a:ext>
+              </a:extLst>
+            </p:cNvPr>
+            <p:cNvPicPr>
+              <a:picLocks noChangeAspect="1"/>
+            </p:cNvPicPr>
+            <p:nvPr/>
+          </p:nvPicPr>
+          <p:blipFill rotWithShape="1">
+            <a:blip r:embed="rId3"/>
+            <a:srcRect l="31893" t="23883" r="25238" b="29579"/>
+            <a:stretch/>
+          </p:blipFill>
+          <p:spPr>
+            <a:xfrm>
+              <a:off x="6283873" y="3574005"/>
+              <a:ext cx="3759552" cy="2295709"/>
+            </a:xfrm>
+            <a:prstGeom prst="rect">
+              <a:avLst/>
+            </a:prstGeom>
+          </p:spPr>
+        </p:pic>
+        <p:grpSp>
+          <p:nvGrpSpPr>
+            <p:cNvPr id="3" name="그룹 2">
+              <a:extLst>
+                <a:ext uri="{FF2B5EF4-FFF2-40B4-BE49-F238E27FC236}">
+                  <a16:creationId xmlns:a16="http://schemas.microsoft.com/office/drawing/2014/main" id="{3C69800C-C639-40AD-AE26-CF9AD7CFA080}"/>
+                </a:ext>
+              </a:extLst>
+            </p:cNvPr>
+            <p:cNvGrpSpPr/>
+            <p:nvPr/>
+          </p:nvGrpSpPr>
+          <p:grpSpPr>
+            <a:xfrm>
+              <a:off x="4960540" y="1463040"/>
+              <a:ext cx="5865889" cy="2131549"/>
+              <a:chOff x="4960540" y="1463040"/>
+              <a:chExt cx="5865889" cy="2131549"/>
+            </a:xfrm>
+          </p:grpSpPr>
+          <p:pic>
+            <p:nvPicPr>
+              <p:cNvPr id="9" name="그림 8">
+                <a:extLst>
+                  <a:ext uri="{FF2B5EF4-FFF2-40B4-BE49-F238E27FC236}">
+                    <a16:creationId xmlns:a16="http://schemas.microsoft.com/office/drawing/2014/main" id="{F9BDAC79-E42E-499F-9803-446CA2220231}"/>
+                  </a:ext>
+                </a:extLst>
+              </p:cNvPr>
+              <p:cNvPicPr>
+                <a:picLocks noChangeAspect="1"/>
+              </p:cNvPicPr>
+              <p:nvPr/>
+            </p:nvPicPr>
+            <p:blipFill rotWithShape="1">
+              <a:blip r:embed="rId4"/>
+              <a:srcRect l="36915" t="22815" r="29918" b="26815"/>
+              <a:stretch/>
+            </p:blipFill>
+            <p:spPr>
+              <a:xfrm>
+                <a:off x="5862319" y="1463040"/>
+                <a:ext cx="2301330" cy="1965960"/>
+              </a:xfrm>
+              <a:prstGeom prst="rect">
+                <a:avLst/>
+              </a:prstGeom>
+            </p:spPr>
+          </p:pic>
+          <p:pic>
+            <p:nvPicPr>
+              <p:cNvPr id="13" name="그림 12">
+                <a:extLst>
+                  <a:ext uri="{FF2B5EF4-FFF2-40B4-BE49-F238E27FC236}">
+                    <a16:creationId xmlns:a16="http://schemas.microsoft.com/office/drawing/2014/main" id="{9793C180-7451-4853-93E4-0274F2010662}"/>
+                  </a:ext>
+                </a:extLst>
+              </p:cNvPr>
+              <p:cNvPicPr>
+                <a:picLocks noChangeAspect="1"/>
+              </p:cNvPicPr>
+              <p:nvPr/>
+            </p:nvPicPr>
+            <p:blipFill rotWithShape="1">
+              <a:blip r:embed="rId5"/>
+              <a:srcRect l="39083" t="25630" r="32235" b="34697"/>
+              <a:stretch/>
+            </p:blipFill>
+            <p:spPr>
+              <a:xfrm>
+                <a:off x="8299711" y="1463040"/>
+                <a:ext cx="2526718" cy="1965960"/>
+              </a:xfrm>
+              <a:prstGeom prst="rect">
+                <a:avLst/>
+              </a:prstGeom>
+            </p:spPr>
+          </p:pic>
+          <p:pic>
+            <p:nvPicPr>
+              <p:cNvPr id="15" name="Picture 2" descr="https://cdn-icons-png.flaticon.com/512/556/556670.png">
+                <a:extLst>
+                  <a:ext uri="{FF2B5EF4-FFF2-40B4-BE49-F238E27FC236}">
+                    <a16:creationId xmlns:a16="http://schemas.microsoft.com/office/drawing/2014/main" id="{7DFC5E49-94E7-402A-9AC0-951C7AF9CC22}"/>
+                  </a:ext>
+                </a:extLst>
+              </p:cNvPr>
+              <p:cNvPicPr>
+                <a:picLocks noChangeAspect="1" noChangeArrowheads="1"/>
+              </p:cNvPicPr>
+              <p:nvPr/>
+            </p:nvPicPr>
+            <p:blipFill>
+              <a:blip r:embed="rId6" cstate="print">
+                <a:extLst>
+                  <a:ext uri="{28A0092B-C50C-407E-A947-70E740481C1C}">
+                    <a14:useLocalDpi xmlns:a14="http://schemas.microsoft.com/office/drawing/2010/main" val="0"/>
+                  </a:ext>
+                </a:extLst>
+              </a:blip>
+              <a:srcRect/>
+              <a:stretch>
+                <a:fillRect/>
+              </a:stretch>
+            </p:blipFill>
+            <p:spPr bwMode="auto">
+              <a:xfrm>
+                <a:off x="4960540" y="3054589"/>
+                <a:ext cx="540000" cy="540000"/>
+              </a:xfrm>
+              <a:prstGeom prst="rect">
+                <a:avLst/>
+              </a:prstGeom>
+              <a:noFill/>
+              <a:extLst>
+                <a:ext uri="{909E8E84-426E-40DD-AFC4-6F175D3DCCD1}">
+                  <a14:hiddenFill xmlns:a14="http://schemas.microsoft.com/office/drawing/2010/main">
+                    <a:solidFill>
+                      <a:srgbClr val="FFFFFF"/>
+                    </a:solidFill>
+                  </a14:hiddenFill>
+                </a:ext>
+              </a:extLst>
+            </p:spPr>
+          </p:pic>
+        </p:grpSp>
+      </p:grpSp>
+    </p:spTree>
+    <p:extLst>
+      <p:ext uri="{BB962C8B-B14F-4D97-AF65-F5344CB8AC3E}">
+        <p14:creationId xmlns:p14="http://schemas.microsoft.com/office/powerpoint/2010/main" val="3233949893"/>
+      </p:ext>
+    </p:extLst>
+  </p:cSld>
+  <p:clrMapOvr>
+    <a:masterClrMapping/>
+  </p:clrMapOvr>
+  <p:timing>
+    <p:tnLst>
+      <p:par>
+        <p:cTn id="1" dur="indefinite" restart="never" nodeType="tmRoot">
+          <p:childTnLst>
+            <p:seq concurrent="1" nextAc="seek">
+              <p:cTn id="2" dur="indefinite" nodeType="mainSeq">
+                <p:childTnLst>
+                  <p:par>
+                    <p:cTn id="3" fill="hold">
+                      <p:stCondLst>
+                        <p:cond delay="indefinite"/>
+                      </p:stCondLst>
+                      <p:childTnLst>
+                        <p:par>
+                          <p:cTn id="4" fill="hold">
+                            <p:stCondLst>
+                              <p:cond delay="0"/>
+                            </p:stCondLst>
+                            <p:childTnLst>
+                              <p:par>
+                                <p:cTn id="5" presetID="10" presetClass="entr" presetSubtype="0" fill="hold" nodeType="clickEffect">
+                                  <p:stCondLst>
+                                    <p:cond delay="0"/>
+                                  </p:stCondLst>
+                                  <p:childTnLst>
+                                    <p:set>
+                                      <p:cBhvr>
+                                        <p:cTn id="6" dur="1" fill="hold">
+                                          <p:stCondLst>
+                                            <p:cond delay="0"/>
+                                          </p:stCondLst>
+                                        </p:cTn>
+                                        <p:tgtEl>
+                                          <p:spTgt spid="4"/>
+                                        </p:tgtEl>
+                                        <p:attrNameLst>
+                                          <p:attrName>style.visibility</p:attrName>
+                                        </p:attrNameLst>
+                                      </p:cBhvr>
+                                      <p:to>
+                                        <p:strVal val="visible"/>
+                                      </p:to>
+                                    </p:set>
+                                    <p:animEffect transition="in" filter="fade">
+                                      <p:cBhvr>
+                                        <p:cTn id="7" dur="500"/>
+                                        <p:tgtEl>
+                                          <p:spTgt spid="4"/>
+                                        </p:tgtEl>
+                                      </p:cBhvr>
+                                    </p:animEffect>
+                                  </p:childTnLst>
+                                </p:cTn>
+                              </p:par>
+                            </p:childTnLst>
+                          </p:cTn>
+                        </p:par>
+                      </p:childTnLst>
+                    </p:cTn>
+                  </p:par>
+                </p:childTnLst>
+              </p:cTn>
+              <p:prevCondLst>
+                <p:cond evt="onPrev" delay="0">
+                  <p:tgtEl>
+                    <p:sldTgt/>
+                  </p:tgtEl>
+                </p:cond>
+              </p:prevCondLst>
+              <p:nextCondLst>
+                <p:cond evt="onNext" delay="0">
+                  <p:tgtEl>
+                    <p:sldTgt/>
+                  </p:tgtEl>
+                </p:cond>
+              </p:nextCondLst>
+            </p:seq>
+          </p:childTnLst>
+        </p:cTn>
+      </p:par>
+    </p:tnLst>
+  </p:timing>
+</p:sld>
+</file>
+
+<file path=ppt/slides/slide14.xml><?xml version="1.0" encoding="utf-8"?>
+<p:sld xmlns:a="http://schemas.openxmlformats.org/drawingml/2006/main" xmlns:r="http://schemas.openxmlformats.org/officeDocument/2006/relationships" xmlns:p="http://schemas.openxmlformats.org/presentationml/2006/main">
+  <p:cSld>
+    <p:spTree>
+      <p:nvGrpSpPr>
+        <p:cNvPr id="1" name=""/>
+        <p:cNvGrpSpPr/>
+        <p:nvPr/>
+      </p:nvGrpSpPr>
+      <p:grpSpPr>
+        <a:xfrm>
+          <a:off x="0" y="0"/>
+          <a:ext cx="0" cy="0"/>
+          <a:chOff x="0" y="0"/>
+          <a:chExt cx="0" cy="0"/>
+        </a:xfrm>
+      </p:grpSpPr>
+      <p:sp>
+        <p:nvSpPr>
+          <p:cNvPr id="6" name="직사각형 5">
+            <a:extLst>
+              <a:ext uri="{FF2B5EF4-FFF2-40B4-BE49-F238E27FC236}">
+                <a16:creationId xmlns:a16="http://schemas.microsoft.com/office/drawing/2014/main" id="{ADA899EA-5290-4466-9CDB-D71C1B2EDCFA}"/>
+              </a:ext>
+            </a:extLst>
+          </p:cNvPr>
+          <p:cNvSpPr/>
+          <p:nvPr/>
+        </p:nvSpPr>
+        <p:spPr>
+          <a:xfrm>
+            <a:off x="0" y="0"/>
+            <a:ext cx="12192000" cy="3429000"/>
+          </a:xfrm>
+          <a:prstGeom prst="rect">
+            <a:avLst/>
+          </a:prstGeom>
+          <a:solidFill>
+            <a:schemeClr val="accent3">
+              <a:lumMod val="20000"/>
+              <a:lumOff val="80000"/>
+            </a:schemeClr>
+          </a:solidFill>
+          <a:ln>
+            <a:noFill/>
+          </a:ln>
+          <a:effectLst/>
+        </p:spPr>
+        <p:style>
+          <a:lnRef idx="2">
+            <a:schemeClr val="accent1">
+              <a:shade val="50000"/>
+            </a:schemeClr>
+          </a:lnRef>
+          <a:fillRef idx="1">
+            <a:schemeClr val="accent1"/>
+          </a:fillRef>
+          <a:effectRef idx="0">
+            <a:schemeClr val="accent1"/>
+          </a:effectRef>
+          <a:fontRef idx="minor">
+            <a:schemeClr val="lt1"/>
+          </a:fontRef>
+        </p:style>
+        <p:txBody>
+          <a:bodyPr rtlCol="0" anchor="ctr"/>
+          <a:lstStyle/>
+          <a:p>
+            <a:pPr algn="ctr" latinLnBrk="0">
+              <a:lnSpc>
+                <a:spcPct val="150000"/>
+              </a:lnSpc>
+              <a:defRPr/>
+            </a:pPr>
+            <a:endParaRPr lang="ko-KR" altLang="en-US" sz="7200" kern="0" dirty="0">
+              <a:solidFill>
+                <a:prstClr val="white"/>
+              </a:solidFill>
+            </a:endParaRPr>
+          </a:p>
+        </p:txBody>
+      </p:sp>
+      <p:sp>
+        <p:nvSpPr>
+          <p:cNvPr id="7" name="모서리가 둥근 직사각형 5">
+            <a:extLst>
+              <a:ext uri="{FF2B5EF4-FFF2-40B4-BE49-F238E27FC236}">
+                <a16:creationId xmlns:a16="http://schemas.microsoft.com/office/drawing/2014/main" id="{978B0B98-AD96-4F4D-A1D3-E344E7E3ADFB}"/>
+              </a:ext>
+            </a:extLst>
+          </p:cNvPr>
+          <p:cNvSpPr/>
+          <p:nvPr/>
+        </p:nvSpPr>
+        <p:spPr>
+          <a:xfrm>
             <a:off x="222422" y="252037"/>
             <a:ext cx="11747157" cy="6353926"/>
           </a:xfrm>
@@ -10312,17 +11307,9 @@
 </p:sld>
 </file>
 
-<file path=ppt/slides/slide14.xml><?xml version="1.0" encoding="utf-8"?>
+<file path=ppt/slides/slide15.xml><?xml version="1.0" encoding="utf-8"?>
 <p:sld xmlns:a="http://schemas.openxmlformats.org/drawingml/2006/main" xmlns:r="http://schemas.openxmlformats.org/officeDocument/2006/relationships" xmlns:p="http://schemas.openxmlformats.org/presentationml/2006/main">
   <p:cSld>
-    <p:bg>
-      <p:bgPr>
-        <a:solidFill>
-          <a:srgbClr val="28395C"/>
-        </a:solidFill>
-        <a:effectLst/>
-      </p:bgPr>
-    </p:bg>
     <p:spTree>
       <p:nvGrpSpPr>
         <p:cNvPr id="1" name=""/>
@@ -11251,17 +12238,9 @@
 </p:sld>
 </file>
 
-<file path=ppt/slides/slide15.xml><?xml version="1.0" encoding="utf-8"?>
+<file path=ppt/slides/slide16.xml><?xml version="1.0" encoding="utf-8"?>
 <p:sld xmlns:a="http://schemas.openxmlformats.org/drawingml/2006/main" xmlns:r="http://schemas.openxmlformats.org/officeDocument/2006/relationships" xmlns:p="http://schemas.openxmlformats.org/presentationml/2006/main">
   <p:cSld>
-    <p:bg>
-      <p:bgPr>
-        <a:solidFill>
-          <a:srgbClr val="28395C"/>
-        </a:solidFill>
-        <a:effectLst/>
-      </p:bgPr>
-    </p:bg>
     <p:spTree>
       <p:nvGrpSpPr>
         <p:cNvPr id="1" name=""/>
@@ -13536,17 +14515,9 @@
 </p:sld>
 </file>
 
-<file path=ppt/slides/slide16.xml><?xml version="1.0" encoding="utf-8"?>
+<file path=ppt/slides/slide17.xml><?xml version="1.0" encoding="utf-8"?>
 <p:sld xmlns:a="http://schemas.openxmlformats.org/drawingml/2006/main" xmlns:r="http://schemas.openxmlformats.org/officeDocument/2006/relationships" xmlns:p="http://schemas.openxmlformats.org/presentationml/2006/main">
   <p:cSld>
-    <p:bg>
-      <p:bgPr>
-        <a:solidFill>
-          <a:srgbClr val="28395C"/>
-        </a:solidFill>
-        <a:effectLst/>
-      </p:bgPr>
-    </p:bg>
     <p:spTree>
       <p:nvGrpSpPr>
         <p:cNvPr id="1" name=""/>
@@ -16388,17 +17359,9 @@
 </p:sld>
 </file>
 
-<file path=ppt/slides/slide17.xml><?xml version="1.0" encoding="utf-8"?>
+<file path=ppt/slides/slide18.xml><?xml version="1.0" encoding="utf-8"?>
 <p:sld xmlns:a="http://schemas.openxmlformats.org/drawingml/2006/main" xmlns:r="http://schemas.openxmlformats.org/officeDocument/2006/relationships" xmlns:p="http://schemas.openxmlformats.org/presentationml/2006/main">
   <p:cSld>
-    <p:bg>
-      <p:bgPr>
-        <a:solidFill>
-          <a:srgbClr val="28395C"/>
-        </a:solidFill>
-        <a:effectLst/>
-      </p:bgPr>
-    </p:bg>
     <p:spTree>
       <p:nvGrpSpPr>
         <p:cNvPr id="1" name=""/>
@@ -20197,17 +21160,9 @@
 </p:sld>
 </file>
 
-<file path=ppt/slides/slide18.xml><?xml version="1.0" encoding="utf-8"?>
+<file path=ppt/slides/slide19.xml><?xml version="1.0" encoding="utf-8"?>
 <p:sld xmlns:a="http://schemas.openxmlformats.org/drawingml/2006/main" xmlns:r="http://schemas.openxmlformats.org/officeDocument/2006/relationships" xmlns:p="http://schemas.openxmlformats.org/presentationml/2006/main">
   <p:cSld>
-    <p:bg>
-      <p:bgPr>
-        <a:solidFill>
-          <a:srgbClr val="28395C"/>
-        </a:solidFill>
-        <a:effectLst/>
-      </p:bgPr>
-    </p:bg>
     <p:spTree>
       <p:nvGrpSpPr>
         <p:cNvPr id="1" name=""/>
@@ -23867,533 +24822,9 @@
 </p:sld>
 </file>
 
-<file path=ppt/slides/slide19.xml><?xml version="1.0" encoding="utf-8"?>
-<p:sld xmlns:a="http://schemas.openxmlformats.org/drawingml/2006/main" xmlns:r="http://schemas.openxmlformats.org/officeDocument/2006/relationships" xmlns:p="http://schemas.openxmlformats.org/presentationml/2006/main">
-  <p:cSld>
-    <p:spTree>
-      <p:nvGrpSpPr>
-        <p:cNvPr id="1" name=""/>
-        <p:cNvGrpSpPr/>
-        <p:nvPr/>
-      </p:nvGrpSpPr>
-      <p:grpSpPr>
-        <a:xfrm>
-          <a:off x="0" y="0"/>
-          <a:ext cx="0" cy="0"/>
-          <a:chOff x="0" y="0"/>
-          <a:chExt cx="0" cy="0"/>
-        </a:xfrm>
-      </p:grpSpPr>
-      <p:sp>
-        <p:nvSpPr>
-          <p:cNvPr id="4" name="직사각형 3"/>
-          <p:cNvSpPr/>
-          <p:nvPr/>
-        </p:nvSpPr>
-        <p:spPr>
-          <a:xfrm>
-            <a:off x="3988947" y="461016"/>
-            <a:ext cx="4236842" cy="655372"/>
-          </a:xfrm>
-          <a:prstGeom prst="rect">
-            <a:avLst/>
-          </a:prstGeom>
-        </p:spPr>
-        <p:txBody>
-          <a:bodyPr wrap="square">
-            <a:spAutoFit/>
-          </a:bodyPr>
-          <a:lstStyle/>
-          <a:p>
-            <a:pPr algn="ctr">
-              <a:lnSpc>
-                <a:spcPct val="150000"/>
-              </a:lnSpc>
-            </a:pPr>
-            <a:r>
-              <a:rPr lang="ko-KR" altLang="en-US" sz="2800" b="1" dirty="0">
-                <a:solidFill>
-                  <a:prstClr val="black">
-                    <a:lumMod val="75000"/>
-                    <a:lumOff val="25000"/>
-                  </a:prstClr>
-                </a:solidFill>
-              </a:rPr>
-              <a:t>오늘 사용한 색상은</a:t>
-            </a:r>
-            <a:r>
-              <a:rPr lang="en-US" altLang="ko-KR" sz="2800" b="1" dirty="0">
-                <a:solidFill>
-                  <a:prstClr val="black">
-                    <a:lumMod val="75000"/>
-                    <a:lumOff val="25000"/>
-                  </a:prstClr>
-                </a:solidFill>
-              </a:rPr>
-              <a:t>?</a:t>
-            </a:r>
-            <a:endParaRPr lang="ko-KR" altLang="en-US" sz="2000" dirty="0">
-              <a:solidFill>
-                <a:prstClr val="black">
-                  <a:lumMod val="75000"/>
-                  <a:lumOff val="25000"/>
-                </a:prstClr>
-              </a:solidFill>
-            </a:endParaRPr>
-          </a:p>
-        </p:txBody>
-      </p:sp>
-      <p:sp>
-        <p:nvSpPr>
-          <p:cNvPr id="5" name="직사각형 4"/>
-          <p:cNvSpPr/>
-          <p:nvPr/>
-        </p:nvSpPr>
-        <p:spPr>
-          <a:xfrm>
-            <a:off x="2456131" y="5524135"/>
-            <a:ext cx="7302474" cy="738664"/>
-          </a:xfrm>
-          <a:prstGeom prst="rect">
-            <a:avLst/>
-          </a:prstGeom>
-        </p:spPr>
-        <p:txBody>
-          <a:bodyPr wrap="square">
-            <a:spAutoFit/>
-          </a:bodyPr>
-          <a:lstStyle/>
-          <a:p>
-            <a:pPr algn="ctr">
-              <a:lnSpc>
-                <a:spcPct val="150000"/>
-              </a:lnSpc>
-            </a:pPr>
-            <a:r>
-              <a:rPr lang="en-US" altLang="ko-KR" sz="1400" dirty="0">
-                <a:solidFill>
-                  <a:prstClr val="black">
-                    <a:lumMod val="75000"/>
-                    <a:lumOff val="25000"/>
-                  </a:prstClr>
-                </a:solidFill>
-              </a:rPr>
-              <a:t>2013 </a:t>
-            </a:r>
-            <a:r>
-              <a:rPr lang="ko-KR" altLang="en-US" sz="1400" dirty="0">
-                <a:solidFill>
-                  <a:prstClr val="black">
-                    <a:lumMod val="75000"/>
-                    <a:lumOff val="25000"/>
-                  </a:prstClr>
-                </a:solidFill>
-              </a:rPr>
-              <a:t>버전 이상 사용자께서는 스포이트 기능을 이용하시면 </a:t>
-            </a:r>
-            <a:r>
-              <a:rPr lang="ko-KR" altLang="en-US" sz="1400" dirty="0" err="1">
-                <a:solidFill>
-                  <a:prstClr val="black">
-                    <a:lumMod val="75000"/>
-                    <a:lumOff val="25000"/>
-                  </a:prstClr>
-                </a:solidFill>
-              </a:rPr>
-              <a:t>편하구요</a:t>
-            </a:r>
-            <a:r>
-              <a:rPr lang="en-US" altLang="ko-KR" sz="1400" dirty="0">
-                <a:solidFill>
-                  <a:prstClr val="black">
-                    <a:lumMod val="75000"/>
-                    <a:lumOff val="25000"/>
-                  </a:prstClr>
-                </a:solidFill>
-              </a:rPr>
-              <a:t>.</a:t>
-            </a:r>
-          </a:p>
-          <a:p>
-            <a:pPr algn="ctr">
-              <a:lnSpc>
-                <a:spcPct val="150000"/>
-              </a:lnSpc>
-            </a:pPr>
-            <a:r>
-              <a:rPr lang="en-US" altLang="ko-KR" sz="1400" dirty="0">
-                <a:solidFill>
-                  <a:prstClr val="black">
-                    <a:lumMod val="75000"/>
-                    <a:lumOff val="25000"/>
-                  </a:prstClr>
-                </a:solidFill>
-              </a:rPr>
-              <a:t>2010 </a:t>
-            </a:r>
-            <a:r>
-              <a:rPr lang="ko-KR" altLang="en-US" sz="1400" dirty="0">
-                <a:solidFill>
-                  <a:prstClr val="black">
-                    <a:lumMod val="75000"/>
-                    <a:lumOff val="25000"/>
-                  </a:prstClr>
-                </a:solidFill>
-              </a:rPr>
-              <a:t>이하 버전 사용자 께서는 다른 채우기 색 </a:t>
-            </a:r>
-            <a:r>
-              <a:rPr lang="en-US" altLang="ko-KR" sz="1400" dirty="0">
-                <a:solidFill>
-                  <a:prstClr val="black">
-                    <a:lumMod val="75000"/>
-                    <a:lumOff val="25000"/>
-                  </a:prstClr>
-                </a:solidFill>
-              </a:rPr>
-              <a:t>&gt;</a:t>
-            </a:r>
-            <a:r>
-              <a:rPr lang="ko-KR" altLang="en-US" sz="1400" dirty="0">
-                <a:solidFill>
-                  <a:prstClr val="black">
-                    <a:lumMod val="75000"/>
-                    <a:lumOff val="25000"/>
-                  </a:prstClr>
-                </a:solidFill>
-              </a:rPr>
-              <a:t> 사용자 지정 탭 </a:t>
-            </a:r>
-            <a:r>
-              <a:rPr lang="en-US" altLang="ko-KR" sz="1400" dirty="0">
-                <a:solidFill>
-                  <a:prstClr val="black">
-                    <a:lumMod val="75000"/>
-                    <a:lumOff val="25000"/>
-                  </a:prstClr>
-                </a:solidFill>
-              </a:rPr>
-              <a:t>&gt; RGB </a:t>
-            </a:r>
-            <a:r>
-              <a:rPr lang="ko-KR" altLang="en-US" sz="1400" dirty="0">
-                <a:solidFill>
-                  <a:prstClr val="black">
-                    <a:lumMod val="75000"/>
-                    <a:lumOff val="25000"/>
-                  </a:prstClr>
-                </a:solidFill>
-              </a:rPr>
-              <a:t>색상 값 입력</a:t>
-            </a:r>
-            <a:endParaRPr lang="en-US" altLang="ko-KR" sz="1400" dirty="0">
-              <a:solidFill>
-                <a:prstClr val="black">
-                  <a:lumMod val="75000"/>
-                  <a:lumOff val="25000"/>
-                </a:prstClr>
-              </a:solidFill>
-            </a:endParaRPr>
-          </a:p>
-        </p:txBody>
-      </p:sp>
-      <p:sp>
-        <p:nvSpPr>
-          <p:cNvPr id="8" name="타원 7"/>
-          <p:cNvSpPr/>
-          <p:nvPr/>
-        </p:nvSpPr>
-        <p:spPr>
-          <a:xfrm>
-            <a:off x="4816499" y="2001950"/>
-            <a:ext cx="2636622" cy="2636622"/>
-          </a:xfrm>
-          <a:prstGeom prst="ellipse">
-            <a:avLst/>
-          </a:prstGeom>
-          <a:solidFill>
-            <a:schemeClr val="accent3">
-              <a:lumMod val="20000"/>
-              <a:lumOff val="80000"/>
-            </a:schemeClr>
-          </a:solidFill>
-          <a:ln>
-            <a:noFill/>
-          </a:ln>
-        </p:spPr>
-        <p:style>
-          <a:lnRef idx="2">
-            <a:schemeClr val="accent1">
-              <a:shade val="50000"/>
-            </a:schemeClr>
-          </a:lnRef>
-          <a:fillRef idx="1">
-            <a:schemeClr val="accent1"/>
-          </a:fillRef>
-          <a:effectRef idx="0">
-            <a:schemeClr val="accent1"/>
-          </a:effectRef>
-          <a:fontRef idx="minor">
-            <a:schemeClr val="lt1"/>
-          </a:fontRef>
-        </p:style>
-        <p:txBody>
-          <a:bodyPr rtlCol="0" anchor="ctr"/>
-          <a:lstStyle/>
-          <a:p>
-            <a:pPr algn="ctr">
-              <a:lnSpc>
-                <a:spcPct val="150000"/>
-              </a:lnSpc>
-            </a:pPr>
-            <a:r>
-              <a:rPr lang="en-US" altLang="ko-KR" sz="2800" b="1" dirty="0">
-                <a:solidFill>
-                  <a:prstClr val="black">
-                    <a:lumMod val="75000"/>
-                    <a:lumOff val="25000"/>
-                  </a:prstClr>
-                </a:solidFill>
-              </a:rPr>
-              <a:t>R 237</a:t>
-            </a:r>
-          </a:p>
-          <a:p>
-            <a:pPr algn="ctr">
-              <a:lnSpc>
-                <a:spcPct val="150000"/>
-              </a:lnSpc>
-            </a:pPr>
-            <a:r>
-              <a:rPr lang="en-US" altLang="ko-KR" sz="2800" b="1" dirty="0">
-                <a:solidFill>
-                  <a:prstClr val="black">
-                    <a:lumMod val="75000"/>
-                    <a:lumOff val="25000"/>
-                  </a:prstClr>
-                </a:solidFill>
-              </a:rPr>
-              <a:t>G 237</a:t>
-            </a:r>
-          </a:p>
-          <a:p>
-            <a:pPr algn="ctr">
-              <a:lnSpc>
-                <a:spcPct val="150000"/>
-              </a:lnSpc>
-            </a:pPr>
-            <a:r>
-              <a:rPr lang="en-US" altLang="ko-KR" sz="2800" b="1" dirty="0">
-                <a:solidFill>
-                  <a:prstClr val="black">
-                    <a:lumMod val="75000"/>
-                    <a:lumOff val="25000"/>
-                  </a:prstClr>
-                </a:solidFill>
-              </a:rPr>
-              <a:t>B 237</a:t>
-            </a:r>
-          </a:p>
-        </p:txBody>
-      </p:sp>
-      <p:sp>
-        <p:nvSpPr>
-          <p:cNvPr id="6" name="타원 5"/>
-          <p:cNvSpPr/>
-          <p:nvPr/>
-        </p:nvSpPr>
-        <p:spPr>
-          <a:xfrm>
-            <a:off x="8103985" y="2001950"/>
-            <a:ext cx="2636622" cy="2636622"/>
-          </a:xfrm>
-          <a:prstGeom prst="ellipse">
-            <a:avLst/>
-          </a:prstGeom>
-          <a:solidFill>
-            <a:srgbClr val="EF7398"/>
-          </a:solidFill>
-          <a:ln>
-            <a:noFill/>
-          </a:ln>
-        </p:spPr>
-        <p:style>
-          <a:lnRef idx="2">
-            <a:schemeClr val="accent1">
-              <a:shade val="50000"/>
-            </a:schemeClr>
-          </a:lnRef>
-          <a:fillRef idx="1">
-            <a:schemeClr val="accent1"/>
-          </a:fillRef>
-          <a:effectRef idx="0">
-            <a:schemeClr val="accent1"/>
-          </a:effectRef>
-          <a:fontRef idx="minor">
-            <a:schemeClr val="lt1"/>
-          </a:fontRef>
-        </p:style>
-        <p:txBody>
-          <a:bodyPr rtlCol="0" anchor="ctr"/>
-          <a:lstStyle/>
-          <a:p>
-            <a:pPr algn="ctr">
-              <a:lnSpc>
-                <a:spcPct val="150000"/>
-              </a:lnSpc>
-            </a:pPr>
-            <a:r>
-              <a:rPr lang="en-US" altLang="ko-KR" sz="2800" b="1" dirty="0">
-                <a:solidFill>
-                  <a:prstClr val="white"/>
-                </a:solidFill>
-              </a:rPr>
-              <a:t>R 239</a:t>
-            </a:r>
-          </a:p>
-          <a:p>
-            <a:pPr algn="ctr">
-              <a:lnSpc>
-                <a:spcPct val="150000"/>
-              </a:lnSpc>
-            </a:pPr>
-            <a:r>
-              <a:rPr lang="en-US" altLang="ko-KR" sz="2800" b="1" dirty="0">
-                <a:solidFill>
-                  <a:prstClr val="white"/>
-                </a:solidFill>
-              </a:rPr>
-              <a:t>G 115</a:t>
-            </a:r>
-          </a:p>
-          <a:p>
-            <a:pPr algn="ctr">
-              <a:lnSpc>
-                <a:spcPct val="150000"/>
-              </a:lnSpc>
-            </a:pPr>
-            <a:r>
-              <a:rPr lang="en-US" altLang="ko-KR" sz="2800" b="1" dirty="0">
-                <a:solidFill>
-                  <a:prstClr val="white"/>
-                </a:solidFill>
-              </a:rPr>
-              <a:t>B 152</a:t>
-            </a:r>
-          </a:p>
-        </p:txBody>
-      </p:sp>
-      <p:sp>
-        <p:nvSpPr>
-          <p:cNvPr id="7" name="타원 6"/>
-          <p:cNvSpPr/>
-          <p:nvPr/>
-        </p:nvSpPr>
-        <p:spPr>
-          <a:xfrm>
-            <a:off x="1529013" y="2001950"/>
-            <a:ext cx="2636622" cy="2636622"/>
-          </a:xfrm>
-          <a:prstGeom prst="ellipse">
-            <a:avLst/>
-          </a:prstGeom>
-          <a:solidFill>
-            <a:srgbClr val="28395C"/>
-          </a:solidFill>
-          <a:ln>
-            <a:noFill/>
-          </a:ln>
-        </p:spPr>
-        <p:style>
-          <a:lnRef idx="2">
-            <a:schemeClr val="accent1">
-              <a:shade val="50000"/>
-            </a:schemeClr>
-          </a:lnRef>
-          <a:fillRef idx="1">
-            <a:schemeClr val="accent1"/>
-          </a:fillRef>
-          <a:effectRef idx="0">
-            <a:schemeClr val="accent1"/>
-          </a:effectRef>
-          <a:fontRef idx="minor">
-            <a:schemeClr val="lt1"/>
-          </a:fontRef>
-        </p:style>
-        <p:txBody>
-          <a:bodyPr rtlCol="0" anchor="ctr"/>
-          <a:lstStyle/>
-          <a:p>
-            <a:pPr algn="ctr">
-              <a:lnSpc>
-                <a:spcPct val="150000"/>
-              </a:lnSpc>
-            </a:pPr>
-            <a:r>
-              <a:rPr lang="en-US" altLang="ko-KR" sz="2800" b="1" dirty="0">
-                <a:solidFill>
-                  <a:prstClr val="white"/>
-                </a:solidFill>
-              </a:rPr>
-              <a:t>R 40</a:t>
-            </a:r>
-          </a:p>
-          <a:p>
-            <a:pPr algn="ctr">
-              <a:lnSpc>
-                <a:spcPct val="150000"/>
-              </a:lnSpc>
-            </a:pPr>
-            <a:r>
-              <a:rPr lang="en-US" altLang="ko-KR" sz="2800" b="1" dirty="0">
-                <a:solidFill>
-                  <a:prstClr val="white"/>
-                </a:solidFill>
-              </a:rPr>
-              <a:t>G 57</a:t>
-            </a:r>
-          </a:p>
-          <a:p>
-            <a:pPr algn="ctr">
-              <a:lnSpc>
-                <a:spcPct val="150000"/>
-              </a:lnSpc>
-            </a:pPr>
-            <a:r>
-              <a:rPr lang="en-US" altLang="ko-KR" sz="2800" b="1" dirty="0">
-                <a:solidFill>
-                  <a:prstClr val="white"/>
-                </a:solidFill>
-              </a:rPr>
-              <a:t>B 92</a:t>
-            </a:r>
-          </a:p>
-        </p:txBody>
-      </p:sp>
-    </p:spTree>
-    <p:extLst>
-      <p:ext uri="{BB962C8B-B14F-4D97-AF65-F5344CB8AC3E}">
-        <p14:creationId xmlns:p14="http://schemas.microsoft.com/office/powerpoint/2010/main" val="2819464290"/>
-      </p:ext>
-    </p:extLst>
-  </p:cSld>
-  <p:clrMapOvr>
-    <a:masterClrMapping/>
-  </p:clrMapOvr>
-</p:sld>
-</file>
-
 <file path=ppt/slides/slide2.xml><?xml version="1.0" encoding="utf-8"?>
 <p:sld xmlns:a="http://schemas.openxmlformats.org/drawingml/2006/main" xmlns:r="http://schemas.openxmlformats.org/officeDocument/2006/relationships" xmlns:p="http://schemas.openxmlformats.org/presentationml/2006/main">
   <p:cSld>
-    <p:bg>
-      <p:bgPr>
-        <a:solidFill>
-          <a:srgbClr val="28395C"/>
-        </a:solidFill>
-        <a:effectLst/>
-      </p:bgPr>
-    </p:bg>
     <p:spTree>
       <p:nvGrpSpPr>
         <p:cNvPr id="1" name=""/>
@@ -25281,14 +25712,522 @@
 <file path=ppt/slides/slide20.xml><?xml version="1.0" encoding="utf-8"?>
 <p:sld xmlns:a="http://schemas.openxmlformats.org/drawingml/2006/main" xmlns:r="http://schemas.openxmlformats.org/officeDocument/2006/relationships" xmlns:p="http://schemas.openxmlformats.org/presentationml/2006/main">
   <p:cSld>
-    <p:bg>
-      <p:bgPr>
-        <a:solidFill>
-          <a:srgbClr val="28395C"/>
-        </a:solidFill>
-        <a:effectLst/>
-      </p:bgPr>
-    </p:bg>
+    <p:spTree>
+      <p:nvGrpSpPr>
+        <p:cNvPr id="1" name=""/>
+        <p:cNvGrpSpPr/>
+        <p:nvPr/>
+      </p:nvGrpSpPr>
+      <p:grpSpPr>
+        <a:xfrm>
+          <a:off x="0" y="0"/>
+          <a:ext cx="0" cy="0"/>
+          <a:chOff x="0" y="0"/>
+          <a:chExt cx="0" cy="0"/>
+        </a:xfrm>
+      </p:grpSpPr>
+      <p:sp>
+        <p:nvSpPr>
+          <p:cNvPr id="4" name="직사각형 3"/>
+          <p:cNvSpPr/>
+          <p:nvPr/>
+        </p:nvSpPr>
+        <p:spPr>
+          <a:xfrm>
+            <a:off x="3988947" y="461016"/>
+            <a:ext cx="4236842" cy="655372"/>
+          </a:xfrm>
+          <a:prstGeom prst="rect">
+            <a:avLst/>
+          </a:prstGeom>
+        </p:spPr>
+        <p:txBody>
+          <a:bodyPr wrap="square">
+            <a:spAutoFit/>
+          </a:bodyPr>
+          <a:lstStyle/>
+          <a:p>
+            <a:pPr algn="ctr">
+              <a:lnSpc>
+                <a:spcPct val="150000"/>
+              </a:lnSpc>
+            </a:pPr>
+            <a:r>
+              <a:rPr lang="ko-KR" altLang="en-US" sz="2800" b="1" dirty="0">
+                <a:solidFill>
+                  <a:prstClr val="black">
+                    <a:lumMod val="75000"/>
+                    <a:lumOff val="25000"/>
+                  </a:prstClr>
+                </a:solidFill>
+              </a:rPr>
+              <a:t>오늘 사용한 색상은</a:t>
+            </a:r>
+            <a:r>
+              <a:rPr lang="en-US" altLang="ko-KR" sz="2800" b="1" dirty="0">
+                <a:solidFill>
+                  <a:prstClr val="black">
+                    <a:lumMod val="75000"/>
+                    <a:lumOff val="25000"/>
+                  </a:prstClr>
+                </a:solidFill>
+              </a:rPr>
+              <a:t>?</a:t>
+            </a:r>
+            <a:endParaRPr lang="ko-KR" altLang="en-US" sz="2000" dirty="0">
+              <a:solidFill>
+                <a:prstClr val="black">
+                  <a:lumMod val="75000"/>
+                  <a:lumOff val="25000"/>
+                </a:prstClr>
+              </a:solidFill>
+            </a:endParaRPr>
+          </a:p>
+        </p:txBody>
+      </p:sp>
+      <p:sp>
+        <p:nvSpPr>
+          <p:cNvPr id="5" name="직사각형 4"/>
+          <p:cNvSpPr/>
+          <p:nvPr/>
+        </p:nvSpPr>
+        <p:spPr>
+          <a:xfrm>
+            <a:off x="2456131" y="5524135"/>
+            <a:ext cx="7302474" cy="738664"/>
+          </a:xfrm>
+          <a:prstGeom prst="rect">
+            <a:avLst/>
+          </a:prstGeom>
+        </p:spPr>
+        <p:txBody>
+          <a:bodyPr wrap="square">
+            <a:spAutoFit/>
+          </a:bodyPr>
+          <a:lstStyle/>
+          <a:p>
+            <a:pPr algn="ctr">
+              <a:lnSpc>
+                <a:spcPct val="150000"/>
+              </a:lnSpc>
+            </a:pPr>
+            <a:r>
+              <a:rPr lang="en-US" altLang="ko-KR" sz="1400" dirty="0">
+                <a:solidFill>
+                  <a:prstClr val="black">
+                    <a:lumMod val="75000"/>
+                    <a:lumOff val="25000"/>
+                  </a:prstClr>
+                </a:solidFill>
+              </a:rPr>
+              <a:t>2013 </a:t>
+            </a:r>
+            <a:r>
+              <a:rPr lang="ko-KR" altLang="en-US" sz="1400" dirty="0">
+                <a:solidFill>
+                  <a:prstClr val="black">
+                    <a:lumMod val="75000"/>
+                    <a:lumOff val="25000"/>
+                  </a:prstClr>
+                </a:solidFill>
+              </a:rPr>
+              <a:t>버전 이상 사용자께서는 스포이트 기능을 이용하시면 </a:t>
+            </a:r>
+            <a:r>
+              <a:rPr lang="ko-KR" altLang="en-US" sz="1400" dirty="0" err="1">
+                <a:solidFill>
+                  <a:prstClr val="black">
+                    <a:lumMod val="75000"/>
+                    <a:lumOff val="25000"/>
+                  </a:prstClr>
+                </a:solidFill>
+              </a:rPr>
+              <a:t>편하구요</a:t>
+            </a:r>
+            <a:r>
+              <a:rPr lang="en-US" altLang="ko-KR" sz="1400" dirty="0">
+                <a:solidFill>
+                  <a:prstClr val="black">
+                    <a:lumMod val="75000"/>
+                    <a:lumOff val="25000"/>
+                  </a:prstClr>
+                </a:solidFill>
+              </a:rPr>
+              <a:t>.</a:t>
+            </a:r>
+          </a:p>
+          <a:p>
+            <a:pPr algn="ctr">
+              <a:lnSpc>
+                <a:spcPct val="150000"/>
+              </a:lnSpc>
+            </a:pPr>
+            <a:r>
+              <a:rPr lang="en-US" altLang="ko-KR" sz="1400" dirty="0">
+                <a:solidFill>
+                  <a:prstClr val="black">
+                    <a:lumMod val="75000"/>
+                    <a:lumOff val="25000"/>
+                  </a:prstClr>
+                </a:solidFill>
+              </a:rPr>
+              <a:t>2010 </a:t>
+            </a:r>
+            <a:r>
+              <a:rPr lang="ko-KR" altLang="en-US" sz="1400" dirty="0">
+                <a:solidFill>
+                  <a:prstClr val="black">
+                    <a:lumMod val="75000"/>
+                    <a:lumOff val="25000"/>
+                  </a:prstClr>
+                </a:solidFill>
+              </a:rPr>
+              <a:t>이하 버전 사용자 께서는 다른 채우기 색 </a:t>
+            </a:r>
+            <a:r>
+              <a:rPr lang="en-US" altLang="ko-KR" sz="1400" dirty="0">
+                <a:solidFill>
+                  <a:prstClr val="black">
+                    <a:lumMod val="75000"/>
+                    <a:lumOff val="25000"/>
+                  </a:prstClr>
+                </a:solidFill>
+              </a:rPr>
+              <a:t>&gt;</a:t>
+            </a:r>
+            <a:r>
+              <a:rPr lang="ko-KR" altLang="en-US" sz="1400" dirty="0">
+                <a:solidFill>
+                  <a:prstClr val="black">
+                    <a:lumMod val="75000"/>
+                    <a:lumOff val="25000"/>
+                  </a:prstClr>
+                </a:solidFill>
+              </a:rPr>
+              <a:t> 사용자 지정 탭 </a:t>
+            </a:r>
+            <a:r>
+              <a:rPr lang="en-US" altLang="ko-KR" sz="1400" dirty="0">
+                <a:solidFill>
+                  <a:prstClr val="black">
+                    <a:lumMod val="75000"/>
+                    <a:lumOff val="25000"/>
+                  </a:prstClr>
+                </a:solidFill>
+              </a:rPr>
+              <a:t>&gt; RGB </a:t>
+            </a:r>
+            <a:r>
+              <a:rPr lang="ko-KR" altLang="en-US" sz="1400" dirty="0">
+                <a:solidFill>
+                  <a:prstClr val="black">
+                    <a:lumMod val="75000"/>
+                    <a:lumOff val="25000"/>
+                  </a:prstClr>
+                </a:solidFill>
+              </a:rPr>
+              <a:t>색상 값 입력</a:t>
+            </a:r>
+            <a:endParaRPr lang="en-US" altLang="ko-KR" sz="1400" dirty="0">
+              <a:solidFill>
+                <a:prstClr val="black">
+                  <a:lumMod val="75000"/>
+                  <a:lumOff val="25000"/>
+                </a:prstClr>
+              </a:solidFill>
+            </a:endParaRPr>
+          </a:p>
+        </p:txBody>
+      </p:sp>
+      <p:sp>
+        <p:nvSpPr>
+          <p:cNvPr id="8" name="타원 7"/>
+          <p:cNvSpPr/>
+          <p:nvPr/>
+        </p:nvSpPr>
+        <p:spPr>
+          <a:xfrm>
+            <a:off x="4816499" y="2001950"/>
+            <a:ext cx="2636622" cy="2636622"/>
+          </a:xfrm>
+          <a:prstGeom prst="ellipse">
+            <a:avLst/>
+          </a:prstGeom>
+          <a:solidFill>
+            <a:schemeClr val="accent3">
+              <a:lumMod val="20000"/>
+              <a:lumOff val="80000"/>
+            </a:schemeClr>
+          </a:solidFill>
+          <a:ln>
+            <a:noFill/>
+          </a:ln>
+        </p:spPr>
+        <p:style>
+          <a:lnRef idx="2">
+            <a:schemeClr val="accent1">
+              <a:shade val="50000"/>
+            </a:schemeClr>
+          </a:lnRef>
+          <a:fillRef idx="1">
+            <a:schemeClr val="accent1"/>
+          </a:fillRef>
+          <a:effectRef idx="0">
+            <a:schemeClr val="accent1"/>
+          </a:effectRef>
+          <a:fontRef idx="minor">
+            <a:schemeClr val="lt1"/>
+          </a:fontRef>
+        </p:style>
+        <p:txBody>
+          <a:bodyPr rtlCol="0" anchor="ctr"/>
+          <a:lstStyle/>
+          <a:p>
+            <a:pPr algn="ctr">
+              <a:lnSpc>
+                <a:spcPct val="150000"/>
+              </a:lnSpc>
+            </a:pPr>
+            <a:r>
+              <a:rPr lang="en-US" altLang="ko-KR" sz="2800" b="1" dirty="0">
+                <a:solidFill>
+                  <a:prstClr val="black">
+                    <a:lumMod val="75000"/>
+                    <a:lumOff val="25000"/>
+                  </a:prstClr>
+                </a:solidFill>
+              </a:rPr>
+              <a:t>R 237</a:t>
+            </a:r>
+          </a:p>
+          <a:p>
+            <a:pPr algn="ctr">
+              <a:lnSpc>
+                <a:spcPct val="150000"/>
+              </a:lnSpc>
+            </a:pPr>
+            <a:r>
+              <a:rPr lang="en-US" altLang="ko-KR" sz="2800" b="1" dirty="0">
+                <a:solidFill>
+                  <a:prstClr val="black">
+                    <a:lumMod val="75000"/>
+                    <a:lumOff val="25000"/>
+                  </a:prstClr>
+                </a:solidFill>
+              </a:rPr>
+              <a:t>G 237</a:t>
+            </a:r>
+          </a:p>
+          <a:p>
+            <a:pPr algn="ctr">
+              <a:lnSpc>
+                <a:spcPct val="150000"/>
+              </a:lnSpc>
+            </a:pPr>
+            <a:r>
+              <a:rPr lang="en-US" altLang="ko-KR" sz="2800" b="1" dirty="0">
+                <a:solidFill>
+                  <a:prstClr val="black">
+                    <a:lumMod val="75000"/>
+                    <a:lumOff val="25000"/>
+                  </a:prstClr>
+                </a:solidFill>
+              </a:rPr>
+              <a:t>B 237</a:t>
+            </a:r>
+          </a:p>
+        </p:txBody>
+      </p:sp>
+      <p:sp>
+        <p:nvSpPr>
+          <p:cNvPr id="6" name="타원 5"/>
+          <p:cNvSpPr/>
+          <p:nvPr/>
+        </p:nvSpPr>
+        <p:spPr>
+          <a:xfrm>
+            <a:off x="8103985" y="2001950"/>
+            <a:ext cx="2636622" cy="2636622"/>
+          </a:xfrm>
+          <a:prstGeom prst="ellipse">
+            <a:avLst/>
+          </a:prstGeom>
+          <a:solidFill>
+            <a:srgbClr val="EF7398"/>
+          </a:solidFill>
+          <a:ln>
+            <a:noFill/>
+          </a:ln>
+        </p:spPr>
+        <p:style>
+          <a:lnRef idx="2">
+            <a:schemeClr val="accent1">
+              <a:shade val="50000"/>
+            </a:schemeClr>
+          </a:lnRef>
+          <a:fillRef idx="1">
+            <a:schemeClr val="accent1"/>
+          </a:fillRef>
+          <a:effectRef idx="0">
+            <a:schemeClr val="accent1"/>
+          </a:effectRef>
+          <a:fontRef idx="minor">
+            <a:schemeClr val="lt1"/>
+          </a:fontRef>
+        </p:style>
+        <p:txBody>
+          <a:bodyPr rtlCol="0" anchor="ctr"/>
+          <a:lstStyle/>
+          <a:p>
+            <a:pPr algn="ctr">
+              <a:lnSpc>
+                <a:spcPct val="150000"/>
+              </a:lnSpc>
+            </a:pPr>
+            <a:r>
+              <a:rPr lang="en-US" altLang="ko-KR" sz="2800" b="1" dirty="0">
+                <a:solidFill>
+                  <a:prstClr val="white"/>
+                </a:solidFill>
+              </a:rPr>
+              <a:t>R 239</a:t>
+            </a:r>
+          </a:p>
+          <a:p>
+            <a:pPr algn="ctr">
+              <a:lnSpc>
+                <a:spcPct val="150000"/>
+              </a:lnSpc>
+            </a:pPr>
+            <a:r>
+              <a:rPr lang="en-US" altLang="ko-KR" sz="2800" b="1" dirty="0">
+                <a:solidFill>
+                  <a:prstClr val="white"/>
+                </a:solidFill>
+              </a:rPr>
+              <a:t>G 115</a:t>
+            </a:r>
+          </a:p>
+          <a:p>
+            <a:pPr algn="ctr">
+              <a:lnSpc>
+                <a:spcPct val="150000"/>
+              </a:lnSpc>
+            </a:pPr>
+            <a:r>
+              <a:rPr lang="en-US" altLang="ko-KR" sz="2800" b="1" dirty="0">
+                <a:solidFill>
+                  <a:prstClr val="white"/>
+                </a:solidFill>
+              </a:rPr>
+              <a:t>B 152</a:t>
+            </a:r>
+          </a:p>
+        </p:txBody>
+      </p:sp>
+      <p:sp>
+        <p:nvSpPr>
+          <p:cNvPr id="7" name="타원 6"/>
+          <p:cNvSpPr/>
+          <p:nvPr/>
+        </p:nvSpPr>
+        <p:spPr>
+          <a:xfrm>
+            <a:off x="1529013" y="2001950"/>
+            <a:ext cx="2636622" cy="2636622"/>
+          </a:xfrm>
+          <a:prstGeom prst="ellipse">
+            <a:avLst/>
+          </a:prstGeom>
+          <a:solidFill>
+            <a:srgbClr val="28395C"/>
+          </a:solidFill>
+          <a:ln>
+            <a:noFill/>
+          </a:ln>
+        </p:spPr>
+        <p:style>
+          <a:lnRef idx="2">
+            <a:schemeClr val="accent1">
+              <a:shade val="50000"/>
+            </a:schemeClr>
+          </a:lnRef>
+          <a:fillRef idx="1">
+            <a:schemeClr val="accent1"/>
+          </a:fillRef>
+          <a:effectRef idx="0">
+            <a:schemeClr val="accent1"/>
+          </a:effectRef>
+          <a:fontRef idx="minor">
+            <a:schemeClr val="lt1"/>
+          </a:fontRef>
+        </p:style>
+        <p:txBody>
+          <a:bodyPr rtlCol="0" anchor="ctr"/>
+          <a:lstStyle/>
+          <a:p>
+            <a:pPr algn="ctr">
+              <a:lnSpc>
+                <a:spcPct val="150000"/>
+              </a:lnSpc>
+            </a:pPr>
+            <a:r>
+              <a:rPr lang="en-US" altLang="ko-KR" sz="2800" b="1" dirty="0">
+                <a:solidFill>
+                  <a:prstClr val="white"/>
+                </a:solidFill>
+              </a:rPr>
+              <a:t>R 40</a:t>
+            </a:r>
+          </a:p>
+          <a:p>
+            <a:pPr algn="ctr">
+              <a:lnSpc>
+                <a:spcPct val="150000"/>
+              </a:lnSpc>
+            </a:pPr>
+            <a:r>
+              <a:rPr lang="en-US" altLang="ko-KR" sz="2800" b="1" dirty="0">
+                <a:solidFill>
+                  <a:prstClr val="white"/>
+                </a:solidFill>
+              </a:rPr>
+              <a:t>G 57</a:t>
+            </a:r>
+          </a:p>
+          <a:p>
+            <a:pPr algn="ctr">
+              <a:lnSpc>
+                <a:spcPct val="150000"/>
+              </a:lnSpc>
+            </a:pPr>
+            <a:r>
+              <a:rPr lang="en-US" altLang="ko-KR" sz="2800" b="1" dirty="0">
+                <a:solidFill>
+                  <a:prstClr val="white"/>
+                </a:solidFill>
+              </a:rPr>
+              <a:t>B 92</a:t>
+            </a:r>
+          </a:p>
+        </p:txBody>
+      </p:sp>
+    </p:spTree>
+    <p:extLst>
+      <p:ext uri="{BB962C8B-B14F-4D97-AF65-F5344CB8AC3E}">
+        <p14:creationId xmlns:p14="http://schemas.microsoft.com/office/powerpoint/2010/main" val="2819464290"/>
+      </p:ext>
+    </p:extLst>
+  </p:cSld>
+  <p:clrMapOvr>
+    <a:masterClrMapping/>
+  </p:clrMapOvr>
+</p:sld>
+</file>
+
+<file path=ppt/slides/slide21.xml><?xml version="1.0" encoding="utf-8"?>
+<p:sld xmlns:a="http://schemas.openxmlformats.org/drawingml/2006/main" xmlns:r="http://schemas.openxmlformats.org/officeDocument/2006/relationships" xmlns:p="http://schemas.openxmlformats.org/presentationml/2006/main">
+  <p:cSld>
     <p:spTree>
       <p:nvGrpSpPr>
         <p:cNvPr id="1" name=""/>
@@ -25746,14 +26685,6 @@
 <file path=ppt/slides/slide3.xml><?xml version="1.0" encoding="utf-8"?>
 <p:sld xmlns:a="http://schemas.openxmlformats.org/drawingml/2006/main" xmlns:r="http://schemas.openxmlformats.org/officeDocument/2006/relationships" xmlns:p="http://schemas.openxmlformats.org/presentationml/2006/main">
   <p:cSld>
-    <p:bg>
-      <p:bgPr>
-        <a:solidFill>
-          <a:srgbClr val="28395C"/>
-        </a:solidFill>
-        <a:effectLst/>
-      </p:bgPr>
-    </p:bg>
     <p:spTree>
       <p:nvGrpSpPr>
         <p:cNvPr id="1" name=""/>
@@ -26009,14 +26940,6 @@
 <file path=ppt/slides/slide4.xml><?xml version="1.0" encoding="utf-8"?>
 <p:sld xmlns:a="http://schemas.openxmlformats.org/drawingml/2006/main" xmlns:r="http://schemas.openxmlformats.org/officeDocument/2006/relationships" xmlns:p="http://schemas.openxmlformats.org/presentationml/2006/main">
   <p:cSld>
-    <p:bg>
-      <p:bgPr>
-        <a:solidFill>
-          <a:srgbClr val="28395C"/>
-        </a:solidFill>
-        <a:effectLst/>
-      </p:bgPr>
-    </p:bg>
     <p:spTree>
       <p:nvGrpSpPr>
         <p:cNvPr id="1" name=""/>
@@ -26380,8 +27303,8 @@
           </a:p>
         </p:txBody>
       </p:sp>
-      <mc:AlternateContent xmlns:mc="http://schemas.openxmlformats.org/markup-compatibility/2006">
-        <mc:Choice xmlns:p14="http://schemas.microsoft.com/office/powerpoint/2010/main" Requires="p14">
+      <mc:AlternateContent xmlns:mc="http://schemas.openxmlformats.org/markup-compatibility/2006" xmlns:p14="http://schemas.microsoft.com/office/powerpoint/2010/main">
+        <mc:Choice Requires="p14">
           <p:contentPart p14:bwMode="auto" r:id="rId4">
             <p14:nvContentPartPr>
               <p14:cNvPr id="12" name="잉크 11">
@@ -26400,7 +27323,7 @@
             </p14:xfrm>
           </p:contentPart>
         </mc:Choice>
-        <mc:Fallback>
+        <mc:Fallback xmlns="">
           <p:pic>
             <p:nvPicPr>
               <p:cNvPr id="12" name="잉크 11">
@@ -26661,14 +27584,6 @@
 <file path=ppt/slides/slide5.xml><?xml version="1.0" encoding="utf-8"?>
 <p:sld xmlns:a="http://schemas.openxmlformats.org/drawingml/2006/main" xmlns:r="http://schemas.openxmlformats.org/officeDocument/2006/relationships" xmlns:p="http://schemas.openxmlformats.org/presentationml/2006/main">
   <p:cSld>
-    <p:bg>
-      <p:bgPr>
-        <a:solidFill>
-          <a:srgbClr val="28395C"/>
-        </a:solidFill>
-        <a:effectLst/>
-      </p:bgPr>
-    </p:bg>
     <p:spTree>
       <p:nvGrpSpPr>
         <p:cNvPr id="1" name=""/>
@@ -27275,14 +28190,6 @@
 <file path=ppt/slides/slide6.xml><?xml version="1.0" encoding="utf-8"?>
 <p:sld xmlns:a="http://schemas.openxmlformats.org/drawingml/2006/main" xmlns:r="http://schemas.openxmlformats.org/officeDocument/2006/relationships" xmlns:p="http://schemas.openxmlformats.org/presentationml/2006/main">
   <p:cSld>
-    <p:bg>
-      <p:bgPr>
-        <a:solidFill>
-          <a:srgbClr val="28395C"/>
-        </a:solidFill>
-        <a:effectLst/>
-      </p:bgPr>
-    </p:bg>
     <p:spTree>
       <p:nvGrpSpPr>
         <p:cNvPr id="1" name=""/>
@@ -27846,14 +28753,6 @@
 <file path=ppt/slides/slide7.xml><?xml version="1.0" encoding="utf-8"?>
 <p:sld xmlns:a="http://schemas.openxmlformats.org/drawingml/2006/main" xmlns:r="http://schemas.openxmlformats.org/officeDocument/2006/relationships" xmlns:p="http://schemas.openxmlformats.org/presentationml/2006/main">
   <p:cSld>
-    <p:bg>
-      <p:bgPr>
-        <a:solidFill>
-          <a:srgbClr val="28395C"/>
-        </a:solidFill>
-        <a:effectLst/>
-      </p:bgPr>
-    </p:bg>
     <p:spTree>
       <p:nvGrpSpPr>
         <p:cNvPr id="1" name=""/>
@@ -28585,14 +29484,6 @@
 <file path=ppt/slides/slide8.xml><?xml version="1.0" encoding="utf-8"?>
 <p:sld xmlns:a="http://schemas.openxmlformats.org/drawingml/2006/main" xmlns:r="http://schemas.openxmlformats.org/officeDocument/2006/relationships" xmlns:p="http://schemas.openxmlformats.org/presentationml/2006/main">
   <p:cSld>
-    <p:bg>
-      <p:bgPr>
-        <a:solidFill>
-          <a:srgbClr val="28395C"/>
-        </a:solidFill>
-        <a:effectLst/>
-      </p:bgPr>
-    </p:bg>
     <p:spTree>
       <p:nvGrpSpPr>
         <p:cNvPr id="1" name=""/>
@@ -28832,6 +29723,477 @@
           </a:p>
         </p:txBody>
       </p:sp>
+      <p:pic>
+        <p:nvPicPr>
+          <p:cNvPr id="3" name="그림 2">
+            <a:extLst>
+              <a:ext uri="{FF2B5EF4-FFF2-40B4-BE49-F238E27FC236}">
+                <a16:creationId xmlns:a16="http://schemas.microsoft.com/office/drawing/2014/main" id="{75C18ADA-0EFB-4F2A-A458-6AB63299ACBD}"/>
+              </a:ext>
+            </a:extLst>
+          </p:cNvPr>
+          <p:cNvPicPr>
+            <a:picLocks noChangeAspect="1"/>
+          </p:cNvPicPr>
+          <p:nvPr/>
+        </p:nvPicPr>
+        <p:blipFill rotWithShape="1">
+          <a:blip r:embed="rId2"/>
+          <a:srcRect t="36297" r="80833" b="27555"/>
+          <a:stretch/>
+        </p:blipFill>
+        <p:spPr>
+          <a:xfrm>
+            <a:off x="538480" y="1483360"/>
+            <a:ext cx="3265774" cy="3464560"/>
+          </a:xfrm>
+          <a:prstGeom prst="rect">
+            <a:avLst/>
+          </a:prstGeom>
+        </p:spPr>
+      </p:pic>
+      <p:sp>
+        <p:nvSpPr>
+          <p:cNvPr id="12" name="직사각형 11">
+            <a:extLst>
+              <a:ext uri="{FF2B5EF4-FFF2-40B4-BE49-F238E27FC236}">
+                <a16:creationId xmlns:a16="http://schemas.microsoft.com/office/drawing/2014/main" id="{7D5DD69A-89DD-48C3-8096-C3DFFFF79A4C}"/>
+              </a:ext>
+            </a:extLst>
+          </p:cNvPr>
+          <p:cNvSpPr/>
+          <p:nvPr/>
+        </p:nvSpPr>
+        <p:spPr>
+          <a:xfrm>
+            <a:off x="3804254" y="1209040"/>
+            <a:ext cx="7717186" cy="4805680"/>
+          </a:xfrm>
+          <a:prstGeom prst="rect">
+            <a:avLst/>
+          </a:prstGeom>
+          <a:solidFill>
+            <a:srgbClr val="F6F9FF"/>
+          </a:solidFill>
+          <a:ln>
+            <a:noFill/>
+          </a:ln>
+        </p:spPr>
+        <p:style>
+          <a:lnRef idx="2">
+            <a:schemeClr val="accent1">
+              <a:shade val="50000"/>
+            </a:schemeClr>
+          </a:lnRef>
+          <a:fillRef idx="1">
+            <a:schemeClr val="accent1"/>
+          </a:fillRef>
+          <a:effectRef idx="0">
+            <a:schemeClr val="accent1"/>
+          </a:effectRef>
+          <a:fontRef idx="minor">
+            <a:schemeClr val="lt1"/>
+          </a:fontRef>
+        </p:style>
+        <p:txBody>
+          <a:bodyPr rtlCol="0" anchor="ctr"/>
+          <a:lstStyle/>
+          <a:p>
+            <a:pPr algn="ctr"/>
+            <a:endParaRPr lang="ko-KR" altLang="en-US" dirty="0"/>
+          </a:p>
+        </p:txBody>
+      </p:sp>
+      <p:pic>
+        <p:nvPicPr>
+          <p:cNvPr id="1026" name="Picture 2" descr="https://cdn-icons-png.flaticon.com/512/3135/3135715.png">
+            <a:extLst>
+              <a:ext uri="{FF2B5EF4-FFF2-40B4-BE49-F238E27FC236}">
+                <a16:creationId xmlns:a16="http://schemas.microsoft.com/office/drawing/2014/main" id="{2A578E59-DCE1-436A-81FD-3FBB37B5A7CF}"/>
+              </a:ext>
+            </a:extLst>
+          </p:cNvPr>
+          <p:cNvPicPr>
+            <a:picLocks noChangeAspect="1" noChangeArrowheads="1"/>
+          </p:cNvPicPr>
+          <p:nvPr/>
+        </p:nvPicPr>
+        <p:blipFill>
+          <a:blip r:embed="rId3" cstate="print">
+            <a:extLst>
+              <a:ext uri="{28A0092B-C50C-407E-A947-70E740481C1C}">
+                <a14:useLocalDpi xmlns:a14="http://schemas.microsoft.com/office/drawing/2010/main" val="0"/>
+              </a:ext>
+            </a:extLst>
+          </a:blip>
+          <a:srcRect/>
+          <a:stretch>
+            <a:fillRect/>
+          </a:stretch>
+        </p:blipFill>
+        <p:spPr bwMode="auto">
+          <a:xfrm>
+            <a:off x="8463279" y="1742442"/>
+            <a:ext cx="1440000" cy="1440000"/>
+          </a:xfrm>
+          <a:prstGeom prst="rect">
+            <a:avLst/>
+          </a:prstGeom>
+          <a:noFill/>
+          <a:extLst>
+            <a:ext uri="{909E8E84-426E-40DD-AFC4-6F175D3DCCD1}">
+              <a14:hiddenFill xmlns:a14="http://schemas.microsoft.com/office/drawing/2010/main">
+                <a:solidFill>
+                  <a:srgbClr val="FFFFFF"/>
+                </a:solidFill>
+              </a14:hiddenFill>
+            </a:ext>
+          </a:extLst>
+        </p:spPr>
+      </p:pic>
+      <p:pic>
+        <p:nvPicPr>
+          <p:cNvPr id="1028" name="Picture 4" descr="https://cdn-icons-png.flaticon.com/512/3135/3135789.png">
+            <a:extLst>
+              <a:ext uri="{FF2B5EF4-FFF2-40B4-BE49-F238E27FC236}">
+                <a16:creationId xmlns:a16="http://schemas.microsoft.com/office/drawing/2014/main" id="{71F01B81-33CE-48C3-AC9E-5E9033A1B979}"/>
+              </a:ext>
+            </a:extLst>
+          </p:cNvPr>
+          <p:cNvPicPr>
+            <a:picLocks noChangeAspect="1" noChangeArrowheads="1"/>
+          </p:cNvPicPr>
+          <p:nvPr/>
+        </p:nvPicPr>
+        <p:blipFill>
+          <a:blip r:embed="rId4" cstate="print">
+            <a:extLst>
+              <a:ext uri="{28A0092B-C50C-407E-A947-70E740481C1C}">
+                <a14:useLocalDpi xmlns:a14="http://schemas.microsoft.com/office/drawing/2010/main" val="0"/>
+              </a:ext>
+            </a:extLst>
+          </a:blip>
+          <a:srcRect/>
+          <a:stretch>
+            <a:fillRect/>
+          </a:stretch>
+        </p:blipFill>
+        <p:spPr bwMode="auto">
+          <a:xfrm>
+            <a:off x="4656000" y="2748460"/>
+            <a:ext cx="1440000" cy="1440000"/>
+          </a:xfrm>
+          <a:prstGeom prst="rect">
+            <a:avLst/>
+          </a:prstGeom>
+          <a:noFill/>
+          <a:extLst>
+            <a:ext uri="{909E8E84-426E-40DD-AFC4-6F175D3DCCD1}">
+              <a14:hiddenFill xmlns:a14="http://schemas.microsoft.com/office/drawing/2010/main">
+                <a:solidFill>
+                  <a:srgbClr val="FFFFFF"/>
+                </a:solidFill>
+              </a14:hiddenFill>
+            </a:ext>
+          </a:extLst>
+        </p:spPr>
+      </p:pic>
+      <p:grpSp>
+        <p:nvGrpSpPr>
+          <p:cNvPr id="8" name="그룹 7">
+            <a:extLst>
+              <a:ext uri="{FF2B5EF4-FFF2-40B4-BE49-F238E27FC236}">
+                <a16:creationId xmlns:a16="http://schemas.microsoft.com/office/drawing/2014/main" id="{D3E54687-C4FD-45B8-AE98-E08A9C0AB9C9}"/>
+              </a:ext>
+            </a:extLst>
+          </p:cNvPr>
+          <p:cNvGrpSpPr/>
+          <p:nvPr/>
+        </p:nvGrpSpPr>
+        <p:grpSpPr>
+          <a:xfrm>
+            <a:off x="8463280" y="4028460"/>
+            <a:ext cx="1440000" cy="1440000"/>
+            <a:chOff x="8463280" y="4028460"/>
+            <a:chExt cx="1440000" cy="1440000"/>
+          </a:xfrm>
+        </p:grpSpPr>
+        <p:sp>
+          <p:nvSpPr>
+            <p:cNvPr id="4" name="타원 3">
+              <a:extLst>
+                <a:ext uri="{FF2B5EF4-FFF2-40B4-BE49-F238E27FC236}">
+                  <a16:creationId xmlns:a16="http://schemas.microsoft.com/office/drawing/2014/main" id="{EE906816-DAF2-459B-AD37-D4C65ED405CC}"/>
+                </a:ext>
+              </a:extLst>
+            </p:cNvPr>
+            <p:cNvSpPr/>
+            <p:nvPr/>
+          </p:nvSpPr>
+          <p:spPr>
+            <a:xfrm>
+              <a:off x="8463280" y="4028460"/>
+              <a:ext cx="1440000" cy="1440000"/>
+            </a:xfrm>
+            <a:prstGeom prst="ellipse">
+              <a:avLst/>
+            </a:prstGeom>
+            <a:solidFill>
+              <a:srgbClr val="CBE2FF"/>
+            </a:solidFill>
+            <a:ln>
+              <a:noFill/>
+            </a:ln>
+          </p:spPr>
+          <p:style>
+            <a:lnRef idx="2">
+              <a:schemeClr val="accent1">
+                <a:shade val="50000"/>
+              </a:schemeClr>
+            </a:lnRef>
+            <a:fillRef idx="1">
+              <a:schemeClr val="accent1"/>
+            </a:fillRef>
+            <a:effectRef idx="0">
+              <a:schemeClr val="accent1"/>
+            </a:effectRef>
+            <a:fontRef idx="minor">
+              <a:schemeClr val="lt1"/>
+            </a:fontRef>
+          </p:style>
+          <p:txBody>
+            <a:bodyPr rtlCol="0" anchor="ctr"/>
+            <a:lstStyle/>
+            <a:p>
+              <a:pPr algn="ctr"/>
+              <a:endParaRPr lang="ko-KR" altLang="en-US" dirty="0"/>
+            </a:p>
+          </p:txBody>
+        </p:sp>
+        <p:pic>
+          <p:nvPicPr>
+            <p:cNvPr id="1030" name="Picture 6" descr="https://cdn-icons-png.flaticon.com/512/3791/3791146.png">
+              <a:extLst>
+                <a:ext uri="{FF2B5EF4-FFF2-40B4-BE49-F238E27FC236}">
+                  <a16:creationId xmlns:a16="http://schemas.microsoft.com/office/drawing/2014/main" id="{BD75C1C4-705D-468B-8524-B7811D660E3D}"/>
+                </a:ext>
+              </a:extLst>
+            </p:cNvPr>
+            <p:cNvPicPr>
+              <a:picLocks noChangeAspect="1" noChangeArrowheads="1"/>
+            </p:cNvPicPr>
+            <p:nvPr/>
+          </p:nvPicPr>
+          <p:blipFill>
+            <a:blip r:embed="rId5" cstate="print">
+              <a:extLst>
+                <a:ext uri="{28A0092B-C50C-407E-A947-70E740481C1C}">
+                  <a14:useLocalDpi xmlns:a14="http://schemas.microsoft.com/office/drawing/2010/main" val="0"/>
+                </a:ext>
+              </a:extLst>
+            </a:blip>
+            <a:srcRect/>
+            <a:stretch>
+              <a:fillRect/>
+            </a:stretch>
+          </p:blipFill>
+          <p:spPr bwMode="auto">
+            <a:xfrm>
+              <a:off x="8557380" y="4117741"/>
+              <a:ext cx="1251799" cy="1251799"/>
+            </a:xfrm>
+            <a:prstGeom prst="rect">
+              <a:avLst/>
+            </a:prstGeom>
+            <a:noFill/>
+            <a:extLst>
+              <a:ext uri="{909E8E84-426E-40DD-AFC4-6F175D3DCCD1}">
+                <a14:hiddenFill xmlns:a14="http://schemas.microsoft.com/office/drawing/2010/main">
+                  <a:solidFill>
+                    <a:srgbClr val="FFFFFF"/>
+                  </a:solidFill>
+                </a14:hiddenFill>
+              </a:ext>
+            </a:extLst>
+          </p:spPr>
+        </p:pic>
+      </p:grpSp>
+      <p:cxnSp>
+        <p:nvCxnSpPr>
+          <p:cNvPr id="10" name="직선 화살표 연결선 9">
+            <a:extLst>
+              <a:ext uri="{FF2B5EF4-FFF2-40B4-BE49-F238E27FC236}">
+                <a16:creationId xmlns:a16="http://schemas.microsoft.com/office/drawing/2014/main" id="{14362FB0-4150-40F6-8905-AD838AA4AC3C}"/>
+              </a:ext>
+            </a:extLst>
+          </p:cNvPr>
+          <p:cNvCxnSpPr/>
+          <p:nvPr/>
+        </p:nvCxnSpPr>
+        <p:spPr>
+          <a:xfrm flipV="1">
+            <a:off x="6329680" y="2600960"/>
+            <a:ext cx="1930400" cy="581482"/>
+          </a:xfrm>
+          <a:prstGeom prst="straightConnector1">
+            <a:avLst/>
+          </a:prstGeom>
+          <a:ln w="76200">
+            <a:prstDash val="sysDash"/>
+            <a:tailEnd type="triangle"/>
+          </a:ln>
+        </p:spPr>
+        <p:style>
+          <a:lnRef idx="1">
+            <a:schemeClr val="accent2"/>
+          </a:lnRef>
+          <a:fillRef idx="0">
+            <a:schemeClr val="accent2"/>
+          </a:fillRef>
+          <a:effectRef idx="0">
+            <a:schemeClr val="accent2"/>
+          </a:effectRef>
+          <a:fontRef idx="minor">
+            <a:schemeClr val="tx1"/>
+          </a:fontRef>
+        </p:style>
+      </p:cxnSp>
+      <p:cxnSp>
+        <p:nvCxnSpPr>
+          <p:cNvPr id="16" name="직선 화살표 연결선 15">
+            <a:extLst>
+              <a:ext uri="{FF2B5EF4-FFF2-40B4-BE49-F238E27FC236}">
+                <a16:creationId xmlns:a16="http://schemas.microsoft.com/office/drawing/2014/main" id="{C60784AC-0779-43F8-867F-B52509045D0D}"/>
+              </a:ext>
+            </a:extLst>
+          </p:cNvPr>
+          <p:cNvCxnSpPr>
+            <a:cxnSpLocks/>
+          </p:cNvCxnSpPr>
+          <p:nvPr/>
+        </p:nvCxnSpPr>
+        <p:spPr>
+          <a:xfrm>
+            <a:off x="6349766" y="3719741"/>
+            <a:ext cx="1891092" cy="711378"/>
+          </a:xfrm>
+          <a:prstGeom prst="straightConnector1">
+            <a:avLst/>
+          </a:prstGeom>
+          <a:ln w="76200">
+            <a:prstDash val="sysDash"/>
+            <a:tailEnd type="triangle"/>
+          </a:ln>
+        </p:spPr>
+        <p:style>
+          <a:lnRef idx="1">
+            <a:schemeClr val="accent2"/>
+          </a:lnRef>
+          <a:fillRef idx="0">
+            <a:schemeClr val="accent2"/>
+          </a:fillRef>
+          <a:effectRef idx="0">
+            <a:schemeClr val="accent2"/>
+          </a:effectRef>
+          <a:fontRef idx="minor">
+            <a:schemeClr val="tx1"/>
+          </a:fontRef>
+        </p:style>
+      </p:cxnSp>
+      <p:pic>
+        <p:nvPicPr>
+          <p:cNvPr id="1034" name="Picture 10" descr="https://cdn-icons-png.flaticon.com/512/1040/1040218.png">
+            <a:extLst>
+              <a:ext uri="{FF2B5EF4-FFF2-40B4-BE49-F238E27FC236}">
+                <a16:creationId xmlns:a16="http://schemas.microsoft.com/office/drawing/2014/main" id="{9D981AE7-8977-4D46-89AA-5BD241E74053}"/>
+              </a:ext>
+            </a:extLst>
+          </p:cNvPr>
+          <p:cNvPicPr>
+            <a:picLocks noChangeAspect="1" noChangeArrowheads="1"/>
+          </p:cNvPicPr>
+          <p:nvPr/>
+        </p:nvPicPr>
+        <p:blipFill>
+          <a:blip r:embed="rId6" cstate="print">
+            <a:extLst>
+              <a:ext uri="{28A0092B-C50C-407E-A947-70E740481C1C}">
+                <a14:useLocalDpi xmlns:a14="http://schemas.microsoft.com/office/drawing/2010/main" val="0"/>
+              </a:ext>
+            </a:extLst>
+          </a:blip>
+          <a:srcRect/>
+          <a:stretch>
+            <a:fillRect/>
+          </a:stretch>
+        </p:blipFill>
+        <p:spPr bwMode="auto">
+          <a:xfrm>
+            <a:off x="9455690" y="2711759"/>
+            <a:ext cx="558800" cy="558800"/>
+          </a:xfrm>
+          <a:prstGeom prst="rect">
+            <a:avLst/>
+          </a:prstGeom>
+          <a:noFill/>
+          <a:extLst>
+            <a:ext uri="{909E8E84-426E-40DD-AFC4-6F175D3DCCD1}">
+              <a14:hiddenFill xmlns:a14="http://schemas.microsoft.com/office/drawing/2010/main">
+                <a:solidFill>
+                  <a:srgbClr val="FFFFFF"/>
+                </a:solidFill>
+              </a14:hiddenFill>
+            </a:ext>
+          </a:extLst>
+        </p:spPr>
+      </p:pic>
+      <p:pic>
+        <p:nvPicPr>
+          <p:cNvPr id="19" name="Picture 10" descr="https://cdn-icons-png.flaticon.com/512/1040/1040218.png">
+            <a:extLst>
+              <a:ext uri="{FF2B5EF4-FFF2-40B4-BE49-F238E27FC236}">
+                <a16:creationId xmlns:a16="http://schemas.microsoft.com/office/drawing/2014/main" id="{53197BCE-3F45-4FCF-B1EC-354EA1629606}"/>
+              </a:ext>
+            </a:extLst>
+          </p:cNvPr>
+          <p:cNvPicPr>
+            <a:picLocks noChangeAspect="1" noChangeArrowheads="1"/>
+          </p:cNvPicPr>
+          <p:nvPr/>
+        </p:nvPicPr>
+        <p:blipFill>
+          <a:blip r:embed="rId6" cstate="print">
+            <a:extLst>
+              <a:ext uri="{28A0092B-C50C-407E-A947-70E740481C1C}">
+                <a14:useLocalDpi xmlns:a14="http://schemas.microsoft.com/office/drawing/2010/main" val="0"/>
+              </a:ext>
+            </a:extLst>
+          </a:blip>
+          <a:srcRect/>
+          <a:stretch>
+            <a:fillRect/>
+          </a:stretch>
+        </p:blipFill>
+        <p:spPr bwMode="auto">
+          <a:xfrm>
+            <a:off x="9529779" y="4900021"/>
+            <a:ext cx="558800" cy="558800"/>
+          </a:xfrm>
+          <a:prstGeom prst="rect">
+            <a:avLst/>
+          </a:prstGeom>
+          <a:noFill/>
+          <a:extLst>
+            <a:ext uri="{909E8E84-426E-40DD-AFC4-6F175D3DCCD1}">
+              <a14:hiddenFill xmlns:a14="http://schemas.microsoft.com/office/drawing/2010/main">
+                <a:solidFill>
+                  <a:srgbClr val="FFFFFF"/>
+                </a:solidFill>
+              </a14:hiddenFill>
+            </a:ext>
+          </a:extLst>
+        </p:spPr>
+      </p:pic>
     </p:spTree>
     <p:extLst>
       <p:ext uri="{BB962C8B-B14F-4D97-AF65-F5344CB8AC3E}">
@@ -28842,20 +30204,319 @@
   <p:clrMapOvr>
     <a:masterClrMapping/>
   </p:clrMapOvr>
+  <p:timing>
+    <p:tnLst>
+      <p:par>
+        <p:cTn id="1" dur="indefinite" restart="never" nodeType="tmRoot">
+          <p:childTnLst>
+            <p:seq concurrent="1" nextAc="seek">
+              <p:cTn id="2" dur="indefinite" nodeType="mainSeq">
+                <p:childTnLst>
+                  <p:par>
+                    <p:cTn id="3" fill="hold">
+                      <p:stCondLst>
+                        <p:cond delay="indefinite"/>
+                      </p:stCondLst>
+                      <p:childTnLst>
+                        <p:par>
+                          <p:cTn id="4" fill="hold">
+                            <p:stCondLst>
+                              <p:cond delay="0"/>
+                            </p:stCondLst>
+                            <p:childTnLst>
+                              <p:par>
+                                <p:cTn id="5" presetID="22" presetClass="entr" presetSubtype="4" fill="hold" nodeType="clickEffect">
+                                  <p:stCondLst>
+                                    <p:cond delay="0"/>
+                                  </p:stCondLst>
+                                  <p:childTnLst>
+                                    <p:set>
+                                      <p:cBhvr>
+                                        <p:cTn id="6" dur="1" fill="hold">
+                                          <p:stCondLst>
+                                            <p:cond delay="0"/>
+                                          </p:stCondLst>
+                                        </p:cTn>
+                                        <p:tgtEl>
+                                          <p:spTgt spid="10"/>
+                                        </p:tgtEl>
+                                        <p:attrNameLst>
+                                          <p:attrName>style.visibility</p:attrName>
+                                        </p:attrNameLst>
+                                      </p:cBhvr>
+                                      <p:to>
+                                        <p:strVal val="visible"/>
+                                      </p:to>
+                                    </p:set>
+                                    <p:animEffect transition="in" filter="wipe(down)">
+                                      <p:cBhvr>
+                                        <p:cTn id="7" dur="500"/>
+                                        <p:tgtEl>
+                                          <p:spTgt spid="10"/>
+                                        </p:tgtEl>
+                                      </p:cBhvr>
+                                    </p:animEffect>
+                                  </p:childTnLst>
+                                </p:cTn>
+                              </p:par>
+                            </p:childTnLst>
+                          </p:cTn>
+                        </p:par>
+                        <p:par>
+                          <p:cTn id="8" fill="hold">
+                            <p:stCondLst>
+                              <p:cond delay="500"/>
+                            </p:stCondLst>
+                            <p:childTnLst>
+                              <p:par>
+                                <p:cTn id="9" presetID="42" presetClass="entr" presetSubtype="0" fill="hold" nodeType="afterEffect">
+                                  <p:stCondLst>
+                                    <p:cond delay="0"/>
+                                  </p:stCondLst>
+                                  <p:childTnLst>
+                                    <p:set>
+                                      <p:cBhvr>
+                                        <p:cTn id="10" dur="1" fill="hold">
+                                          <p:stCondLst>
+                                            <p:cond delay="0"/>
+                                          </p:stCondLst>
+                                        </p:cTn>
+                                        <p:tgtEl>
+                                          <p:spTgt spid="1034"/>
+                                        </p:tgtEl>
+                                        <p:attrNameLst>
+                                          <p:attrName>style.visibility</p:attrName>
+                                        </p:attrNameLst>
+                                      </p:cBhvr>
+                                      <p:to>
+                                        <p:strVal val="visible"/>
+                                      </p:to>
+                                    </p:set>
+                                    <p:animEffect transition="in" filter="fade">
+                                      <p:cBhvr>
+                                        <p:cTn id="11" dur="250"/>
+                                        <p:tgtEl>
+                                          <p:spTgt spid="1034"/>
+                                        </p:tgtEl>
+                                      </p:cBhvr>
+                                    </p:animEffect>
+                                    <p:anim calcmode="lin" valueType="num">
+                                      <p:cBhvr>
+                                        <p:cTn id="12" dur="250" fill="hold"/>
+                                        <p:tgtEl>
+                                          <p:spTgt spid="1034"/>
+                                        </p:tgtEl>
+                                        <p:attrNameLst>
+                                          <p:attrName>ppt_x</p:attrName>
+                                        </p:attrNameLst>
+                                      </p:cBhvr>
+                                      <p:tavLst>
+                                        <p:tav tm="0">
+                                          <p:val>
+                                            <p:strVal val="#ppt_x"/>
+                                          </p:val>
+                                        </p:tav>
+                                        <p:tav tm="100000">
+                                          <p:val>
+                                            <p:strVal val="#ppt_x"/>
+                                          </p:val>
+                                        </p:tav>
+                                      </p:tavLst>
+                                    </p:anim>
+                                    <p:anim calcmode="lin" valueType="num">
+                                      <p:cBhvr>
+                                        <p:cTn id="13" dur="250" fill="hold"/>
+                                        <p:tgtEl>
+                                          <p:spTgt spid="1034"/>
+                                        </p:tgtEl>
+                                        <p:attrNameLst>
+                                          <p:attrName>ppt_y</p:attrName>
+                                        </p:attrNameLst>
+                                      </p:cBhvr>
+                                      <p:tavLst>
+                                        <p:tav tm="0">
+                                          <p:val>
+                                            <p:strVal val="#ppt_y+.1"/>
+                                          </p:val>
+                                        </p:tav>
+                                        <p:tav tm="100000">
+                                          <p:val>
+                                            <p:strVal val="#ppt_y"/>
+                                          </p:val>
+                                        </p:tav>
+                                      </p:tavLst>
+                                    </p:anim>
+                                  </p:childTnLst>
+                                </p:cTn>
+                              </p:par>
+                            </p:childTnLst>
+                          </p:cTn>
+                        </p:par>
+                        <p:par>
+                          <p:cTn id="14" fill="hold">
+                            <p:stCondLst>
+                              <p:cond delay="750"/>
+                            </p:stCondLst>
+                            <p:childTnLst>
+                              <p:par>
+                                <p:cTn id="15" presetID="22" presetClass="entr" presetSubtype="8" fill="hold" nodeType="afterEffect">
+                                  <p:stCondLst>
+                                    <p:cond delay="0"/>
+                                  </p:stCondLst>
+                                  <p:childTnLst>
+                                    <p:set>
+                                      <p:cBhvr>
+                                        <p:cTn id="16" dur="1" fill="hold">
+                                          <p:stCondLst>
+                                            <p:cond delay="0"/>
+                                          </p:stCondLst>
+                                        </p:cTn>
+                                        <p:tgtEl>
+                                          <p:spTgt spid="16"/>
+                                        </p:tgtEl>
+                                        <p:attrNameLst>
+                                          <p:attrName>style.visibility</p:attrName>
+                                        </p:attrNameLst>
+                                      </p:cBhvr>
+                                      <p:to>
+                                        <p:strVal val="visible"/>
+                                      </p:to>
+                                    </p:set>
+                                    <p:animEffect transition="in" filter="wipe(left)">
+                                      <p:cBhvr>
+                                        <p:cTn id="17" dur="500"/>
+                                        <p:tgtEl>
+                                          <p:spTgt spid="16"/>
+                                        </p:tgtEl>
+                                      </p:cBhvr>
+                                    </p:animEffect>
+                                  </p:childTnLst>
+                                </p:cTn>
+                              </p:par>
+                            </p:childTnLst>
+                          </p:cTn>
+                        </p:par>
+                        <p:par>
+                          <p:cTn id="18" fill="hold">
+                            <p:stCondLst>
+                              <p:cond delay="1250"/>
+                            </p:stCondLst>
+                            <p:childTnLst>
+                              <p:par>
+                                <p:cTn id="19" presetID="42" presetClass="entr" presetSubtype="0" fill="hold" nodeType="afterEffect">
+                                  <p:stCondLst>
+                                    <p:cond delay="0"/>
+                                  </p:stCondLst>
+                                  <p:childTnLst>
+                                    <p:set>
+                                      <p:cBhvr>
+                                        <p:cTn id="20" dur="1" fill="hold">
+                                          <p:stCondLst>
+                                            <p:cond delay="0"/>
+                                          </p:stCondLst>
+                                        </p:cTn>
+                                        <p:tgtEl>
+                                          <p:spTgt spid="19"/>
+                                        </p:tgtEl>
+                                        <p:attrNameLst>
+                                          <p:attrName>style.visibility</p:attrName>
+                                        </p:attrNameLst>
+                                      </p:cBhvr>
+                                      <p:to>
+                                        <p:strVal val="visible"/>
+                                      </p:to>
+                                    </p:set>
+                                    <p:animEffect transition="in" filter="fade">
+                                      <p:cBhvr>
+                                        <p:cTn id="21" dur="250"/>
+                                        <p:tgtEl>
+                                          <p:spTgt spid="19"/>
+                                        </p:tgtEl>
+                                      </p:cBhvr>
+                                    </p:animEffect>
+                                    <p:anim calcmode="lin" valueType="num">
+                                      <p:cBhvr>
+                                        <p:cTn id="22" dur="250" fill="hold"/>
+                                        <p:tgtEl>
+                                          <p:spTgt spid="19"/>
+                                        </p:tgtEl>
+                                        <p:attrNameLst>
+                                          <p:attrName>ppt_x</p:attrName>
+                                        </p:attrNameLst>
+                                      </p:cBhvr>
+                                      <p:tavLst>
+                                        <p:tav tm="0">
+                                          <p:val>
+                                            <p:strVal val="#ppt_x"/>
+                                          </p:val>
+                                        </p:tav>
+                                        <p:tav tm="100000">
+                                          <p:val>
+                                            <p:strVal val="#ppt_x"/>
+                                          </p:val>
+                                        </p:tav>
+                                      </p:tavLst>
+                                    </p:anim>
+                                    <p:anim calcmode="lin" valueType="num">
+                                      <p:cBhvr>
+                                        <p:cTn id="23" dur="250" fill="hold"/>
+                                        <p:tgtEl>
+                                          <p:spTgt spid="19"/>
+                                        </p:tgtEl>
+                                        <p:attrNameLst>
+                                          <p:attrName>ppt_y</p:attrName>
+                                        </p:attrNameLst>
+                                      </p:cBhvr>
+                                      <p:tavLst>
+                                        <p:tav tm="0">
+                                          <p:val>
+                                            <p:strVal val="#ppt_y+.1"/>
+                                          </p:val>
+                                        </p:tav>
+                                        <p:tav tm="100000">
+                                          <p:val>
+                                            <p:strVal val="#ppt_y"/>
+                                          </p:val>
+                                        </p:tav>
+                                      </p:tavLst>
+                                    </p:anim>
+                                  </p:childTnLst>
+                                </p:cTn>
+                              </p:par>
+                            </p:childTnLst>
+                          </p:cTn>
+                        </p:par>
+                      </p:childTnLst>
+                    </p:cTn>
+                  </p:par>
+                </p:childTnLst>
+              </p:cTn>
+              <p:prevCondLst>
+                <p:cond evt="onPrev" delay="0">
+                  <p:tgtEl>
+                    <p:sldTgt/>
+                  </p:tgtEl>
+                </p:cond>
+              </p:prevCondLst>
+              <p:nextCondLst>
+                <p:cond evt="onNext" delay="0">
+                  <p:tgtEl>
+                    <p:sldTgt/>
+                  </p:tgtEl>
+                </p:cond>
+              </p:nextCondLst>
+            </p:seq>
+          </p:childTnLst>
+        </p:cTn>
+      </p:par>
+    </p:tnLst>
+  </p:timing>
 </p:sld>
 </file>
 
 <file path=ppt/slides/slide9.xml><?xml version="1.0" encoding="utf-8"?>
 <p:sld xmlns:a="http://schemas.openxmlformats.org/drawingml/2006/main" xmlns:r="http://schemas.openxmlformats.org/officeDocument/2006/relationships" xmlns:p="http://schemas.openxmlformats.org/presentationml/2006/main">
   <p:cSld>
-    <p:bg>
-      <p:bgPr>
-        <a:solidFill>
-          <a:srgbClr val="28395C"/>
-        </a:solidFill>
-        <a:effectLst/>
-      </p:bgPr>
-    </p:bg>
     <p:spTree>
       <p:nvGrpSpPr>
         <p:cNvPr id="1" name=""/>

--- a/Team4 발표자료/SCIT master 42기_A4_KUROWARE_발표자료.pptx
+++ b/Team4 발표자료/SCIT master 42기_A4_KUROWARE_발표자료.pptx
@@ -16,7 +16,7 @@
     <p:sldId id="268" r:id="rId10"/>
     <p:sldId id="269" r:id="rId11"/>
     <p:sldId id="270" r:id="rId12"/>
-    <p:sldId id="271" r:id="rId13"/>
+    <p:sldId id="285" r:id="rId13"/>
     <p:sldId id="280" r:id="rId14"/>
     <p:sldId id="284" r:id="rId15"/>
     <p:sldId id="273" r:id="rId16"/>
@@ -9756,10 +9756,170 @@
           </a:p>
         </p:txBody>
       </p:sp>
+      <p:pic>
+        <p:nvPicPr>
+          <p:cNvPr id="4" name="그림 3">
+            <a:extLst>
+              <a:ext uri="{FF2B5EF4-FFF2-40B4-BE49-F238E27FC236}">
+                <a16:creationId xmlns:a16="http://schemas.microsoft.com/office/drawing/2014/main" id="{4CC7182C-FF71-6A66-6414-190D3C011C13}"/>
+              </a:ext>
+            </a:extLst>
+          </p:cNvPr>
+          <p:cNvPicPr>
+            <a:picLocks noChangeAspect="1"/>
+          </p:cNvPicPr>
+          <p:nvPr/>
+        </p:nvPicPr>
+        <p:blipFill>
+          <a:blip r:embed="rId2">
+            <a:extLst>
+              <a:ext uri="{28A0092B-C50C-407E-A947-70E740481C1C}">
+                <a14:useLocalDpi xmlns:a14="http://schemas.microsoft.com/office/drawing/2010/main" val="0"/>
+              </a:ext>
+            </a:extLst>
+          </a:blip>
+          <a:stretch>
+            <a:fillRect/>
+          </a:stretch>
+        </p:blipFill>
+        <p:spPr>
+          <a:xfrm>
+            <a:off x="681486" y="2954449"/>
+            <a:ext cx="5382526" cy="3134162"/>
+          </a:xfrm>
+          <a:prstGeom prst="rect">
+            <a:avLst/>
+          </a:prstGeom>
+        </p:spPr>
+      </p:pic>
+      <p:pic>
+        <p:nvPicPr>
+          <p:cNvPr id="8" name="그림 7">
+            <a:extLst>
+              <a:ext uri="{FF2B5EF4-FFF2-40B4-BE49-F238E27FC236}">
+                <a16:creationId xmlns:a16="http://schemas.microsoft.com/office/drawing/2014/main" id="{D0EBAFFB-3ABD-333F-A593-50C176AE5980}"/>
+              </a:ext>
+            </a:extLst>
+          </p:cNvPr>
+          <p:cNvPicPr>
+            <a:picLocks noChangeAspect="1"/>
+          </p:cNvPicPr>
+          <p:nvPr/>
+        </p:nvPicPr>
+        <p:blipFill>
+          <a:blip r:embed="rId3" cstate="print">
+            <a:extLst>
+              <a:ext uri="{28A0092B-C50C-407E-A947-70E740481C1C}">
+                <a14:useLocalDpi xmlns:a14="http://schemas.microsoft.com/office/drawing/2010/main" val="0"/>
+              </a:ext>
+            </a:extLst>
+          </a:blip>
+          <a:stretch>
+            <a:fillRect/>
+          </a:stretch>
+        </p:blipFill>
+        <p:spPr>
+          <a:xfrm>
+            <a:off x="6286434" y="2954449"/>
+            <a:ext cx="5162974" cy="3277294"/>
+          </a:xfrm>
+          <a:prstGeom prst="rect">
+            <a:avLst/>
+          </a:prstGeom>
+        </p:spPr>
+      </p:pic>
+      <p:sp>
+        <p:nvSpPr>
+          <p:cNvPr id="9" name="TextBox 8">
+            <a:extLst>
+              <a:ext uri="{FF2B5EF4-FFF2-40B4-BE49-F238E27FC236}">
+                <a16:creationId xmlns:a16="http://schemas.microsoft.com/office/drawing/2014/main" id="{40E62945-263E-A7D9-38DE-812B6884FEFB}"/>
+              </a:ext>
+            </a:extLst>
+          </p:cNvPr>
+          <p:cNvSpPr txBox="1"/>
+          <p:nvPr/>
+        </p:nvSpPr>
+        <p:spPr>
+          <a:xfrm>
+            <a:off x="681486" y="2725774"/>
+            <a:ext cx="888522" cy="230832"/>
+          </a:xfrm>
+          <a:prstGeom prst="rect">
+            <a:avLst/>
+          </a:prstGeom>
+          <a:noFill/>
+        </p:spPr>
+        <p:txBody>
+          <a:bodyPr wrap="square" rtlCol="0">
+            <a:spAutoFit/>
+          </a:bodyPr>
+          <a:lstStyle/>
+          <a:p>
+            <a:r>
+              <a:rPr lang="en-US" altLang="ko-KR" sz="900"/>
+              <a:t>[</a:t>
+            </a:r>
+            <a:r>
+              <a:rPr lang="ko-KR" altLang="en-US" sz="900" dirty="0"/>
+              <a:t>사진자료</a:t>
+            </a:r>
+            <a:r>
+              <a:rPr lang="en-US" altLang="ko-KR" sz="900" dirty="0"/>
+              <a:t>1]</a:t>
+            </a:r>
+            <a:endParaRPr lang="ko-KR" altLang="en-US" sz="900" dirty="0"/>
+          </a:p>
+        </p:txBody>
+      </p:sp>
+      <p:sp>
+        <p:nvSpPr>
+          <p:cNvPr id="10" name="TextBox 9">
+            <a:extLst>
+              <a:ext uri="{FF2B5EF4-FFF2-40B4-BE49-F238E27FC236}">
+                <a16:creationId xmlns:a16="http://schemas.microsoft.com/office/drawing/2014/main" id="{5A61CC3B-0C56-E565-21F9-32F47EF5C45D}"/>
+              </a:ext>
+            </a:extLst>
+          </p:cNvPr>
+          <p:cNvSpPr txBox="1"/>
+          <p:nvPr/>
+        </p:nvSpPr>
+        <p:spPr>
+          <a:xfrm>
+            <a:off x="6096000" y="2725774"/>
+            <a:ext cx="888522" cy="228675"/>
+          </a:xfrm>
+          <a:prstGeom prst="rect">
+            <a:avLst/>
+          </a:prstGeom>
+          <a:noFill/>
+        </p:spPr>
+        <p:txBody>
+          <a:bodyPr wrap="square" rtlCol="0">
+            <a:spAutoFit/>
+          </a:bodyPr>
+          <a:lstStyle/>
+          <a:p>
+            <a:r>
+              <a:rPr lang="en-US" altLang="ko-KR" sz="900" dirty="0"/>
+              <a:t>[</a:t>
+            </a:r>
+            <a:r>
+              <a:rPr lang="ko-KR" altLang="en-US" sz="900" dirty="0"/>
+              <a:t>사진자료</a:t>
+            </a:r>
+            <a:r>
+              <a:rPr lang="en-US" altLang="ko-KR" sz="900" dirty="0"/>
+              <a:t>2]</a:t>
+            </a:r>
+            <a:endParaRPr lang="ko-KR" altLang="en-US" sz="900" dirty="0"/>
+          </a:p>
+        </p:txBody>
+      </p:sp>
     </p:spTree>
     <p:extLst>
       <p:ext uri="{BB962C8B-B14F-4D97-AF65-F5344CB8AC3E}">
-        <p14:creationId xmlns:p14="http://schemas.microsoft.com/office/powerpoint/2010/main" val="2949216614"/>
+        <p14:creationId xmlns:p14="http://schemas.microsoft.com/office/powerpoint/2010/main" val="6842828"/>
       </p:ext>
     </p:extLst>
   </p:cSld>
